--- a/Capstone 2/Capstone 2 Presentation.pptx
+++ b/Capstone 2/Capstone 2 Presentation.pptx
@@ -11,15 +11,23 @@
     <p:sldId id="259" r:id="rId5"/>
     <p:sldId id="260" r:id="rId6"/>
     <p:sldId id="261" r:id="rId7"/>
-    <p:sldId id="262" r:id="rId8"/>
-    <p:sldId id="266" r:id="rId9"/>
-    <p:sldId id="267" r:id="rId10"/>
-    <p:sldId id="268" r:id="rId11"/>
-    <p:sldId id="269" r:id="rId12"/>
-    <p:sldId id="273" r:id="rId13"/>
-    <p:sldId id="272" r:id="rId14"/>
-    <p:sldId id="274" r:id="rId15"/>
-    <p:sldId id="271" r:id="rId16"/>
+    <p:sldId id="275" r:id="rId8"/>
+    <p:sldId id="262" r:id="rId9"/>
+    <p:sldId id="283" r:id="rId10"/>
+    <p:sldId id="266" r:id="rId11"/>
+    <p:sldId id="277" r:id="rId12"/>
+    <p:sldId id="278" r:id="rId13"/>
+    <p:sldId id="269" r:id="rId14"/>
+    <p:sldId id="282" r:id="rId15"/>
+    <p:sldId id="279" r:id="rId16"/>
+    <p:sldId id="276" r:id="rId17"/>
+    <p:sldId id="267" r:id="rId18"/>
+    <p:sldId id="268" r:id="rId19"/>
+    <p:sldId id="280" r:id="rId20"/>
+    <p:sldId id="273" r:id="rId21"/>
+    <p:sldId id="272" r:id="rId22"/>
+    <p:sldId id="274" r:id="rId23"/>
+    <p:sldId id="271" r:id="rId24"/>
   </p:sldIdLst>
   <p:sldSz cx="12192000" cy="6858000"/>
   <p:notesSz cx="6858000" cy="9144000"/>
@@ -129,9 +137,1689 @@
 <file path=ppt/revisionInfo.xml><?xml version="1.0" encoding="utf-8"?>
 <p1510:revInfo xmlns:a="http://schemas.openxmlformats.org/drawingml/2006/main" xmlns:r="http://schemas.openxmlformats.org/officeDocument/2006/relationships" xmlns:p1510="http://schemas.microsoft.com/office/powerpoint/2015/10/main">
   <p1510:revLst>
-    <p1510:client id="{BF918A8B-4897-4C7A-8418-152D3A006542}" v="13" dt="2020-08-17T09:50:57.318"/>
+    <p1510:client id="{BF918A8B-4897-4C7A-8418-152D3A006542}" v="40" dt="2020-08-24T06:08:21.660"/>
   </p1510:revLst>
 </p1510:revInfo>
+</file>
+
+<file path=ppt/changesInfos/changesInfo1.xml><?xml version="1.0" encoding="utf-8"?>
+<pc:chgInfo xmlns:a="http://schemas.openxmlformats.org/drawingml/2006/main" xmlns:r="http://schemas.openxmlformats.org/officeDocument/2006/relationships" xmlns:ac="http://schemas.microsoft.com/office/drawing/2013/main/command" xmlns:pc="http://schemas.microsoft.com/office/powerpoint/2013/main/command">
+  <pc:docChgLst>
+    <pc:chgData name="Paul Butler" userId="e794ef743ee46f0d" providerId="LiveId" clId="{BF918A8B-4897-4C7A-8418-152D3A006542}"/>
+    <pc:docChg chg="undo custSel mod addSld delSld modSld sldOrd">
+      <pc:chgData name="Paul Butler" userId="e794ef743ee46f0d" providerId="LiveId" clId="{BF918A8B-4897-4C7A-8418-152D3A006542}" dt="2020-08-24T06:16:32.179" v="5734" actId="20577"/>
+      <pc:docMkLst>
+        <pc:docMk/>
+      </pc:docMkLst>
+      <pc:sldChg chg="modSp mod">
+        <pc:chgData name="Paul Butler" userId="e794ef743ee46f0d" providerId="LiveId" clId="{BF918A8B-4897-4C7A-8418-152D3A006542}" dt="2020-08-23T19:52:42.439" v="4731" actId="20577"/>
+        <pc:sldMkLst>
+          <pc:docMk/>
+          <pc:sldMk cId="741653983" sldId="256"/>
+        </pc:sldMkLst>
+        <pc:spChg chg="mod">
+          <ac:chgData name="Paul Butler" userId="e794ef743ee46f0d" providerId="LiveId" clId="{BF918A8B-4897-4C7A-8418-152D3A006542}" dt="2020-08-23T19:52:42.439" v="4731" actId="20577"/>
+          <ac:spMkLst>
+            <pc:docMk/>
+            <pc:sldMk cId="741653983" sldId="256"/>
+            <ac:spMk id="2" creationId="{7E80B108-3E5A-42C9-8814-34F90C0009AD}"/>
+          </ac:spMkLst>
+        </pc:spChg>
+        <pc:spChg chg="mod">
+          <ac:chgData name="Paul Butler" userId="e794ef743ee46f0d" providerId="LiveId" clId="{BF918A8B-4897-4C7A-8418-152D3A006542}" dt="2020-08-23T19:22:02.739" v="3877"/>
+          <ac:spMkLst>
+            <pc:docMk/>
+            <pc:sldMk cId="741653983" sldId="256"/>
+            <ac:spMk id="3" creationId="{7B1FD2A9-3F9C-415B-BC78-CB606B745A07}"/>
+          </ac:spMkLst>
+        </pc:spChg>
+      </pc:sldChg>
+      <pc:sldChg chg="modSp mod">
+        <pc:chgData name="Paul Butler" userId="e794ef743ee46f0d" providerId="LiveId" clId="{BF918A8B-4897-4C7A-8418-152D3A006542}" dt="2020-08-23T19:22:02.739" v="3877"/>
+        <pc:sldMkLst>
+          <pc:docMk/>
+          <pc:sldMk cId="704931529" sldId="257"/>
+        </pc:sldMkLst>
+        <pc:spChg chg="mod">
+          <ac:chgData name="Paul Butler" userId="e794ef743ee46f0d" providerId="LiveId" clId="{BF918A8B-4897-4C7A-8418-152D3A006542}" dt="2020-08-23T19:22:02.739" v="3877"/>
+          <ac:spMkLst>
+            <pc:docMk/>
+            <pc:sldMk cId="704931529" sldId="257"/>
+            <ac:spMk id="2" creationId="{9E7B9CEB-F72F-4A7F-B2C5-AEF7F9B8C8C8}"/>
+          </ac:spMkLst>
+        </pc:spChg>
+        <pc:spChg chg="mod">
+          <ac:chgData name="Paul Butler" userId="e794ef743ee46f0d" providerId="LiveId" clId="{BF918A8B-4897-4C7A-8418-152D3A006542}" dt="2020-08-23T19:22:02.739" v="3877"/>
+          <ac:spMkLst>
+            <pc:docMk/>
+            <pc:sldMk cId="704931529" sldId="257"/>
+            <ac:spMk id="3" creationId="{0168E590-801F-46EA-8C76-EDB50BDA0560}"/>
+          </ac:spMkLst>
+        </pc:spChg>
+      </pc:sldChg>
+      <pc:sldChg chg="modSp mod">
+        <pc:chgData name="Paul Butler" userId="e794ef743ee46f0d" providerId="LiveId" clId="{BF918A8B-4897-4C7A-8418-152D3A006542}" dt="2020-08-23T19:22:02.739" v="3877"/>
+        <pc:sldMkLst>
+          <pc:docMk/>
+          <pc:sldMk cId="3839835670" sldId="258"/>
+        </pc:sldMkLst>
+        <pc:spChg chg="mod">
+          <ac:chgData name="Paul Butler" userId="e794ef743ee46f0d" providerId="LiveId" clId="{BF918A8B-4897-4C7A-8418-152D3A006542}" dt="2020-08-23T19:22:02.739" v="3877"/>
+          <ac:spMkLst>
+            <pc:docMk/>
+            <pc:sldMk cId="3839835670" sldId="258"/>
+            <ac:spMk id="2" creationId="{F545DC8E-B92E-41DE-8E1C-37E9638ECBC8}"/>
+          </ac:spMkLst>
+        </pc:spChg>
+        <pc:spChg chg="mod">
+          <ac:chgData name="Paul Butler" userId="e794ef743ee46f0d" providerId="LiveId" clId="{BF918A8B-4897-4C7A-8418-152D3A006542}" dt="2020-08-23T19:22:02.739" v="3877"/>
+          <ac:spMkLst>
+            <pc:docMk/>
+            <pc:sldMk cId="3839835670" sldId="258"/>
+            <ac:spMk id="3" creationId="{CDC09EDC-45CE-47F8-A4F0-DA08C4F6CD00}"/>
+          </ac:spMkLst>
+        </pc:spChg>
+      </pc:sldChg>
+      <pc:sldChg chg="modSp mod">
+        <pc:chgData name="Paul Butler" userId="e794ef743ee46f0d" providerId="LiveId" clId="{BF918A8B-4897-4C7A-8418-152D3A006542}" dt="2020-08-23T19:53:01.248" v="4771" actId="20577"/>
+        <pc:sldMkLst>
+          <pc:docMk/>
+          <pc:sldMk cId="2658548868" sldId="259"/>
+        </pc:sldMkLst>
+        <pc:spChg chg="mod">
+          <ac:chgData name="Paul Butler" userId="e794ef743ee46f0d" providerId="LiveId" clId="{BF918A8B-4897-4C7A-8418-152D3A006542}" dt="2020-08-23T19:22:02.739" v="3877"/>
+          <ac:spMkLst>
+            <pc:docMk/>
+            <pc:sldMk cId="2658548868" sldId="259"/>
+            <ac:spMk id="2" creationId="{8ABC94D3-D6D8-412F-99F2-F09816884EC8}"/>
+          </ac:spMkLst>
+        </pc:spChg>
+        <pc:spChg chg="mod">
+          <ac:chgData name="Paul Butler" userId="e794ef743ee46f0d" providerId="LiveId" clId="{BF918A8B-4897-4C7A-8418-152D3A006542}" dt="2020-08-23T19:53:01.248" v="4771" actId="20577"/>
+          <ac:spMkLst>
+            <pc:docMk/>
+            <pc:sldMk cId="2658548868" sldId="259"/>
+            <ac:spMk id="3" creationId="{3705B0DE-E4D3-42EF-8880-FEE33A62C4A7}"/>
+          </ac:spMkLst>
+        </pc:spChg>
+      </pc:sldChg>
+      <pc:sldChg chg="modSp mod">
+        <pc:chgData name="Paul Butler" userId="e794ef743ee46f0d" providerId="LiveId" clId="{BF918A8B-4897-4C7A-8418-152D3A006542}" dt="2020-08-23T19:22:02.739" v="3877"/>
+        <pc:sldMkLst>
+          <pc:docMk/>
+          <pc:sldMk cId="2329348947" sldId="260"/>
+        </pc:sldMkLst>
+        <pc:spChg chg="mod">
+          <ac:chgData name="Paul Butler" userId="e794ef743ee46f0d" providerId="LiveId" clId="{BF918A8B-4897-4C7A-8418-152D3A006542}" dt="2020-08-23T19:22:02.739" v="3877"/>
+          <ac:spMkLst>
+            <pc:docMk/>
+            <pc:sldMk cId="2329348947" sldId="260"/>
+            <ac:spMk id="2" creationId="{D8CB289C-061B-41D7-A18C-BC042C8B6371}"/>
+          </ac:spMkLst>
+        </pc:spChg>
+        <pc:spChg chg="mod">
+          <ac:chgData name="Paul Butler" userId="e794ef743ee46f0d" providerId="LiveId" clId="{BF918A8B-4897-4C7A-8418-152D3A006542}" dt="2020-08-23T19:22:02.739" v="3877"/>
+          <ac:spMkLst>
+            <pc:docMk/>
+            <pc:sldMk cId="2329348947" sldId="260"/>
+            <ac:spMk id="3" creationId="{F5A26A94-BFD8-4AD7-9E9E-8C6A7A5FAF8C}"/>
+          </ac:spMkLst>
+        </pc:spChg>
+      </pc:sldChg>
+      <pc:sldChg chg="addSp delSp modSp mod setBg delDesignElem">
+        <pc:chgData name="Paul Butler" userId="e794ef743ee46f0d" providerId="LiveId" clId="{BF918A8B-4897-4C7A-8418-152D3A006542}" dt="2020-08-23T19:42:10.767" v="4455" actId="20577"/>
+        <pc:sldMkLst>
+          <pc:docMk/>
+          <pc:sldMk cId="1369072832" sldId="261"/>
+        </pc:sldMkLst>
+        <pc:spChg chg="mod">
+          <ac:chgData name="Paul Butler" userId="e794ef743ee46f0d" providerId="LiveId" clId="{BF918A8B-4897-4C7A-8418-152D3A006542}" dt="2020-08-23T19:22:02.739" v="3877"/>
+          <ac:spMkLst>
+            <pc:docMk/>
+            <pc:sldMk cId="1369072832" sldId="261"/>
+            <ac:spMk id="2" creationId="{FAC12C41-C161-40A3-8D6F-E3A11A4CA21F}"/>
+          </ac:spMkLst>
+        </pc:spChg>
+        <pc:spChg chg="add del mod">
+          <ac:chgData name="Paul Butler" userId="e794ef743ee46f0d" providerId="LiveId" clId="{BF918A8B-4897-4C7A-8418-152D3A006542}" dt="2020-08-17T08:25:19.403" v="1764" actId="22"/>
+          <ac:spMkLst>
+            <pc:docMk/>
+            <pc:sldMk cId="1369072832" sldId="261"/>
+            <ac:spMk id="5" creationId="{8B251518-AC52-4B3F-999E-70EC281BAC12}"/>
+          </ac:spMkLst>
+        </pc:spChg>
+        <pc:spChg chg="add del">
+          <ac:chgData name="Paul Butler" userId="e794ef743ee46f0d" providerId="LiveId" clId="{BF918A8B-4897-4C7A-8418-152D3A006542}" dt="2020-08-17T08:25:36.732" v="1766" actId="26606"/>
+          <ac:spMkLst>
+            <pc:docMk/>
+            <pc:sldMk cId="1369072832" sldId="261"/>
+            <ac:spMk id="13" creationId="{0CABCAE3-64FC-4149-819F-2C1812824154}"/>
+          </ac:spMkLst>
+        </pc:spChg>
+        <pc:spChg chg="add del">
+          <ac:chgData name="Paul Butler" userId="e794ef743ee46f0d" providerId="LiveId" clId="{BF918A8B-4897-4C7A-8418-152D3A006542}" dt="2020-08-17T08:25:36.732" v="1766" actId="26606"/>
+          <ac:spMkLst>
+            <pc:docMk/>
+            <pc:sldMk cId="1369072832" sldId="261"/>
+            <ac:spMk id="21" creationId="{D0712110-0BC1-4B31-B3BB-63B44222E87F}"/>
+          </ac:spMkLst>
+        </pc:spChg>
+        <pc:spChg chg="add del">
+          <ac:chgData name="Paul Butler" userId="e794ef743ee46f0d" providerId="LiveId" clId="{BF918A8B-4897-4C7A-8418-152D3A006542}" dt="2020-08-17T08:25:36.732" v="1766" actId="26606"/>
+          <ac:spMkLst>
+            <pc:docMk/>
+            <pc:sldMk cId="1369072832" sldId="261"/>
+            <ac:spMk id="23" creationId="{4466B5F3-C053-4580-B04A-1EF949888280}"/>
+          </ac:spMkLst>
+        </pc:spChg>
+        <pc:spChg chg="add del">
+          <ac:chgData name="Paul Butler" userId="e794ef743ee46f0d" providerId="LiveId" clId="{BF918A8B-4897-4C7A-8418-152D3A006542}" dt="2020-08-17T08:25:42.333" v="1768" actId="26606"/>
+          <ac:spMkLst>
+            <pc:docMk/>
+            <pc:sldMk cId="1369072832" sldId="261"/>
+            <ac:spMk id="32" creationId="{1CE580D1-F917-4567-AFB4-99AA9B52ADF0}"/>
+          </ac:spMkLst>
+        </pc:spChg>
+        <pc:spChg chg="add del">
+          <ac:chgData name="Paul Butler" userId="e794ef743ee46f0d" providerId="LiveId" clId="{BF918A8B-4897-4C7A-8418-152D3A006542}" dt="2020-08-17T08:25:42.333" v="1768" actId="26606"/>
+          <ac:spMkLst>
+            <pc:docMk/>
+            <pc:sldMk cId="1369072832" sldId="261"/>
+            <ac:spMk id="37" creationId="{EC17D08F-2133-44A9-B28C-CB29928FA8D9}"/>
+          </ac:spMkLst>
+        </pc:spChg>
+        <pc:spChg chg="add del">
+          <ac:chgData name="Paul Butler" userId="e794ef743ee46f0d" providerId="LiveId" clId="{BF918A8B-4897-4C7A-8418-152D3A006542}" dt="2020-08-17T08:25:42.333" v="1768" actId="26606"/>
+          <ac:spMkLst>
+            <pc:docMk/>
+            <pc:sldMk cId="1369072832" sldId="261"/>
+            <ac:spMk id="38" creationId="{0CC36881-E309-4C41-8B5B-203AADC15FF6}"/>
+          </ac:spMkLst>
+        </pc:spChg>
+        <pc:spChg chg="add del">
+          <ac:chgData name="Paul Butler" userId="e794ef743ee46f0d" providerId="LiveId" clId="{BF918A8B-4897-4C7A-8418-152D3A006542}" dt="2020-08-17T08:26:00.086" v="1772" actId="26606"/>
+          <ac:spMkLst>
+            <pc:docMk/>
+            <pc:sldMk cId="1369072832" sldId="261"/>
+            <ac:spMk id="43" creationId="{0CABCAE3-64FC-4149-819F-2C1812824154}"/>
+          </ac:spMkLst>
+        </pc:spChg>
+        <pc:spChg chg="add del">
+          <ac:chgData name="Paul Butler" userId="e794ef743ee46f0d" providerId="LiveId" clId="{BF918A8B-4897-4C7A-8418-152D3A006542}" dt="2020-08-17T08:26:00.086" v="1772" actId="26606"/>
+          <ac:spMkLst>
+            <pc:docMk/>
+            <pc:sldMk cId="1369072832" sldId="261"/>
+            <ac:spMk id="47" creationId="{D0712110-0BC1-4B31-B3BB-63B44222E87F}"/>
+          </ac:spMkLst>
+        </pc:spChg>
+        <pc:spChg chg="add del">
+          <ac:chgData name="Paul Butler" userId="e794ef743ee46f0d" providerId="LiveId" clId="{BF918A8B-4897-4C7A-8418-152D3A006542}" dt="2020-08-17T08:26:00.086" v="1772" actId="26606"/>
+          <ac:spMkLst>
+            <pc:docMk/>
+            <pc:sldMk cId="1369072832" sldId="261"/>
+            <ac:spMk id="48" creationId="{4466B5F3-C053-4580-B04A-1EF949888280}"/>
+          </ac:spMkLst>
+        </pc:spChg>
+        <pc:spChg chg="add del">
+          <ac:chgData name="Paul Butler" userId="e794ef743ee46f0d" providerId="LiveId" clId="{BF918A8B-4897-4C7A-8418-152D3A006542}" dt="2020-08-17T08:26:25.188" v="1777" actId="26606"/>
+          <ac:spMkLst>
+            <pc:docMk/>
+            <pc:sldMk cId="1369072832" sldId="261"/>
+            <ac:spMk id="56" creationId="{0CABCAE3-64FC-4149-819F-2C1812824154}"/>
+          </ac:spMkLst>
+        </pc:spChg>
+        <pc:spChg chg="add del">
+          <ac:chgData name="Paul Butler" userId="e794ef743ee46f0d" providerId="LiveId" clId="{BF918A8B-4897-4C7A-8418-152D3A006542}" dt="2020-08-17T08:26:25.188" v="1777" actId="26606"/>
+          <ac:spMkLst>
+            <pc:docMk/>
+            <pc:sldMk cId="1369072832" sldId="261"/>
+            <ac:spMk id="64" creationId="{2FA7AD0A-1871-4DF8-9235-F49D0513B9C1}"/>
+          </ac:spMkLst>
+        </pc:spChg>
+        <pc:spChg chg="add del">
+          <ac:chgData name="Paul Butler" userId="e794ef743ee46f0d" providerId="LiveId" clId="{BF918A8B-4897-4C7A-8418-152D3A006542}" dt="2020-08-17T08:26:25.188" v="1777" actId="26606"/>
+          <ac:spMkLst>
+            <pc:docMk/>
+            <pc:sldMk cId="1369072832" sldId="261"/>
+            <ac:spMk id="66" creationId="{36B04CFB-FAE5-47DD-9B3E-4E9BA7A89CC1}"/>
+          </ac:spMkLst>
+        </pc:spChg>
+        <pc:spChg chg="add del">
+          <ac:chgData name="Paul Butler" userId="e794ef743ee46f0d" providerId="LiveId" clId="{BF918A8B-4897-4C7A-8418-152D3A006542}" dt="2020-08-17T08:26:25.188" v="1777" actId="26606"/>
+          <ac:spMkLst>
+            <pc:docMk/>
+            <pc:sldMk cId="1369072832" sldId="261"/>
+            <ac:spMk id="74" creationId="{622F7FD7-8884-4FD5-95AB-0B5C6033ADF7}"/>
+          </ac:spMkLst>
+        </pc:spChg>
+        <pc:spChg chg="add del">
+          <ac:chgData name="Paul Butler" userId="e794ef743ee46f0d" providerId="LiveId" clId="{BF918A8B-4897-4C7A-8418-152D3A006542}" dt="2020-08-17T08:26:41.610" v="1780" actId="26606"/>
+          <ac:spMkLst>
+            <pc:docMk/>
+            <pc:sldMk cId="1369072832" sldId="261"/>
+            <ac:spMk id="83" creationId="{0CABCAE3-64FC-4149-819F-2C1812824154}"/>
+          </ac:spMkLst>
+        </pc:spChg>
+        <pc:spChg chg="add del">
+          <ac:chgData name="Paul Butler" userId="e794ef743ee46f0d" providerId="LiveId" clId="{BF918A8B-4897-4C7A-8418-152D3A006542}" dt="2020-08-17T08:26:41.610" v="1780" actId="26606"/>
+          <ac:spMkLst>
+            <pc:docMk/>
+            <pc:sldMk cId="1369072832" sldId="261"/>
+            <ac:spMk id="91" creationId="{D0712110-0BC1-4B31-B3BB-63B44222E87F}"/>
+          </ac:spMkLst>
+        </pc:spChg>
+        <pc:spChg chg="add del">
+          <ac:chgData name="Paul Butler" userId="e794ef743ee46f0d" providerId="LiveId" clId="{BF918A8B-4897-4C7A-8418-152D3A006542}" dt="2020-08-17T08:26:41.610" v="1780" actId="26606"/>
+          <ac:spMkLst>
+            <pc:docMk/>
+            <pc:sldMk cId="1369072832" sldId="261"/>
+            <ac:spMk id="93" creationId="{4466B5F3-C053-4580-B04A-1EF949888280}"/>
+          </ac:spMkLst>
+        </pc:spChg>
+        <pc:spChg chg="add mod">
+          <ac:chgData name="Paul Butler" userId="e794ef743ee46f0d" providerId="LiveId" clId="{BF918A8B-4897-4C7A-8418-152D3A006542}" dt="2020-08-23T19:42:10.767" v="4455" actId="20577"/>
+          <ac:spMkLst>
+            <pc:docMk/>
+            <pc:sldMk cId="1369072832" sldId="261"/>
+            <ac:spMk id="103" creationId="{250797AC-728B-40EE-B7D9-4C12783059BE}"/>
+          </ac:spMkLst>
+        </pc:spChg>
+        <pc:spChg chg="add del">
+          <ac:chgData name="Paul Butler" userId="e794ef743ee46f0d" providerId="LiveId" clId="{BF918A8B-4897-4C7A-8418-152D3A006542}" dt="2020-08-23T19:22:02.739" v="3877"/>
+          <ac:spMkLst>
+            <pc:docMk/>
+            <pc:sldMk cId="1369072832" sldId="261"/>
+            <ac:spMk id="106" creationId="{35C3D674-3D59-4E93-80CA-0C0A9095E816}"/>
+          </ac:spMkLst>
+        </pc:spChg>
+        <pc:spChg chg="add del">
+          <ac:chgData name="Paul Butler" userId="e794ef743ee46f0d" providerId="LiveId" clId="{BF918A8B-4897-4C7A-8418-152D3A006542}" dt="2020-08-23T19:22:02.739" v="3877"/>
+          <ac:spMkLst>
+            <pc:docMk/>
+            <pc:sldMk cId="1369072832" sldId="261"/>
+            <ac:spMk id="110" creationId="{EF2A81E1-BCBE-426B-8C09-33274E69409D}"/>
+          </ac:spMkLst>
+        </pc:spChg>
+        <pc:grpChg chg="add del">
+          <ac:chgData name="Paul Butler" userId="e794ef743ee46f0d" providerId="LiveId" clId="{BF918A8B-4897-4C7A-8418-152D3A006542}" dt="2020-08-17T08:25:42.333" v="1768" actId="26606"/>
+          <ac:grpSpMkLst>
+            <pc:docMk/>
+            <pc:sldMk cId="1369072832" sldId="261"/>
+            <ac:grpSpMk id="40" creationId="{AED92372-F778-4E96-9E90-4E63BAF3CAD3}"/>
+          </ac:grpSpMkLst>
+        </pc:grpChg>
+        <pc:grpChg chg="add del">
+          <ac:chgData name="Paul Butler" userId="e794ef743ee46f0d" providerId="LiveId" clId="{BF918A8B-4897-4C7A-8418-152D3A006542}" dt="2020-08-17T08:26:25.188" v="1777" actId="26606"/>
+          <ac:grpSpMkLst>
+            <pc:docMk/>
+            <pc:sldMk cId="1369072832" sldId="261"/>
+            <ac:grpSpMk id="70" creationId="{E8ACF89C-CFC3-4D68-B3C4-2BEFB7BBE5F7}"/>
+          </ac:grpSpMkLst>
+        </pc:grpChg>
+        <pc:graphicFrameChg chg="add mod modGraphic">
+          <ac:chgData name="Paul Butler" userId="e794ef743ee46f0d" providerId="LiveId" clId="{BF918A8B-4897-4C7A-8418-152D3A006542}" dt="2020-08-23T19:39:05.521" v="4427" actId="14100"/>
+          <ac:graphicFrameMkLst>
+            <pc:docMk/>
+            <pc:sldMk cId="1369072832" sldId="261"/>
+            <ac:graphicFrameMk id="7" creationId="{FA3F2CB2-CC73-45B7-AC39-799C83C19721}"/>
+          </ac:graphicFrameMkLst>
+        </pc:graphicFrameChg>
+        <pc:picChg chg="del">
+          <ac:chgData name="Paul Butler" userId="e794ef743ee46f0d" providerId="LiveId" clId="{BF918A8B-4897-4C7A-8418-152D3A006542}" dt="2020-08-17T08:24:42.104" v="1714" actId="478"/>
+          <ac:picMkLst>
+            <pc:docMk/>
+            <pc:sldMk cId="1369072832" sldId="261"/>
+            <ac:picMk id="4" creationId="{5CAAF638-F99E-48CF-80C8-FB4A6842B8AD}"/>
+          </ac:picMkLst>
+        </pc:picChg>
+        <pc:picChg chg="add mod">
+          <ac:chgData name="Paul Butler" userId="e794ef743ee46f0d" providerId="LiveId" clId="{BF918A8B-4897-4C7A-8418-152D3A006542}" dt="2020-08-23T19:39:13.734" v="4429" actId="1076"/>
+          <ac:picMkLst>
+            <pc:docMk/>
+            <pc:sldMk cId="1369072832" sldId="261"/>
+            <ac:picMk id="4" creationId="{73828730-BE21-4437-82BE-515C845BF40F}"/>
+          </ac:picMkLst>
+        </pc:picChg>
+        <pc:picChg chg="add del mod">
+          <ac:chgData name="Paul Butler" userId="e794ef743ee46f0d" providerId="LiveId" clId="{BF918A8B-4897-4C7A-8418-152D3A006542}" dt="2020-08-23T19:20:49.924" v="3861" actId="478"/>
+          <ac:picMkLst>
+            <pc:docMk/>
+            <pc:sldMk cId="1369072832" sldId="261"/>
+            <ac:picMk id="8" creationId="{8F16F6E2-4B99-4633-A86D-4C174F7688FE}"/>
+          </ac:picMkLst>
+        </pc:picChg>
+        <pc:picChg chg="add del">
+          <ac:chgData name="Paul Butler" userId="e794ef743ee46f0d" providerId="LiveId" clId="{BF918A8B-4897-4C7A-8418-152D3A006542}" dt="2020-08-17T08:25:36.732" v="1766" actId="26606"/>
+          <ac:picMkLst>
+            <pc:docMk/>
+            <pc:sldMk cId="1369072832" sldId="261"/>
+            <ac:picMk id="15" creationId="{012FDCFE-9AD2-4D8A-8CBF-B3AA37EBF6DD}"/>
+          </ac:picMkLst>
+        </pc:picChg>
+        <pc:picChg chg="add del">
+          <ac:chgData name="Paul Butler" userId="e794ef743ee46f0d" providerId="LiveId" clId="{BF918A8B-4897-4C7A-8418-152D3A006542}" dt="2020-08-17T08:25:36.732" v="1766" actId="26606"/>
+          <ac:picMkLst>
+            <pc:docMk/>
+            <pc:sldMk cId="1369072832" sldId="261"/>
+            <ac:picMk id="27" creationId="{25CED634-E2D0-4AB7-96DD-816C9B52C5CF}"/>
+          </ac:picMkLst>
+        </pc:picChg>
+        <pc:picChg chg="add del">
+          <ac:chgData name="Paul Butler" userId="e794ef743ee46f0d" providerId="LiveId" clId="{BF918A8B-4897-4C7A-8418-152D3A006542}" dt="2020-08-17T08:25:42.333" v="1768" actId="26606"/>
+          <ac:picMkLst>
+            <pc:docMk/>
+            <pc:sldMk cId="1369072832" sldId="261"/>
+            <ac:picMk id="31" creationId="{4B61EBEC-D0CA-456C-98A6-EDA1AC9FB0D6}"/>
+          </ac:picMkLst>
+        </pc:picChg>
+        <pc:picChg chg="add del">
+          <ac:chgData name="Paul Butler" userId="e794ef743ee46f0d" providerId="LiveId" clId="{BF918A8B-4897-4C7A-8418-152D3A006542}" dt="2020-08-17T08:25:42.333" v="1768" actId="26606"/>
+          <ac:picMkLst>
+            <pc:docMk/>
+            <pc:sldMk cId="1369072832" sldId="261"/>
+            <ac:picMk id="34" creationId="{1F5620B8-A2D8-4568-B566-F0453A0D9167}"/>
+          </ac:picMkLst>
+        </pc:picChg>
+        <pc:picChg chg="add del">
+          <ac:chgData name="Paul Butler" userId="e794ef743ee46f0d" providerId="LiveId" clId="{BF918A8B-4897-4C7A-8418-152D3A006542}" dt="2020-08-17T08:26:00.086" v="1772" actId="26606"/>
+          <ac:picMkLst>
+            <pc:docMk/>
+            <pc:sldMk cId="1369072832" sldId="261"/>
+            <ac:picMk id="44" creationId="{012FDCFE-9AD2-4D8A-8CBF-B3AA37EBF6DD}"/>
+          </ac:picMkLst>
+        </pc:picChg>
+        <pc:picChg chg="add del">
+          <ac:chgData name="Paul Butler" userId="e794ef743ee46f0d" providerId="LiveId" clId="{BF918A8B-4897-4C7A-8418-152D3A006542}" dt="2020-08-17T08:26:00.086" v="1772" actId="26606"/>
+          <ac:picMkLst>
+            <pc:docMk/>
+            <pc:sldMk cId="1369072832" sldId="261"/>
+            <ac:picMk id="50" creationId="{25CED634-E2D0-4AB7-96DD-816C9B52C5CF}"/>
+          </ac:picMkLst>
+        </pc:picChg>
+        <pc:picChg chg="add del">
+          <ac:chgData name="Paul Butler" userId="e794ef743ee46f0d" providerId="LiveId" clId="{BF918A8B-4897-4C7A-8418-152D3A006542}" dt="2020-08-17T08:26:25.188" v="1777" actId="26606"/>
+          <ac:picMkLst>
+            <pc:docMk/>
+            <pc:sldMk cId="1369072832" sldId="261"/>
+            <ac:picMk id="58" creationId="{012FDCFE-9AD2-4D8A-8CBF-B3AA37EBF6DD}"/>
+          </ac:picMkLst>
+        </pc:picChg>
+        <pc:picChg chg="add del">
+          <ac:chgData name="Paul Butler" userId="e794ef743ee46f0d" providerId="LiveId" clId="{BF918A8B-4897-4C7A-8418-152D3A006542}" dt="2020-08-17T08:26:25.188" v="1777" actId="26606"/>
+          <ac:picMkLst>
+            <pc:docMk/>
+            <pc:sldMk cId="1369072832" sldId="261"/>
+            <ac:picMk id="76" creationId="{16EFE474-4FE0-4E8F-8F09-5ED2C9E76A84}"/>
+          </ac:picMkLst>
+        </pc:picChg>
+        <pc:picChg chg="add del">
+          <ac:chgData name="Paul Butler" userId="e794ef743ee46f0d" providerId="LiveId" clId="{BF918A8B-4897-4C7A-8418-152D3A006542}" dt="2020-08-17T08:26:41.610" v="1780" actId="26606"/>
+          <ac:picMkLst>
+            <pc:docMk/>
+            <pc:sldMk cId="1369072832" sldId="261"/>
+            <ac:picMk id="85" creationId="{012FDCFE-9AD2-4D8A-8CBF-B3AA37EBF6DD}"/>
+          </ac:picMkLst>
+        </pc:picChg>
+        <pc:picChg chg="add del">
+          <ac:chgData name="Paul Butler" userId="e794ef743ee46f0d" providerId="LiveId" clId="{BF918A8B-4897-4C7A-8418-152D3A006542}" dt="2020-08-17T08:26:41.610" v="1780" actId="26606"/>
+          <ac:picMkLst>
+            <pc:docMk/>
+            <pc:sldMk cId="1369072832" sldId="261"/>
+            <ac:picMk id="97" creationId="{25CED634-E2D0-4AB7-96DD-816C9B52C5CF}"/>
+          </ac:picMkLst>
+        </pc:picChg>
+        <pc:picChg chg="add del">
+          <ac:chgData name="Paul Butler" userId="e794ef743ee46f0d" providerId="LiveId" clId="{BF918A8B-4897-4C7A-8418-152D3A006542}" dt="2020-08-23T19:22:02.739" v="3877"/>
+          <ac:picMkLst>
+            <pc:docMk/>
+            <pc:sldMk cId="1369072832" sldId="261"/>
+            <ac:picMk id="112" creationId="{39D1DDD4-5BB3-45BA-B9B3-06B62299AD79}"/>
+          </ac:picMkLst>
+        </pc:picChg>
+        <pc:cxnChg chg="add mod">
+          <ac:chgData name="Paul Butler" userId="e794ef743ee46f0d" providerId="LiveId" clId="{BF918A8B-4897-4C7A-8418-152D3A006542}" dt="2020-08-23T19:39:21.391" v="4432" actId="14100"/>
+          <ac:cxnSpMkLst>
+            <pc:docMk/>
+            <pc:sldMk cId="1369072832" sldId="261"/>
+            <ac:cxnSpMk id="12" creationId="{F9643763-6F82-47D7-A66B-22B500CE447A}"/>
+          </ac:cxnSpMkLst>
+        </pc:cxnChg>
+        <pc:cxnChg chg="add del">
+          <ac:chgData name="Paul Butler" userId="e794ef743ee46f0d" providerId="LiveId" clId="{BF918A8B-4897-4C7A-8418-152D3A006542}" dt="2020-08-17T08:25:36.732" v="1766" actId="26606"/>
+          <ac:cxnSpMkLst>
+            <pc:docMk/>
+            <pc:sldMk cId="1369072832" sldId="261"/>
+            <ac:cxnSpMk id="17" creationId="{FBD463FC-4CA8-4FF4-85A3-AF9F4B98D210}"/>
+          </ac:cxnSpMkLst>
+        </pc:cxnChg>
+        <pc:cxnChg chg="add del">
+          <ac:chgData name="Paul Butler" userId="e794ef743ee46f0d" providerId="LiveId" clId="{BF918A8B-4897-4C7A-8418-152D3A006542}" dt="2020-08-17T08:25:36.732" v="1766" actId="26606"/>
+          <ac:cxnSpMkLst>
+            <pc:docMk/>
+            <pc:sldMk cId="1369072832" sldId="261"/>
+            <ac:cxnSpMk id="19" creationId="{BECF35C3-8B44-4F4B-BD25-4C01823DB22A}"/>
+          </ac:cxnSpMkLst>
+        </pc:cxnChg>
+        <pc:cxnChg chg="add del">
+          <ac:chgData name="Paul Butler" userId="e794ef743ee46f0d" providerId="LiveId" clId="{BF918A8B-4897-4C7A-8418-152D3A006542}" dt="2020-08-17T08:25:36.732" v="1766" actId="26606"/>
+          <ac:cxnSpMkLst>
+            <pc:docMk/>
+            <pc:sldMk cId="1369072832" sldId="261"/>
+            <ac:cxnSpMk id="25" creationId="{FA6123F2-4B61-414F-A7E5-5B7828EACAE2}"/>
+          </ac:cxnSpMkLst>
+        </pc:cxnChg>
+        <pc:cxnChg chg="add del">
+          <ac:chgData name="Paul Butler" userId="e794ef743ee46f0d" providerId="LiveId" clId="{BF918A8B-4897-4C7A-8418-152D3A006542}" dt="2020-08-17T08:25:36.732" v="1766" actId="26606"/>
+          <ac:cxnSpMkLst>
+            <pc:docMk/>
+            <pc:sldMk cId="1369072832" sldId="261"/>
+            <ac:cxnSpMk id="29" creationId="{FCDDCDFB-696D-4FDF-9B58-24F71B7C37BC}"/>
+          </ac:cxnSpMkLst>
+        </pc:cxnChg>
+        <pc:cxnChg chg="add del">
+          <ac:chgData name="Paul Butler" userId="e794ef743ee46f0d" providerId="LiveId" clId="{BF918A8B-4897-4C7A-8418-152D3A006542}" dt="2020-08-17T08:25:42.333" v="1768" actId="26606"/>
+          <ac:cxnSpMkLst>
+            <pc:docMk/>
+            <pc:sldMk cId="1369072832" sldId="261"/>
+            <ac:cxnSpMk id="33" creationId="{718A71EB-D327-4458-85FB-26336B2BA01B}"/>
+          </ac:cxnSpMkLst>
+        </pc:cxnChg>
+        <pc:cxnChg chg="add del">
+          <ac:chgData name="Paul Butler" userId="e794ef743ee46f0d" providerId="LiveId" clId="{BF918A8B-4897-4C7A-8418-152D3A006542}" dt="2020-08-17T08:25:42.333" v="1768" actId="26606"/>
+          <ac:cxnSpMkLst>
+            <pc:docMk/>
+            <pc:sldMk cId="1369072832" sldId="261"/>
+            <ac:cxnSpMk id="35" creationId="{1C7D2BA4-4B7A-4596-8BCC-5CF715423894}"/>
+          </ac:cxnSpMkLst>
+        </pc:cxnChg>
+        <pc:cxnChg chg="add del">
+          <ac:chgData name="Paul Butler" userId="e794ef743ee46f0d" providerId="LiveId" clId="{BF918A8B-4897-4C7A-8418-152D3A006542}" dt="2020-08-17T08:25:42.333" v="1768" actId="26606"/>
+          <ac:cxnSpMkLst>
+            <pc:docMk/>
+            <pc:sldMk cId="1369072832" sldId="261"/>
+            <ac:cxnSpMk id="36" creationId="{4977F1E1-2B6F-4BB6-899F-67D8764D83C5}"/>
+          </ac:cxnSpMkLst>
+        </pc:cxnChg>
+        <pc:cxnChg chg="add del">
+          <ac:chgData name="Paul Butler" userId="e794ef743ee46f0d" providerId="LiveId" clId="{BF918A8B-4897-4C7A-8418-152D3A006542}" dt="2020-08-17T08:25:42.333" v="1768" actId="26606"/>
+          <ac:cxnSpMkLst>
+            <pc:docMk/>
+            <pc:sldMk cId="1369072832" sldId="261"/>
+            <ac:cxnSpMk id="39" creationId="{84F2C6A8-7D46-49EA-860B-0F0B0208436C}"/>
+          </ac:cxnSpMkLst>
+        </pc:cxnChg>
+        <pc:cxnChg chg="add del">
+          <ac:chgData name="Paul Butler" userId="e794ef743ee46f0d" providerId="LiveId" clId="{BF918A8B-4897-4C7A-8418-152D3A006542}" dt="2020-08-17T08:26:00.086" v="1772" actId="26606"/>
+          <ac:cxnSpMkLst>
+            <pc:docMk/>
+            <pc:sldMk cId="1369072832" sldId="261"/>
+            <ac:cxnSpMk id="45" creationId="{FBD463FC-4CA8-4FF4-85A3-AF9F4B98D210}"/>
+          </ac:cxnSpMkLst>
+        </pc:cxnChg>
+        <pc:cxnChg chg="add del">
+          <ac:chgData name="Paul Butler" userId="e794ef743ee46f0d" providerId="LiveId" clId="{BF918A8B-4897-4C7A-8418-152D3A006542}" dt="2020-08-17T08:26:00.086" v="1772" actId="26606"/>
+          <ac:cxnSpMkLst>
+            <pc:docMk/>
+            <pc:sldMk cId="1369072832" sldId="261"/>
+            <ac:cxnSpMk id="46" creationId="{BECF35C3-8B44-4F4B-BD25-4C01823DB22A}"/>
+          </ac:cxnSpMkLst>
+        </pc:cxnChg>
+        <pc:cxnChg chg="add del">
+          <ac:chgData name="Paul Butler" userId="e794ef743ee46f0d" providerId="LiveId" clId="{BF918A8B-4897-4C7A-8418-152D3A006542}" dt="2020-08-17T08:26:00.086" v="1772" actId="26606"/>
+          <ac:cxnSpMkLst>
+            <pc:docMk/>
+            <pc:sldMk cId="1369072832" sldId="261"/>
+            <ac:cxnSpMk id="49" creationId="{FA6123F2-4B61-414F-A7E5-5B7828EACAE2}"/>
+          </ac:cxnSpMkLst>
+        </pc:cxnChg>
+        <pc:cxnChg chg="add del">
+          <ac:chgData name="Paul Butler" userId="e794ef743ee46f0d" providerId="LiveId" clId="{BF918A8B-4897-4C7A-8418-152D3A006542}" dt="2020-08-17T08:26:00.086" v="1772" actId="26606"/>
+          <ac:cxnSpMkLst>
+            <pc:docMk/>
+            <pc:sldMk cId="1369072832" sldId="261"/>
+            <ac:cxnSpMk id="51" creationId="{FCDDCDFB-696D-4FDF-9B58-24F71B7C37BC}"/>
+          </ac:cxnSpMkLst>
+        </pc:cxnChg>
+        <pc:cxnChg chg="add del">
+          <ac:chgData name="Paul Butler" userId="e794ef743ee46f0d" providerId="LiveId" clId="{BF918A8B-4897-4C7A-8418-152D3A006542}" dt="2020-08-17T08:26:25.188" v="1777" actId="26606"/>
+          <ac:cxnSpMkLst>
+            <pc:docMk/>
+            <pc:sldMk cId="1369072832" sldId="261"/>
+            <ac:cxnSpMk id="60" creationId="{FBD463FC-4CA8-4FF4-85A3-AF9F4B98D210}"/>
+          </ac:cxnSpMkLst>
+        </pc:cxnChg>
+        <pc:cxnChg chg="add del">
+          <ac:chgData name="Paul Butler" userId="e794ef743ee46f0d" providerId="LiveId" clId="{BF918A8B-4897-4C7A-8418-152D3A006542}" dt="2020-08-17T08:26:25.188" v="1777" actId="26606"/>
+          <ac:cxnSpMkLst>
+            <pc:docMk/>
+            <pc:sldMk cId="1369072832" sldId="261"/>
+            <ac:cxnSpMk id="62" creationId="{BECF35C3-8B44-4F4B-BD25-4C01823DB22A}"/>
+          </ac:cxnSpMkLst>
+        </pc:cxnChg>
+        <pc:cxnChg chg="add del">
+          <ac:chgData name="Paul Butler" userId="e794ef743ee46f0d" providerId="LiveId" clId="{BF918A8B-4897-4C7A-8418-152D3A006542}" dt="2020-08-17T08:26:25.188" v="1777" actId="26606"/>
+          <ac:cxnSpMkLst>
+            <pc:docMk/>
+            <pc:sldMk cId="1369072832" sldId="261"/>
+            <ac:cxnSpMk id="68" creationId="{EE68D41B-9286-479F-9AB7-678C8E348D71}"/>
+          </ac:cxnSpMkLst>
+        </pc:cxnChg>
+        <pc:cxnChg chg="add del">
+          <ac:chgData name="Paul Butler" userId="e794ef743ee46f0d" providerId="LiveId" clId="{BF918A8B-4897-4C7A-8418-152D3A006542}" dt="2020-08-17T08:26:25.188" v="1777" actId="26606"/>
+          <ac:cxnSpMkLst>
+            <pc:docMk/>
+            <pc:sldMk cId="1369072832" sldId="261"/>
+            <ac:cxnSpMk id="78" creationId="{CF8B8C81-54DC-4AF5-B682-3A2C70A6B55C}"/>
+          </ac:cxnSpMkLst>
+        </pc:cxnChg>
+        <pc:cxnChg chg="add del">
+          <ac:chgData name="Paul Butler" userId="e794ef743ee46f0d" providerId="LiveId" clId="{BF918A8B-4897-4C7A-8418-152D3A006542}" dt="2020-08-17T08:26:41.610" v="1780" actId="26606"/>
+          <ac:cxnSpMkLst>
+            <pc:docMk/>
+            <pc:sldMk cId="1369072832" sldId="261"/>
+            <ac:cxnSpMk id="87" creationId="{FBD463FC-4CA8-4FF4-85A3-AF9F4B98D210}"/>
+          </ac:cxnSpMkLst>
+        </pc:cxnChg>
+        <pc:cxnChg chg="add del">
+          <ac:chgData name="Paul Butler" userId="e794ef743ee46f0d" providerId="LiveId" clId="{BF918A8B-4897-4C7A-8418-152D3A006542}" dt="2020-08-17T08:26:41.610" v="1780" actId="26606"/>
+          <ac:cxnSpMkLst>
+            <pc:docMk/>
+            <pc:sldMk cId="1369072832" sldId="261"/>
+            <ac:cxnSpMk id="89" creationId="{BECF35C3-8B44-4F4B-BD25-4C01823DB22A}"/>
+          </ac:cxnSpMkLst>
+        </pc:cxnChg>
+        <pc:cxnChg chg="add del">
+          <ac:chgData name="Paul Butler" userId="e794ef743ee46f0d" providerId="LiveId" clId="{BF918A8B-4897-4C7A-8418-152D3A006542}" dt="2020-08-17T08:26:41.610" v="1780" actId="26606"/>
+          <ac:cxnSpMkLst>
+            <pc:docMk/>
+            <pc:sldMk cId="1369072832" sldId="261"/>
+            <ac:cxnSpMk id="95" creationId="{FA6123F2-4B61-414F-A7E5-5B7828EACAE2}"/>
+          </ac:cxnSpMkLst>
+        </pc:cxnChg>
+        <pc:cxnChg chg="add del">
+          <ac:chgData name="Paul Butler" userId="e794ef743ee46f0d" providerId="LiveId" clId="{BF918A8B-4897-4C7A-8418-152D3A006542}" dt="2020-08-17T08:26:41.610" v="1780" actId="26606"/>
+          <ac:cxnSpMkLst>
+            <pc:docMk/>
+            <pc:sldMk cId="1369072832" sldId="261"/>
+            <ac:cxnSpMk id="99" creationId="{FCDDCDFB-696D-4FDF-9B58-24F71B7C37BC}"/>
+          </ac:cxnSpMkLst>
+        </pc:cxnChg>
+        <pc:cxnChg chg="add del">
+          <ac:chgData name="Paul Butler" userId="e794ef743ee46f0d" providerId="LiveId" clId="{BF918A8B-4897-4C7A-8418-152D3A006542}" dt="2020-08-23T19:22:02.739" v="3877"/>
+          <ac:cxnSpMkLst>
+            <pc:docMk/>
+            <pc:sldMk cId="1369072832" sldId="261"/>
+            <ac:cxnSpMk id="108" creationId="{C884B8F8-FDC9-498B-9960-5D7260AFCB03}"/>
+          </ac:cxnSpMkLst>
+        </pc:cxnChg>
+        <pc:cxnChg chg="add del">
+          <ac:chgData name="Paul Butler" userId="e794ef743ee46f0d" providerId="LiveId" clId="{BF918A8B-4897-4C7A-8418-152D3A006542}" dt="2020-08-23T19:22:02.739" v="3877"/>
+          <ac:cxnSpMkLst>
+            <pc:docMk/>
+            <pc:sldMk cId="1369072832" sldId="261"/>
+            <ac:cxnSpMk id="114" creationId="{A24DAE64-2302-42EA-8239-F2F0775CA5AD}"/>
+          </ac:cxnSpMkLst>
+        </pc:cxnChg>
+      </pc:sldChg>
+      <pc:sldChg chg="addSp delSp modSp mod setBg delDesignElem">
+        <pc:chgData name="Paul Butler" userId="e794ef743ee46f0d" providerId="LiveId" clId="{BF918A8B-4897-4C7A-8418-152D3A006542}" dt="2020-08-23T19:43:01.588" v="4459" actId="1076"/>
+        <pc:sldMkLst>
+          <pc:docMk/>
+          <pc:sldMk cId="3171255666" sldId="262"/>
+        </pc:sldMkLst>
+        <pc:spChg chg="mod">
+          <ac:chgData name="Paul Butler" userId="e794ef743ee46f0d" providerId="LiveId" clId="{BF918A8B-4897-4C7A-8418-152D3A006542}" dt="2020-08-17T08:29:02.616" v="1994" actId="20577"/>
+          <ac:spMkLst>
+            <pc:docMk/>
+            <pc:sldMk cId="3171255666" sldId="262"/>
+            <ac:spMk id="2" creationId="{29C356AC-3083-4F7B-9625-DA105168CCF7}"/>
+          </ac:spMkLst>
+        </pc:spChg>
+        <pc:spChg chg="add mod">
+          <ac:chgData name="Paul Butler" userId="e794ef743ee46f0d" providerId="LiveId" clId="{BF918A8B-4897-4C7A-8418-152D3A006542}" dt="2020-08-23T19:42:35.496" v="4456" actId="14100"/>
+          <ac:spMkLst>
+            <pc:docMk/>
+            <pc:sldMk cId="3171255666" sldId="262"/>
+            <ac:spMk id="8" creationId="{3363D55C-3262-4663-854E-EEA9342AD7D0}"/>
+          </ac:spMkLst>
+        </pc:spChg>
+        <pc:spChg chg="add del">
+          <ac:chgData name="Paul Butler" userId="e794ef743ee46f0d" providerId="LiveId" clId="{BF918A8B-4897-4C7A-8418-152D3A006542}" dt="2020-08-23T19:22:02.739" v="3877"/>
+          <ac:spMkLst>
+            <pc:docMk/>
+            <pc:sldMk cId="3171255666" sldId="262"/>
+            <ac:spMk id="11" creationId="{35C3D674-3D59-4E93-80CA-0C0A9095E816}"/>
+          </ac:spMkLst>
+        </pc:spChg>
+        <pc:spChg chg="add del">
+          <ac:chgData name="Paul Butler" userId="e794ef743ee46f0d" providerId="LiveId" clId="{BF918A8B-4897-4C7A-8418-152D3A006542}" dt="2020-08-23T19:22:02.739" v="3877"/>
+          <ac:spMkLst>
+            <pc:docMk/>
+            <pc:sldMk cId="3171255666" sldId="262"/>
+            <ac:spMk id="15" creationId="{EF2A81E1-BCBE-426B-8C09-33274E69409D}"/>
+          </ac:spMkLst>
+        </pc:spChg>
+        <pc:picChg chg="add del mod">
+          <ac:chgData name="Paul Butler" userId="e794ef743ee46f0d" providerId="LiveId" clId="{BF918A8B-4897-4C7A-8418-152D3A006542}" dt="2020-08-23T19:28:41.885" v="4223" actId="478"/>
+          <ac:picMkLst>
+            <pc:docMk/>
+            <pc:sldMk cId="3171255666" sldId="262"/>
+            <ac:picMk id="3" creationId="{79337533-8120-404F-87AF-4F0F13B32B74}"/>
+          </ac:picMkLst>
+        </pc:picChg>
+        <pc:picChg chg="del mod">
+          <ac:chgData name="Paul Butler" userId="e794ef743ee46f0d" providerId="LiveId" clId="{BF918A8B-4897-4C7A-8418-152D3A006542}" dt="2020-08-17T08:27:56.451" v="1904" actId="478"/>
+          <ac:picMkLst>
+            <pc:docMk/>
+            <pc:sldMk cId="3171255666" sldId="262"/>
+            <ac:picMk id="4" creationId="{C1078102-3062-4F31-8DA9-0D20674DB26C}"/>
+          </ac:picMkLst>
+        </pc:picChg>
+        <pc:picChg chg="add mod">
+          <ac:chgData name="Paul Butler" userId="e794ef743ee46f0d" providerId="LiveId" clId="{BF918A8B-4897-4C7A-8418-152D3A006542}" dt="2020-08-23T19:43:01.588" v="4459" actId="1076"/>
+          <ac:picMkLst>
+            <pc:docMk/>
+            <pc:sldMk cId="3171255666" sldId="262"/>
+            <ac:picMk id="5" creationId="{CD9E2706-938D-47AA-A4CD-3F111C7EE705}"/>
+          </ac:picMkLst>
+        </pc:picChg>
+        <pc:picChg chg="add del">
+          <ac:chgData name="Paul Butler" userId="e794ef743ee46f0d" providerId="LiveId" clId="{BF918A8B-4897-4C7A-8418-152D3A006542}" dt="2020-08-23T19:22:02.739" v="3877"/>
+          <ac:picMkLst>
+            <pc:docMk/>
+            <pc:sldMk cId="3171255666" sldId="262"/>
+            <ac:picMk id="17" creationId="{39D1DDD4-5BB3-45BA-B9B3-06B62299AD79}"/>
+          </ac:picMkLst>
+        </pc:picChg>
+        <pc:cxnChg chg="add del">
+          <ac:chgData name="Paul Butler" userId="e794ef743ee46f0d" providerId="LiveId" clId="{BF918A8B-4897-4C7A-8418-152D3A006542}" dt="2020-08-23T19:22:02.739" v="3877"/>
+          <ac:cxnSpMkLst>
+            <pc:docMk/>
+            <pc:sldMk cId="3171255666" sldId="262"/>
+            <ac:cxnSpMk id="13" creationId="{C884B8F8-FDC9-498B-9960-5D7260AFCB03}"/>
+          </ac:cxnSpMkLst>
+        </pc:cxnChg>
+        <pc:cxnChg chg="add del">
+          <ac:chgData name="Paul Butler" userId="e794ef743ee46f0d" providerId="LiveId" clId="{BF918A8B-4897-4C7A-8418-152D3A006542}" dt="2020-08-23T19:22:02.739" v="3877"/>
+          <ac:cxnSpMkLst>
+            <pc:docMk/>
+            <pc:sldMk cId="3171255666" sldId="262"/>
+            <ac:cxnSpMk id="19" creationId="{A24DAE64-2302-42EA-8239-F2F0775CA5AD}"/>
+          </ac:cxnSpMkLst>
+        </pc:cxnChg>
+      </pc:sldChg>
+      <pc:sldChg chg="del">
+        <pc:chgData name="Paul Butler" userId="e794ef743ee46f0d" providerId="LiveId" clId="{BF918A8B-4897-4C7A-8418-152D3A006542}" dt="2020-08-17T08:33:48.859" v="2247" actId="47"/>
+        <pc:sldMkLst>
+          <pc:docMk/>
+          <pc:sldMk cId="634935994" sldId="263"/>
+        </pc:sldMkLst>
+      </pc:sldChg>
+      <pc:sldChg chg="del">
+        <pc:chgData name="Paul Butler" userId="e794ef743ee46f0d" providerId="LiveId" clId="{BF918A8B-4897-4C7A-8418-152D3A006542}" dt="2020-08-17T08:33:50.888" v="2248" actId="47"/>
+        <pc:sldMkLst>
+          <pc:docMk/>
+          <pc:sldMk cId="3768222713" sldId="264"/>
+        </pc:sldMkLst>
+      </pc:sldChg>
+      <pc:sldChg chg="del">
+        <pc:chgData name="Paul Butler" userId="e794ef743ee46f0d" providerId="LiveId" clId="{BF918A8B-4897-4C7A-8418-152D3A006542}" dt="2020-08-17T08:33:53.283" v="2249" actId="47"/>
+        <pc:sldMkLst>
+          <pc:docMk/>
+          <pc:sldMk cId="4116188785" sldId="265"/>
+        </pc:sldMkLst>
+      </pc:sldChg>
+      <pc:sldChg chg="modSp mod">
+        <pc:chgData name="Paul Butler" userId="e794ef743ee46f0d" providerId="LiveId" clId="{BF918A8B-4897-4C7A-8418-152D3A006542}" dt="2020-08-23T19:44:21.844" v="4517" actId="20577"/>
+        <pc:sldMkLst>
+          <pc:docMk/>
+          <pc:sldMk cId="425397602" sldId="266"/>
+        </pc:sldMkLst>
+        <pc:spChg chg="mod">
+          <ac:chgData name="Paul Butler" userId="e794ef743ee46f0d" providerId="LiveId" clId="{BF918A8B-4897-4C7A-8418-152D3A006542}" dt="2020-08-23T19:44:21.844" v="4517" actId="20577"/>
+          <ac:spMkLst>
+            <pc:docMk/>
+            <pc:sldMk cId="425397602" sldId="266"/>
+            <ac:spMk id="2" creationId="{F3AF2504-A2D4-474B-A5B6-AB528B5BB432}"/>
+          </ac:spMkLst>
+        </pc:spChg>
+        <pc:spChg chg="mod">
+          <ac:chgData name="Paul Butler" userId="e794ef743ee46f0d" providerId="LiveId" clId="{BF918A8B-4897-4C7A-8418-152D3A006542}" dt="2020-08-23T19:44:17.274" v="4504" actId="20577"/>
+          <ac:spMkLst>
+            <pc:docMk/>
+            <pc:sldMk cId="425397602" sldId="266"/>
+            <ac:spMk id="5" creationId="{56C199E6-DA92-49E5-B7B2-25A4B4F2A205}"/>
+          </ac:spMkLst>
+        </pc:spChg>
+      </pc:sldChg>
+      <pc:sldChg chg="modSp mod">
+        <pc:chgData name="Paul Butler" userId="e794ef743ee46f0d" providerId="LiveId" clId="{BF918A8B-4897-4C7A-8418-152D3A006542}" dt="2020-08-23T19:48:36.558" v="4542" actId="20577"/>
+        <pc:sldMkLst>
+          <pc:docMk/>
+          <pc:sldMk cId="231327861" sldId="267"/>
+        </pc:sldMkLst>
+        <pc:spChg chg="mod">
+          <ac:chgData name="Paul Butler" userId="e794ef743ee46f0d" providerId="LiveId" clId="{BF918A8B-4897-4C7A-8418-152D3A006542}" dt="2020-08-23T19:43:30.995" v="4460" actId="313"/>
+          <ac:spMkLst>
+            <pc:docMk/>
+            <pc:sldMk cId="231327861" sldId="267"/>
+            <ac:spMk id="2" creationId="{FBD21B48-0616-4857-83D1-A9BC52C5EDF9}"/>
+          </ac:spMkLst>
+        </pc:spChg>
+        <pc:spChg chg="mod">
+          <ac:chgData name="Paul Butler" userId="e794ef743ee46f0d" providerId="LiveId" clId="{BF918A8B-4897-4C7A-8418-152D3A006542}" dt="2020-08-23T19:48:36.558" v="4542" actId="20577"/>
+          <ac:spMkLst>
+            <pc:docMk/>
+            <pc:sldMk cId="231327861" sldId="267"/>
+            <ac:spMk id="3" creationId="{D89BCAA7-5E5B-4A97-AC08-66F0876E37A5}"/>
+          </ac:spMkLst>
+        </pc:spChg>
+      </pc:sldChg>
+      <pc:sldChg chg="modSp mod">
+        <pc:chgData name="Paul Butler" userId="e794ef743ee46f0d" providerId="LiveId" clId="{BF918A8B-4897-4C7A-8418-152D3A006542}" dt="2020-08-23T19:54:36.409" v="4844" actId="20577"/>
+        <pc:sldMkLst>
+          <pc:docMk/>
+          <pc:sldMk cId="3099436433" sldId="268"/>
+        </pc:sldMkLst>
+        <pc:spChg chg="mod">
+          <ac:chgData name="Paul Butler" userId="e794ef743ee46f0d" providerId="LiveId" clId="{BF918A8B-4897-4C7A-8418-152D3A006542}" dt="2020-08-23T19:43:33.802" v="4461" actId="313"/>
+          <ac:spMkLst>
+            <pc:docMk/>
+            <pc:sldMk cId="3099436433" sldId="268"/>
+            <ac:spMk id="2" creationId="{BC9067D3-6FBE-4227-B05B-3938E70ECF28}"/>
+          </ac:spMkLst>
+        </pc:spChg>
+        <pc:spChg chg="mod">
+          <ac:chgData name="Paul Butler" userId="e794ef743ee46f0d" providerId="LiveId" clId="{BF918A8B-4897-4C7A-8418-152D3A006542}" dt="2020-08-23T19:54:36.409" v="4844" actId="20577"/>
+          <ac:spMkLst>
+            <pc:docMk/>
+            <pc:sldMk cId="3099436433" sldId="268"/>
+            <ac:spMk id="3" creationId="{BE3B2F80-C10C-4662-BEE6-489F3724D5EB}"/>
+          </ac:spMkLst>
+        </pc:spChg>
+      </pc:sldChg>
+      <pc:sldChg chg="addSp delSp modSp mod ord setBg delDesignElem">
+        <pc:chgData name="Paul Butler" userId="e794ef743ee46f0d" providerId="LiveId" clId="{BF918A8B-4897-4C7A-8418-152D3A006542}" dt="2020-08-23T19:54:09.175" v="4792" actId="27636"/>
+        <pc:sldMkLst>
+          <pc:docMk/>
+          <pc:sldMk cId="2809995977" sldId="269"/>
+        </pc:sldMkLst>
+        <pc:spChg chg="mod">
+          <ac:chgData name="Paul Butler" userId="e794ef743ee46f0d" providerId="LiveId" clId="{BF918A8B-4897-4C7A-8418-152D3A006542}" dt="2020-08-23T19:54:09.175" v="4792" actId="27636"/>
+          <ac:spMkLst>
+            <pc:docMk/>
+            <pc:sldMk cId="2809995977" sldId="269"/>
+            <ac:spMk id="2" creationId="{02A83018-294B-4FF7-A376-1D4CEE17FB81}"/>
+          </ac:spMkLst>
+        </pc:spChg>
+        <pc:spChg chg="mod">
+          <ac:chgData name="Paul Butler" userId="e794ef743ee46f0d" providerId="LiveId" clId="{BF918A8B-4897-4C7A-8418-152D3A006542}" dt="2020-08-17T09:33:20.085" v="2732" actId="20577"/>
+          <ac:spMkLst>
+            <pc:docMk/>
+            <pc:sldMk cId="2809995977" sldId="269"/>
+            <ac:spMk id="5" creationId="{2619508F-5B24-4596-96B8-657A8D10411D}"/>
+          </ac:spMkLst>
+        </pc:spChg>
+        <pc:spChg chg="add del mod">
+          <ac:chgData name="Paul Butler" userId="e794ef743ee46f0d" providerId="LiveId" clId="{BF918A8B-4897-4C7A-8418-152D3A006542}" dt="2020-08-17T08:37:10.177" v="2412"/>
+          <ac:spMkLst>
+            <pc:docMk/>
+            <pc:sldMk cId="2809995977" sldId="269"/>
+            <ac:spMk id="6" creationId="{47CB533C-1C15-4AAE-9165-95FB0E47C12E}"/>
+          </ac:spMkLst>
+        </pc:spChg>
+        <pc:spChg chg="add del mod">
+          <ac:chgData name="Paul Butler" userId="e794ef743ee46f0d" providerId="LiveId" clId="{BF918A8B-4897-4C7A-8418-152D3A006542}" dt="2020-08-23T19:19:23.142" v="3783" actId="478"/>
+          <ac:spMkLst>
+            <pc:docMk/>
+            <pc:sldMk cId="2809995977" sldId="269"/>
+            <ac:spMk id="8" creationId="{F146ED7B-076C-4B1C-9A5A-D6E206672799}"/>
+          </ac:spMkLst>
+        </pc:spChg>
+        <pc:spChg chg="add del">
+          <ac:chgData name="Paul Butler" userId="e794ef743ee46f0d" providerId="LiveId" clId="{BF918A8B-4897-4C7A-8418-152D3A006542}" dt="2020-08-23T19:22:02.739" v="3877"/>
+          <ac:spMkLst>
+            <pc:docMk/>
+            <pc:sldMk cId="2809995977" sldId="269"/>
+            <ac:spMk id="12" creationId="{35C3D674-3D59-4E93-80CA-0C0A9095E816}"/>
+          </ac:spMkLst>
+        </pc:spChg>
+        <pc:spChg chg="add del">
+          <ac:chgData name="Paul Butler" userId="e794ef743ee46f0d" providerId="LiveId" clId="{BF918A8B-4897-4C7A-8418-152D3A006542}" dt="2020-08-23T19:22:02.739" v="3877"/>
+          <ac:spMkLst>
+            <pc:docMk/>
+            <pc:sldMk cId="2809995977" sldId="269"/>
+            <ac:spMk id="16" creationId="{EF2A81E1-BCBE-426B-8C09-33274E69409D}"/>
+          </ac:spMkLst>
+        </pc:spChg>
+        <pc:graphicFrameChg chg="del modGraphic">
+          <ac:chgData name="Paul Butler" userId="e794ef743ee46f0d" providerId="LiveId" clId="{BF918A8B-4897-4C7A-8418-152D3A006542}" dt="2020-08-17T08:37:07.296" v="2411" actId="478"/>
+          <ac:graphicFrameMkLst>
+            <pc:docMk/>
+            <pc:sldMk cId="2809995977" sldId="269"/>
+            <ac:graphicFrameMk id="4" creationId="{8C1D255E-AB0A-4BA4-96C8-A21AB9D59C37}"/>
+          </ac:graphicFrameMkLst>
+        </pc:graphicFrameChg>
+        <pc:graphicFrameChg chg="add del mod modGraphic">
+          <ac:chgData name="Paul Butler" userId="e794ef743ee46f0d" providerId="LiveId" clId="{BF918A8B-4897-4C7A-8418-152D3A006542}" dt="2020-08-23T19:19:16.628" v="3782" actId="478"/>
+          <ac:graphicFrameMkLst>
+            <pc:docMk/>
+            <pc:sldMk cId="2809995977" sldId="269"/>
+            <ac:graphicFrameMk id="7" creationId="{612B9867-B567-4238-AD97-FA2B81257957}"/>
+          </ac:graphicFrameMkLst>
+        </pc:graphicFrameChg>
+        <pc:picChg chg="add mod">
+          <ac:chgData name="Paul Butler" userId="e794ef743ee46f0d" providerId="LiveId" clId="{BF918A8B-4897-4C7A-8418-152D3A006542}" dt="2020-08-23T19:19:55.448" v="3789" actId="1076"/>
+          <ac:picMkLst>
+            <pc:docMk/>
+            <pc:sldMk cId="2809995977" sldId="269"/>
+            <ac:picMk id="4" creationId="{2FBBFF05-98C1-4D27-85FC-A713A08A2C38}"/>
+          </ac:picMkLst>
+        </pc:picChg>
+        <pc:picChg chg="add del">
+          <ac:chgData name="Paul Butler" userId="e794ef743ee46f0d" providerId="LiveId" clId="{BF918A8B-4897-4C7A-8418-152D3A006542}" dt="2020-08-23T19:22:02.739" v="3877"/>
+          <ac:picMkLst>
+            <pc:docMk/>
+            <pc:sldMk cId="2809995977" sldId="269"/>
+            <ac:picMk id="18" creationId="{39D1DDD4-5BB3-45BA-B9B3-06B62299AD79}"/>
+          </ac:picMkLst>
+        </pc:picChg>
+        <pc:picChg chg="add del mod">
+          <ac:chgData name="Paul Butler" userId="e794ef743ee46f0d" providerId="LiveId" clId="{BF918A8B-4897-4C7A-8418-152D3A006542}" dt="2020-08-23T19:18:12.877" v="3776" actId="478"/>
+          <ac:picMkLst>
+            <pc:docMk/>
+            <pc:sldMk cId="2809995977" sldId="269"/>
+            <ac:picMk id="1026" creationId="{527337DB-8FE7-4E59-9516-F62A7F575802}"/>
+          </ac:picMkLst>
+        </pc:picChg>
+        <pc:cxnChg chg="add del">
+          <ac:chgData name="Paul Butler" userId="e794ef743ee46f0d" providerId="LiveId" clId="{BF918A8B-4897-4C7A-8418-152D3A006542}" dt="2020-08-23T19:22:02.739" v="3877"/>
+          <ac:cxnSpMkLst>
+            <pc:docMk/>
+            <pc:sldMk cId="2809995977" sldId="269"/>
+            <ac:cxnSpMk id="14" creationId="{C884B8F8-FDC9-498B-9960-5D7260AFCB03}"/>
+          </ac:cxnSpMkLst>
+        </pc:cxnChg>
+        <pc:cxnChg chg="add del">
+          <ac:chgData name="Paul Butler" userId="e794ef743ee46f0d" providerId="LiveId" clId="{BF918A8B-4897-4C7A-8418-152D3A006542}" dt="2020-08-23T19:22:02.739" v="3877"/>
+          <ac:cxnSpMkLst>
+            <pc:docMk/>
+            <pc:sldMk cId="2809995977" sldId="269"/>
+            <ac:cxnSpMk id="20" creationId="{A24DAE64-2302-42EA-8239-F2F0775CA5AD}"/>
+          </ac:cxnSpMkLst>
+        </pc:cxnChg>
+      </pc:sldChg>
+      <pc:sldChg chg="addSp delSp modSp del mod setBg">
+        <pc:chgData name="Paul Butler" userId="e794ef743ee46f0d" providerId="LiveId" clId="{BF918A8B-4897-4C7A-8418-152D3A006542}" dt="2020-08-17T09:41:34.853" v="3065" actId="47"/>
+        <pc:sldMkLst>
+          <pc:docMk/>
+          <pc:sldMk cId="1202007530" sldId="270"/>
+        </pc:sldMkLst>
+        <pc:spChg chg="mod">
+          <ac:chgData name="Paul Butler" userId="e794ef743ee46f0d" providerId="LiveId" clId="{BF918A8B-4897-4C7A-8418-152D3A006542}" dt="2020-08-17T09:34:59.414" v="2781" actId="26606"/>
+          <ac:spMkLst>
+            <pc:docMk/>
+            <pc:sldMk cId="1202007530" sldId="270"/>
+            <ac:spMk id="2" creationId="{675A6059-3DE0-4A62-9431-69D463F48F7F}"/>
+          </ac:spMkLst>
+        </pc:spChg>
+        <pc:spChg chg="del">
+          <ac:chgData name="Paul Butler" userId="e794ef743ee46f0d" providerId="LiveId" clId="{BF918A8B-4897-4C7A-8418-152D3A006542}" dt="2020-08-17T09:34:52.132" v="2779" actId="478"/>
+          <ac:spMkLst>
+            <pc:docMk/>
+            <pc:sldMk cId="1202007530" sldId="270"/>
+            <ac:spMk id="3" creationId="{54B2F874-FF03-4CEB-85CA-97D82E6E4105}"/>
+          </ac:spMkLst>
+        </pc:spChg>
+        <pc:spChg chg="add del mod">
+          <ac:chgData name="Paul Butler" userId="e794ef743ee46f0d" providerId="LiveId" clId="{BF918A8B-4897-4C7A-8418-152D3A006542}" dt="2020-08-17T09:34:53.875" v="2780" actId="22"/>
+          <ac:spMkLst>
+            <pc:docMk/>
+            <pc:sldMk cId="1202007530" sldId="270"/>
+            <ac:spMk id="6" creationId="{34BE419A-60CA-4A8E-9015-B6EF5106A0B3}"/>
+          </ac:spMkLst>
+        </pc:spChg>
+        <pc:spChg chg="add del mod">
+          <ac:chgData name="Paul Butler" userId="e794ef743ee46f0d" providerId="LiveId" clId="{BF918A8B-4897-4C7A-8418-152D3A006542}" dt="2020-08-17T09:34:15.113" v="2778"/>
+          <ac:spMkLst>
+            <pc:docMk/>
+            <pc:sldMk cId="1202007530" sldId="270"/>
+            <ac:spMk id="7" creationId="{98906769-7259-4CB3-BCB8-0988716A66C3}"/>
+          </ac:spMkLst>
+        </pc:spChg>
+        <pc:spChg chg="add del mod">
+          <ac:chgData name="Paul Butler" userId="e794ef743ee46f0d" providerId="LiveId" clId="{BF918A8B-4897-4C7A-8418-152D3A006542}" dt="2020-08-17T09:38:26.346" v="2940" actId="20577"/>
+          <ac:spMkLst>
+            <pc:docMk/>
+            <pc:sldMk cId="1202007530" sldId="270"/>
+            <ac:spMk id="14" creationId="{920947AA-30DC-490B-BE2C-02DB194FBEDE}"/>
+          </ac:spMkLst>
+        </pc:spChg>
+        <pc:spChg chg="add">
+          <ac:chgData name="Paul Butler" userId="e794ef743ee46f0d" providerId="LiveId" clId="{BF918A8B-4897-4C7A-8418-152D3A006542}" dt="2020-08-17T09:34:59.414" v="2781" actId="26606"/>
+          <ac:spMkLst>
+            <pc:docMk/>
+            <pc:sldMk cId="1202007530" sldId="270"/>
+            <ac:spMk id="17" creationId="{35C3D674-3D59-4E93-80CA-0C0A9095E816}"/>
+          </ac:spMkLst>
+        </pc:spChg>
+        <pc:spChg chg="add">
+          <ac:chgData name="Paul Butler" userId="e794ef743ee46f0d" providerId="LiveId" clId="{BF918A8B-4897-4C7A-8418-152D3A006542}" dt="2020-08-17T09:34:59.414" v="2781" actId="26606"/>
+          <ac:spMkLst>
+            <pc:docMk/>
+            <pc:sldMk cId="1202007530" sldId="270"/>
+            <ac:spMk id="21" creationId="{EF2A81E1-BCBE-426B-8C09-33274E69409D}"/>
+          </ac:spMkLst>
+        </pc:spChg>
+        <pc:graphicFrameChg chg="del">
+          <ac:chgData name="Paul Butler" userId="e794ef743ee46f0d" providerId="LiveId" clId="{BF918A8B-4897-4C7A-8418-152D3A006542}" dt="2020-08-17T09:33:55.472" v="2776" actId="478"/>
+          <ac:graphicFrameMkLst>
+            <pc:docMk/>
+            <pc:sldMk cId="1202007530" sldId="270"/>
+            <ac:graphicFrameMk id="4" creationId="{CC84A788-5837-48EE-B7B1-45C93697B03F}"/>
+          </ac:graphicFrameMkLst>
+        </pc:graphicFrameChg>
+        <pc:picChg chg="add del mod">
+          <ac:chgData name="Paul Butler" userId="e794ef743ee46f0d" providerId="LiveId" clId="{BF918A8B-4897-4C7A-8418-152D3A006542}" dt="2020-08-17T09:40:47.904" v="3057" actId="478"/>
+          <ac:picMkLst>
+            <pc:docMk/>
+            <pc:sldMk cId="1202007530" sldId="270"/>
+            <ac:picMk id="10" creationId="{3A0A68D9-95DD-4058-95A3-057B5C858F3D}"/>
+          </ac:picMkLst>
+        </pc:picChg>
+        <pc:picChg chg="add">
+          <ac:chgData name="Paul Butler" userId="e794ef743ee46f0d" providerId="LiveId" clId="{BF918A8B-4897-4C7A-8418-152D3A006542}" dt="2020-08-17T09:34:59.414" v="2781" actId="26606"/>
+          <ac:picMkLst>
+            <pc:docMk/>
+            <pc:sldMk cId="1202007530" sldId="270"/>
+            <ac:picMk id="23" creationId="{39D1DDD4-5BB3-45BA-B9B3-06B62299AD79}"/>
+          </ac:picMkLst>
+        </pc:picChg>
+        <pc:cxnChg chg="add">
+          <ac:chgData name="Paul Butler" userId="e794ef743ee46f0d" providerId="LiveId" clId="{BF918A8B-4897-4C7A-8418-152D3A006542}" dt="2020-08-17T09:34:59.414" v="2781" actId="26606"/>
+          <ac:cxnSpMkLst>
+            <pc:docMk/>
+            <pc:sldMk cId="1202007530" sldId="270"/>
+            <ac:cxnSpMk id="19" creationId="{C884B8F8-FDC9-498B-9960-5D7260AFCB03}"/>
+          </ac:cxnSpMkLst>
+        </pc:cxnChg>
+        <pc:cxnChg chg="add">
+          <ac:chgData name="Paul Butler" userId="e794ef743ee46f0d" providerId="LiveId" clId="{BF918A8B-4897-4C7A-8418-152D3A006542}" dt="2020-08-17T09:34:59.414" v="2781" actId="26606"/>
+          <ac:cxnSpMkLst>
+            <pc:docMk/>
+            <pc:sldMk cId="1202007530" sldId="270"/>
+            <ac:cxnSpMk id="25" creationId="{A24DAE64-2302-42EA-8239-F2F0775CA5AD}"/>
+          </ac:cxnSpMkLst>
+        </pc:cxnChg>
+      </pc:sldChg>
+      <pc:sldChg chg="modSp mod">
+        <pc:chgData name="Paul Butler" userId="e794ef743ee46f0d" providerId="LiveId" clId="{BF918A8B-4897-4C7A-8418-152D3A006542}" dt="2020-08-23T20:10:56.338" v="5193" actId="20577"/>
+        <pc:sldMkLst>
+          <pc:docMk/>
+          <pc:sldMk cId="4099271877" sldId="271"/>
+        </pc:sldMkLst>
+        <pc:spChg chg="mod">
+          <ac:chgData name="Paul Butler" userId="e794ef743ee46f0d" providerId="LiveId" clId="{BF918A8B-4897-4C7A-8418-152D3A006542}" dt="2020-08-23T19:22:02.739" v="3877"/>
+          <ac:spMkLst>
+            <pc:docMk/>
+            <pc:sldMk cId="4099271877" sldId="271"/>
+            <ac:spMk id="2" creationId="{95236E52-3CCC-4CED-8BD2-B6BEAA0899F4}"/>
+          </ac:spMkLst>
+        </pc:spChg>
+        <pc:spChg chg="mod">
+          <ac:chgData name="Paul Butler" userId="e794ef743ee46f0d" providerId="LiveId" clId="{BF918A8B-4897-4C7A-8418-152D3A006542}" dt="2020-08-23T20:10:56.338" v="5193" actId="20577"/>
+          <ac:spMkLst>
+            <pc:docMk/>
+            <pc:sldMk cId="4099271877" sldId="271"/>
+            <ac:spMk id="3" creationId="{A75AE643-BB61-457B-B208-3F288C2A94DC}"/>
+          </ac:spMkLst>
+        </pc:spChg>
+      </pc:sldChg>
+      <pc:sldChg chg="addSp delSp modSp new mod setBg delDesignElem">
+        <pc:chgData name="Paul Butler" userId="e794ef743ee46f0d" providerId="LiveId" clId="{BF918A8B-4897-4C7A-8418-152D3A006542}" dt="2020-08-23T19:22:02.739" v="3877"/>
+        <pc:sldMkLst>
+          <pc:docMk/>
+          <pc:sldMk cId="4008896517" sldId="272"/>
+        </pc:sldMkLst>
+        <pc:spChg chg="mod">
+          <ac:chgData name="Paul Butler" userId="e794ef743ee46f0d" providerId="LiveId" clId="{BF918A8B-4897-4C7A-8418-152D3A006542}" dt="2020-08-17T09:39:59.710" v="2962" actId="26606"/>
+          <ac:spMkLst>
+            <pc:docMk/>
+            <pc:sldMk cId="4008896517" sldId="272"/>
+            <ac:spMk id="2" creationId="{8E042233-2D2D-4FDB-BCC4-5708092121D4}"/>
+          </ac:spMkLst>
+        </pc:spChg>
+        <pc:spChg chg="del">
+          <ac:chgData name="Paul Butler" userId="e794ef743ee46f0d" providerId="LiveId" clId="{BF918A8B-4897-4C7A-8418-152D3A006542}" dt="2020-08-17T09:39:56.790" v="2961"/>
+          <ac:spMkLst>
+            <pc:docMk/>
+            <pc:sldMk cId="4008896517" sldId="272"/>
+            <ac:spMk id="3" creationId="{7B3A7052-49AB-4262-9175-4AE5EFB1515F}"/>
+          </ac:spMkLst>
+        </pc:spChg>
+        <pc:spChg chg="add mod">
+          <ac:chgData name="Paul Butler" userId="e794ef743ee46f0d" providerId="LiveId" clId="{BF918A8B-4897-4C7A-8418-152D3A006542}" dt="2020-08-17T09:50:03.106" v="3136" actId="20577"/>
+          <ac:spMkLst>
+            <pc:docMk/>
+            <pc:sldMk cId="4008896517" sldId="272"/>
+            <ac:spMk id="9" creationId="{02A53A1D-85C8-462F-8487-50455B24EF09}"/>
+          </ac:spMkLst>
+        </pc:spChg>
+        <pc:spChg chg="add del">
+          <ac:chgData name="Paul Butler" userId="e794ef743ee46f0d" providerId="LiveId" clId="{BF918A8B-4897-4C7A-8418-152D3A006542}" dt="2020-08-17T09:48:14.509" v="3072" actId="26606"/>
+          <ac:spMkLst>
+            <pc:docMk/>
+            <pc:sldMk cId="4008896517" sldId="272"/>
+            <ac:spMk id="12" creationId="{35C3D674-3D59-4E93-80CA-0C0A9095E816}"/>
+          </ac:spMkLst>
+        </pc:spChg>
+        <pc:spChg chg="add del">
+          <ac:chgData name="Paul Butler" userId="e794ef743ee46f0d" providerId="LiveId" clId="{BF918A8B-4897-4C7A-8418-152D3A006542}" dt="2020-08-17T09:48:14.509" v="3072" actId="26606"/>
+          <ac:spMkLst>
+            <pc:docMk/>
+            <pc:sldMk cId="4008896517" sldId="272"/>
+            <ac:spMk id="16" creationId="{EF2A81E1-BCBE-426B-8C09-33274E69409D}"/>
+          </ac:spMkLst>
+        </pc:spChg>
+        <pc:spChg chg="add del">
+          <ac:chgData name="Paul Butler" userId="e794ef743ee46f0d" providerId="LiveId" clId="{BF918A8B-4897-4C7A-8418-152D3A006542}" dt="2020-08-17T09:48:14.466" v="3071" actId="26606"/>
+          <ac:spMkLst>
+            <pc:docMk/>
+            <pc:sldMk cId="4008896517" sldId="272"/>
+            <ac:spMk id="25" creationId="{35C3D674-3D59-4E93-80CA-0C0A9095E816}"/>
+          </ac:spMkLst>
+        </pc:spChg>
+        <pc:spChg chg="add del">
+          <ac:chgData name="Paul Butler" userId="e794ef743ee46f0d" providerId="LiveId" clId="{BF918A8B-4897-4C7A-8418-152D3A006542}" dt="2020-08-17T09:48:14.466" v="3071" actId="26606"/>
+          <ac:spMkLst>
+            <pc:docMk/>
+            <pc:sldMk cId="4008896517" sldId="272"/>
+            <ac:spMk id="29" creationId="{EF2A81E1-BCBE-426B-8C09-33274E69409D}"/>
+          </ac:spMkLst>
+        </pc:spChg>
+        <pc:spChg chg="add del">
+          <ac:chgData name="Paul Butler" userId="e794ef743ee46f0d" providerId="LiveId" clId="{BF918A8B-4897-4C7A-8418-152D3A006542}" dt="2020-08-23T19:22:02.739" v="3877"/>
+          <ac:spMkLst>
+            <pc:docMk/>
+            <pc:sldMk cId="4008896517" sldId="272"/>
+            <ac:spMk id="35" creationId="{35C3D674-3D59-4E93-80CA-0C0A9095E816}"/>
+          </ac:spMkLst>
+        </pc:spChg>
+        <pc:spChg chg="add del">
+          <ac:chgData name="Paul Butler" userId="e794ef743ee46f0d" providerId="LiveId" clId="{BF918A8B-4897-4C7A-8418-152D3A006542}" dt="2020-08-23T19:22:02.739" v="3877"/>
+          <ac:spMkLst>
+            <pc:docMk/>
+            <pc:sldMk cId="4008896517" sldId="272"/>
+            <ac:spMk id="37" creationId="{EF2A81E1-BCBE-426B-8C09-33274E69409D}"/>
+          </ac:spMkLst>
+        </pc:spChg>
+        <pc:spChg chg="add del">
+          <ac:chgData name="Paul Butler" userId="e794ef743ee46f0d" providerId="LiveId" clId="{BF918A8B-4897-4C7A-8418-152D3A006542}" dt="2020-08-17T09:50:55.270" v="3147" actId="26606"/>
+          <ac:spMkLst>
+            <pc:docMk/>
+            <pc:sldMk cId="4008896517" sldId="272"/>
+            <ac:spMk id="44" creationId="{35C3D674-3D59-4E93-80CA-0C0A9095E816}"/>
+          </ac:spMkLst>
+        </pc:spChg>
+        <pc:spChg chg="add del">
+          <ac:chgData name="Paul Butler" userId="e794ef743ee46f0d" providerId="LiveId" clId="{BF918A8B-4897-4C7A-8418-152D3A006542}" dt="2020-08-17T09:50:55.270" v="3147" actId="26606"/>
+          <ac:spMkLst>
+            <pc:docMk/>
+            <pc:sldMk cId="4008896517" sldId="272"/>
+            <ac:spMk id="48" creationId="{EF2A81E1-BCBE-426B-8C09-33274E69409D}"/>
+          </ac:spMkLst>
+        </pc:spChg>
+        <pc:graphicFrameChg chg="add del mod">
+          <ac:chgData name="Paul Butler" userId="e794ef743ee46f0d" providerId="LiveId" clId="{BF918A8B-4897-4C7A-8418-152D3A006542}" dt="2020-08-17T09:39:59.710" v="2962" actId="26606"/>
+          <ac:graphicFrameMkLst>
+            <pc:docMk/>
+            <pc:sldMk cId="4008896517" sldId="272"/>
+            <ac:graphicFrameMk id="4" creationId="{B6508106-DB6F-4633-BE99-A0C0A4039040}"/>
+          </ac:graphicFrameMkLst>
+        </pc:graphicFrameChg>
+        <pc:graphicFrameChg chg="add del mod modGraphic">
+          <ac:chgData name="Paul Butler" userId="e794ef743ee46f0d" providerId="LiveId" clId="{BF918A8B-4897-4C7A-8418-152D3A006542}" dt="2020-08-17T09:50:16.157" v="3137" actId="478"/>
+          <ac:graphicFrameMkLst>
+            <pc:docMk/>
+            <pc:sldMk cId="4008896517" sldId="272"/>
+            <ac:graphicFrameMk id="5" creationId="{DAFC7835-12F4-4FC9-9E59-23A8F37F5B5B}"/>
+          </ac:graphicFrameMkLst>
+        </pc:graphicFrameChg>
+        <pc:graphicFrameChg chg="add mod modGraphic">
+          <ac:chgData name="Paul Butler" userId="e794ef743ee46f0d" providerId="LiveId" clId="{BF918A8B-4897-4C7A-8418-152D3A006542}" dt="2020-08-17T09:52:49.334" v="3185" actId="403"/>
+          <ac:graphicFrameMkLst>
+            <pc:docMk/>
+            <pc:sldMk cId="4008896517" sldId="272"/>
+            <ac:graphicFrameMk id="6" creationId="{42172216-A605-4EC3-BD69-291938AFAD54}"/>
+          </ac:graphicFrameMkLst>
+        </pc:graphicFrameChg>
+        <pc:graphicFrameChg chg="add del mod modGraphic">
+          <ac:chgData name="Paul Butler" userId="e794ef743ee46f0d" providerId="LiveId" clId="{BF918A8B-4897-4C7A-8418-152D3A006542}" dt="2020-08-17T09:48:01.810" v="3068" actId="478"/>
+          <ac:graphicFrameMkLst>
+            <pc:docMk/>
+            <pc:sldMk cId="4008896517" sldId="272"/>
+            <ac:graphicFrameMk id="7" creationId="{B6508106-DB6F-4633-BE99-A0C0A4039040}"/>
+          </ac:graphicFrameMkLst>
+        </pc:graphicFrameChg>
+        <pc:picChg chg="add del">
+          <ac:chgData name="Paul Butler" userId="e794ef743ee46f0d" providerId="LiveId" clId="{BF918A8B-4897-4C7A-8418-152D3A006542}" dt="2020-08-17T09:48:14.509" v="3072" actId="26606"/>
+          <ac:picMkLst>
+            <pc:docMk/>
+            <pc:sldMk cId="4008896517" sldId="272"/>
+            <ac:picMk id="18" creationId="{39D1DDD4-5BB3-45BA-B9B3-06B62299AD79}"/>
+          </ac:picMkLst>
+        </pc:picChg>
+        <pc:picChg chg="add del">
+          <ac:chgData name="Paul Butler" userId="e794ef743ee46f0d" providerId="LiveId" clId="{BF918A8B-4897-4C7A-8418-152D3A006542}" dt="2020-08-17T09:48:14.466" v="3071" actId="26606"/>
+          <ac:picMkLst>
+            <pc:docMk/>
+            <pc:sldMk cId="4008896517" sldId="272"/>
+            <ac:picMk id="31" creationId="{39D1DDD4-5BB3-45BA-B9B3-06B62299AD79}"/>
+          </ac:picMkLst>
+        </pc:picChg>
+        <pc:picChg chg="add del">
+          <ac:chgData name="Paul Butler" userId="e794ef743ee46f0d" providerId="LiveId" clId="{BF918A8B-4897-4C7A-8418-152D3A006542}" dt="2020-08-23T19:22:02.739" v="3877"/>
+          <ac:picMkLst>
+            <pc:docMk/>
+            <pc:sldMk cId="4008896517" sldId="272"/>
+            <ac:picMk id="38" creationId="{39D1DDD4-5BB3-45BA-B9B3-06B62299AD79}"/>
+          </ac:picMkLst>
+        </pc:picChg>
+        <pc:picChg chg="add del">
+          <ac:chgData name="Paul Butler" userId="e794ef743ee46f0d" providerId="LiveId" clId="{BF918A8B-4897-4C7A-8418-152D3A006542}" dt="2020-08-17T09:50:55.270" v="3147" actId="26606"/>
+          <ac:picMkLst>
+            <pc:docMk/>
+            <pc:sldMk cId="4008896517" sldId="272"/>
+            <ac:picMk id="50" creationId="{39D1DDD4-5BB3-45BA-B9B3-06B62299AD79}"/>
+          </ac:picMkLst>
+        </pc:picChg>
+        <pc:cxnChg chg="add del">
+          <ac:chgData name="Paul Butler" userId="e794ef743ee46f0d" providerId="LiveId" clId="{BF918A8B-4897-4C7A-8418-152D3A006542}" dt="2020-08-17T09:48:14.509" v="3072" actId="26606"/>
+          <ac:cxnSpMkLst>
+            <pc:docMk/>
+            <pc:sldMk cId="4008896517" sldId="272"/>
+            <ac:cxnSpMk id="14" creationId="{C884B8F8-FDC9-498B-9960-5D7260AFCB03}"/>
+          </ac:cxnSpMkLst>
+        </pc:cxnChg>
+        <pc:cxnChg chg="add del">
+          <ac:chgData name="Paul Butler" userId="e794ef743ee46f0d" providerId="LiveId" clId="{BF918A8B-4897-4C7A-8418-152D3A006542}" dt="2020-08-17T09:48:14.509" v="3072" actId="26606"/>
+          <ac:cxnSpMkLst>
+            <pc:docMk/>
+            <pc:sldMk cId="4008896517" sldId="272"/>
+            <ac:cxnSpMk id="20" creationId="{A24DAE64-2302-42EA-8239-F2F0775CA5AD}"/>
+          </ac:cxnSpMkLst>
+        </pc:cxnChg>
+        <pc:cxnChg chg="add del">
+          <ac:chgData name="Paul Butler" userId="e794ef743ee46f0d" providerId="LiveId" clId="{BF918A8B-4897-4C7A-8418-152D3A006542}" dt="2020-08-17T09:48:14.466" v="3071" actId="26606"/>
+          <ac:cxnSpMkLst>
+            <pc:docMk/>
+            <pc:sldMk cId="4008896517" sldId="272"/>
+            <ac:cxnSpMk id="27" creationId="{C884B8F8-FDC9-498B-9960-5D7260AFCB03}"/>
+          </ac:cxnSpMkLst>
+        </pc:cxnChg>
+        <pc:cxnChg chg="add del">
+          <ac:chgData name="Paul Butler" userId="e794ef743ee46f0d" providerId="LiveId" clId="{BF918A8B-4897-4C7A-8418-152D3A006542}" dt="2020-08-17T09:48:14.466" v="3071" actId="26606"/>
+          <ac:cxnSpMkLst>
+            <pc:docMk/>
+            <pc:sldMk cId="4008896517" sldId="272"/>
+            <ac:cxnSpMk id="33" creationId="{A24DAE64-2302-42EA-8239-F2F0775CA5AD}"/>
+          </ac:cxnSpMkLst>
+        </pc:cxnChg>
+        <pc:cxnChg chg="add del">
+          <ac:chgData name="Paul Butler" userId="e794ef743ee46f0d" providerId="LiveId" clId="{BF918A8B-4897-4C7A-8418-152D3A006542}" dt="2020-08-23T19:22:02.739" v="3877"/>
+          <ac:cxnSpMkLst>
+            <pc:docMk/>
+            <pc:sldMk cId="4008896517" sldId="272"/>
+            <ac:cxnSpMk id="36" creationId="{C884B8F8-FDC9-498B-9960-5D7260AFCB03}"/>
+          </ac:cxnSpMkLst>
+        </pc:cxnChg>
+        <pc:cxnChg chg="add del">
+          <ac:chgData name="Paul Butler" userId="e794ef743ee46f0d" providerId="LiveId" clId="{BF918A8B-4897-4C7A-8418-152D3A006542}" dt="2020-08-23T19:22:02.739" v="3877"/>
+          <ac:cxnSpMkLst>
+            <pc:docMk/>
+            <pc:sldMk cId="4008896517" sldId="272"/>
+            <ac:cxnSpMk id="39" creationId="{A24DAE64-2302-42EA-8239-F2F0775CA5AD}"/>
+          </ac:cxnSpMkLst>
+        </pc:cxnChg>
+        <pc:cxnChg chg="add del">
+          <ac:chgData name="Paul Butler" userId="e794ef743ee46f0d" providerId="LiveId" clId="{BF918A8B-4897-4C7A-8418-152D3A006542}" dt="2020-08-17T09:50:55.270" v="3147" actId="26606"/>
+          <ac:cxnSpMkLst>
+            <pc:docMk/>
+            <pc:sldMk cId="4008896517" sldId="272"/>
+            <ac:cxnSpMk id="46" creationId="{C884B8F8-FDC9-498B-9960-5D7260AFCB03}"/>
+          </ac:cxnSpMkLst>
+        </pc:cxnChg>
+        <pc:cxnChg chg="add del">
+          <ac:chgData name="Paul Butler" userId="e794ef743ee46f0d" providerId="LiveId" clId="{BF918A8B-4897-4C7A-8418-152D3A006542}" dt="2020-08-17T09:50:55.270" v="3147" actId="26606"/>
+          <ac:cxnSpMkLst>
+            <pc:docMk/>
+            <pc:sldMk cId="4008896517" sldId="272"/>
+            <ac:cxnSpMk id="52" creationId="{A24DAE64-2302-42EA-8239-F2F0775CA5AD}"/>
+          </ac:cxnSpMkLst>
+        </pc:cxnChg>
+      </pc:sldChg>
+      <pc:sldChg chg="addSp delSp modSp add mod ord">
+        <pc:chgData name="Paul Butler" userId="e794ef743ee46f0d" providerId="LiveId" clId="{BF918A8B-4897-4C7A-8418-152D3A006542}" dt="2020-08-23T19:55:08.139" v="4925" actId="20577"/>
+        <pc:sldMkLst>
+          <pc:docMk/>
+          <pc:sldMk cId="645365043" sldId="273"/>
+        </pc:sldMkLst>
+        <pc:spChg chg="mod">
+          <ac:chgData name="Paul Butler" userId="e794ef743ee46f0d" providerId="LiveId" clId="{BF918A8B-4897-4C7A-8418-152D3A006542}" dt="2020-08-23T19:55:08.139" v="4925" actId="20577"/>
+          <ac:spMkLst>
+            <pc:docMk/>
+            <pc:sldMk cId="645365043" sldId="273"/>
+            <ac:spMk id="2" creationId="{BC9067D3-6FBE-4227-B05B-3938E70ECF28}"/>
+          </ac:spMkLst>
+        </pc:spChg>
+        <pc:spChg chg="mod">
+          <ac:chgData name="Paul Butler" userId="e794ef743ee46f0d" providerId="LiveId" clId="{BF918A8B-4897-4C7A-8418-152D3A006542}" dt="2020-08-23T19:22:02.739" v="3877"/>
+          <ac:spMkLst>
+            <pc:docMk/>
+            <pc:sldMk cId="645365043" sldId="273"/>
+            <ac:spMk id="3" creationId="{BE3B2F80-C10C-4662-BEE6-489F3724D5EB}"/>
+          </ac:spMkLst>
+        </pc:spChg>
+        <pc:graphicFrameChg chg="add del mod">
+          <ac:chgData name="Paul Butler" userId="e794ef743ee46f0d" providerId="LiveId" clId="{BF918A8B-4897-4C7A-8418-152D3A006542}" dt="2020-08-17T09:41:18.070" v="3062" actId="478"/>
+          <ac:graphicFrameMkLst>
+            <pc:docMk/>
+            <pc:sldMk cId="645365043" sldId="273"/>
+            <ac:graphicFrameMk id="4" creationId="{51DD89E2-A029-43B8-A6F6-EA1F391B9092}"/>
+          </ac:graphicFrameMkLst>
+        </pc:graphicFrameChg>
+      </pc:sldChg>
+      <pc:sldChg chg="addSp delSp modSp new mod setBg delDesignElem">
+        <pc:chgData name="Paul Butler" userId="e794ef743ee46f0d" providerId="LiveId" clId="{BF918A8B-4897-4C7A-8418-152D3A006542}" dt="2020-08-23T19:22:02.739" v="3877"/>
+        <pc:sldMkLst>
+          <pc:docMk/>
+          <pc:sldMk cId="1259515197" sldId="274"/>
+        </pc:sldMkLst>
+        <pc:spChg chg="mod">
+          <ac:chgData name="Paul Butler" userId="e794ef743ee46f0d" providerId="LiveId" clId="{BF918A8B-4897-4C7A-8418-152D3A006542}" dt="2020-08-17T09:55:00.696" v="3203"/>
+          <ac:spMkLst>
+            <pc:docMk/>
+            <pc:sldMk cId="1259515197" sldId="274"/>
+            <ac:spMk id="2" creationId="{6379DF3D-F9FF-43B2-8072-EA30F7F63BD8}"/>
+          </ac:spMkLst>
+        </pc:spChg>
+        <pc:spChg chg="mod">
+          <ac:chgData name="Paul Butler" userId="e794ef743ee46f0d" providerId="LiveId" clId="{BF918A8B-4897-4C7A-8418-152D3A006542}" dt="2020-08-17T09:56:30.867" v="3460" actId="20577"/>
+          <ac:spMkLst>
+            <pc:docMk/>
+            <pc:sldMk cId="1259515197" sldId="274"/>
+            <ac:spMk id="3" creationId="{FBB8BBF8-FB8B-4046-BEBC-5E8584A9504A}"/>
+          </ac:spMkLst>
+        </pc:spChg>
+        <pc:spChg chg="add del">
+          <ac:chgData name="Paul Butler" userId="e794ef743ee46f0d" providerId="LiveId" clId="{BF918A8B-4897-4C7A-8418-152D3A006542}" dt="2020-08-23T19:22:02.739" v="3877"/>
+          <ac:spMkLst>
+            <pc:docMk/>
+            <pc:sldMk cId="1259515197" sldId="274"/>
+            <ac:spMk id="11" creationId="{35C3D674-3D59-4E93-80CA-0C0A9095E816}"/>
+          </ac:spMkLst>
+        </pc:spChg>
+        <pc:spChg chg="add del">
+          <ac:chgData name="Paul Butler" userId="e794ef743ee46f0d" providerId="LiveId" clId="{BF918A8B-4897-4C7A-8418-152D3A006542}" dt="2020-08-23T19:22:02.739" v="3877"/>
+          <ac:spMkLst>
+            <pc:docMk/>
+            <pc:sldMk cId="1259515197" sldId="274"/>
+            <ac:spMk id="15" creationId="{EF2A81E1-BCBE-426B-8C09-33274E69409D}"/>
+          </ac:spMkLst>
+        </pc:spChg>
+        <pc:picChg chg="add mod">
+          <ac:chgData name="Paul Butler" userId="e794ef743ee46f0d" providerId="LiveId" clId="{BF918A8B-4897-4C7A-8418-152D3A006542}" dt="2020-08-17T09:54:20.459" v="3198" actId="14100"/>
+          <ac:picMkLst>
+            <pc:docMk/>
+            <pc:sldMk cId="1259515197" sldId="274"/>
+            <ac:picMk id="6" creationId="{F6FCFA8A-1698-4B39-983B-D9CCBA2A920F}"/>
+          </ac:picMkLst>
+        </pc:picChg>
+        <pc:picChg chg="add del">
+          <ac:chgData name="Paul Butler" userId="e794ef743ee46f0d" providerId="LiveId" clId="{BF918A8B-4897-4C7A-8418-152D3A006542}" dt="2020-08-23T19:22:02.739" v="3877"/>
+          <ac:picMkLst>
+            <pc:docMk/>
+            <pc:sldMk cId="1259515197" sldId="274"/>
+            <ac:picMk id="17" creationId="{39D1DDD4-5BB3-45BA-B9B3-06B62299AD79}"/>
+          </ac:picMkLst>
+        </pc:picChg>
+        <pc:cxnChg chg="add del">
+          <ac:chgData name="Paul Butler" userId="e794ef743ee46f0d" providerId="LiveId" clId="{BF918A8B-4897-4C7A-8418-152D3A006542}" dt="2020-08-23T19:22:02.739" v="3877"/>
+          <ac:cxnSpMkLst>
+            <pc:docMk/>
+            <pc:sldMk cId="1259515197" sldId="274"/>
+            <ac:cxnSpMk id="13" creationId="{C884B8F8-FDC9-498B-9960-5D7260AFCB03}"/>
+          </ac:cxnSpMkLst>
+        </pc:cxnChg>
+        <pc:cxnChg chg="add del">
+          <ac:chgData name="Paul Butler" userId="e794ef743ee46f0d" providerId="LiveId" clId="{BF918A8B-4897-4C7A-8418-152D3A006542}" dt="2020-08-23T19:22:02.739" v="3877"/>
+          <ac:cxnSpMkLst>
+            <pc:docMk/>
+            <pc:sldMk cId="1259515197" sldId="274"/>
+            <ac:cxnSpMk id="19" creationId="{A24DAE64-2302-42EA-8239-F2F0775CA5AD}"/>
+          </ac:cxnSpMkLst>
+        </pc:cxnChg>
+      </pc:sldChg>
+      <pc:sldChg chg="addSp delSp modSp add mod">
+        <pc:chgData name="Paul Butler" userId="e794ef743ee46f0d" providerId="LiveId" clId="{BF918A8B-4897-4C7A-8418-152D3A006542}" dt="2020-08-23T19:53:11.569" v="4772" actId="20577"/>
+        <pc:sldMkLst>
+          <pc:docMk/>
+          <pc:sldMk cId="143435711" sldId="275"/>
+        </pc:sldMkLst>
+        <pc:spChg chg="mod">
+          <ac:chgData name="Paul Butler" userId="e794ef743ee46f0d" providerId="LiveId" clId="{BF918A8B-4897-4C7A-8418-152D3A006542}" dt="2020-08-23T19:22:56.705" v="3912" actId="20577"/>
+          <ac:spMkLst>
+            <pc:docMk/>
+            <pc:sldMk cId="143435711" sldId="275"/>
+            <ac:spMk id="2" creationId="{FAC12C41-C161-40A3-8D6F-E3A11A4CA21F}"/>
+          </ac:spMkLst>
+        </pc:spChg>
+        <pc:spChg chg="add del mod">
+          <ac:chgData name="Paul Butler" userId="e794ef743ee46f0d" providerId="LiveId" clId="{BF918A8B-4897-4C7A-8418-152D3A006542}" dt="2020-08-23T19:23:44.749" v="3926" actId="478"/>
+          <ac:spMkLst>
+            <pc:docMk/>
+            <pc:sldMk cId="143435711" sldId="275"/>
+            <ac:spMk id="8" creationId="{F66FC8BD-07FE-40C5-80AC-32ED70114CF7}"/>
+          </ac:spMkLst>
+        </pc:spChg>
+        <pc:spChg chg="mod">
+          <ac:chgData name="Paul Butler" userId="e794ef743ee46f0d" providerId="LiveId" clId="{BF918A8B-4897-4C7A-8418-152D3A006542}" dt="2020-08-23T19:53:11.569" v="4772" actId="20577"/>
+          <ac:spMkLst>
+            <pc:docMk/>
+            <pc:sldMk cId="143435711" sldId="275"/>
+            <ac:spMk id="103" creationId="{250797AC-728B-40EE-B7D9-4C12783059BE}"/>
+          </ac:spMkLst>
+        </pc:spChg>
+        <pc:graphicFrameChg chg="add del mod">
+          <ac:chgData name="Paul Butler" userId="e794ef743ee46f0d" providerId="LiveId" clId="{BF918A8B-4897-4C7A-8418-152D3A006542}" dt="2020-08-23T19:41:45.887" v="4439" actId="478"/>
+          <ac:graphicFrameMkLst>
+            <pc:docMk/>
+            <pc:sldMk cId="143435711" sldId="275"/>
+            <ac:graphicFrameMk id="10" creationId="{22D3748B-9F80-4FD1-92E2-45B08C81A1B9}"/>
+          </ac:graphicFrameMkLst>
+        </pc:graphicFrameChg>
+        <pc:picChg chg="del">
+          <ac:chgData name="Paul Butler" userId="e794ef743ee46f0d" providerId="LiveId" clId="{BF918A8B-4897-4C7A-8418-152D3A006542}" dt="2020-08-23T19:22:25.642" v="3880" actId="478"/>
+          <ac:picMkLst>
+            <pc:docMk/>
+            <pc:sldMk cId="143435711" sldId="275"/>
+            <ac:picMk id="4" creationId="{73828730-BE21-4437-82BE-515C845BF40F}"/>
+          </ac:picMkLst>
+        </pc:picChg>
+        <pc:picChg chg="add mod">
+          <ac:chgData name="Paul Butler" userId="e794ef743ee46f0d" providerId="LiveId" clId="{BF918A8B-4897-4C7A-8418-152D3A006542}" dt="2020-08-23T19:42:53.946" v="4457" actId="1076"/>
+          <ac:picMkLst>
+            <pc:docMk/>
+            <pc:sldMk cId="143435711" sldId="275"/>
+            <ac:picMk id="5" creationId="{B50DDF2B-FE43-4C62-A35B-6FB2EF560915}"/>
+          </ac:picMkLst>
+        </pc:picChg>
+        <pc:cxnChg chg="add del mod">
+          <ac:chgData name="Paul Butler" userId="e794ef743ee46f0d" providerId="LiveId" clId="{BF918A8B-4897-4C7A-8418-152D3A006542}" dt="2020-08-23T19:27:41.734" v="4159" actId="478"/>
+          <ac:cxnSpMkLst>
+            <pc:docMk/>
+            <pc:sldMk cId="143435711" sldId="275"/>
+            <ac:cxnSpMk id="7" creationId="{BE106E3C-325B-4BAB-902E-D8DE7C4DEA96}"/>
+          </ac:cxnSpMkLst>
+        </pc:cxnChg>
+        <pc:cxnChg chg="add mod">
+          <ac:chgData name="Paul Butler" userId="e794ef743ee46f0d" providerId="LiveId" clId="{BF918A8B-4897-4C7A-8418-152D3A006542}" dt="2020-08-23T19:42:58.213" v="4458" actId="1076"/>
+          <ac:cxnSpMkLst>
+            <pc:docMk/>
+            <pc:sldMk cId="143435711" sldId="275"/>
+            <ac:cxnSpMk id="16" creationId="{09DD5869-C36C-41BB-B340-3F97FEBC0289}"/>
+          </ac:cxnSpMkLst>
+        </pc:cxnChg>
+      </pc:sldChg>
+      <pc:sldChg chg="modSp add mod ord">
+        <pc:chgData name="Paul Butler" userId="e794ef743ee46f0d" providerId="LiveId" clId="{BF918A8B-4897-4C7A-8418-152D3A006542}" dt="2020-08-23T19:52:16.729" v="4701" actId="20577"/>
+        <pc:sldMkLst>
+          <pc:docMk/>
+          <pc:sldMk cId="2942129641" sldId="276"/>
+        </pc:sldMkLst>
+        <pc:spChg chg="mod">
+          <ac:chgData name="Paul Butler" userId="e794ef743ee46f0d" providerId="LiveId" clId="{BF918A8B-4897-4C7A-8418-152D3A006542}" dt="2020-08-23T19:52:16.729" v="4701" actId="20577"/>
+          <ac:spMkLst>
+            <pc:docMk/>
+            <pc:sldMk cId="2942129641" sldId="276"/>
+            <ac:spMk id="2" creationId="{F3AF2504-A2D4-474B-A5B6-AB528B5BB432}"/>
+          </ac:spMkLst>
+        </pc:spChg>
+      </pc:sldChg>
+      <pc:sldChg chg="modSp add mod">
+        <pc:chgData name="Paul Butler" userId="e794ef743ee46f0d" providerId="LiveId" clId="{BF918A8B-4897-4C7A-8418-152D3A006542}" dt="2020-08-23T19:50:10.563" v="4572" actId="20577"/>
+        <pc:sldMkLst>
+          <pc:docMk/>
+          <pc:sldMk cId="839664062" sldId="277"/>
+        </pc:sldMkLst>
+        <pc:spChg chg="mod">
+          <ac:chgData name="Paul Butler" userId="e794ef743ee46f0d" providerId="LiveId" clId="{BF918A8B-4897-4C7A-8418-152D3A006542}" dt="2020-08-23T19:50:10.563" v="4572" actId="20577"/>
+          <ac:spMkLst>
+            <pc:docMk/>
+            <pc:sldMk cId="839664062" sldId="277"/>
+            <ac:spMk id="2" creationId="{F3AF2504-A2D4-474B-A5B6-AB528B5BB432}"/>
+          </ac:spMkLst>
+        </pc:spChg>
+        <pc:spChg chg="mod">
+          <ac:chgData name="Paul Butler" userId="e794ef743ee46f0d" providerId="LiveId" clId="{BF918A8B-4897-4C7A-8418-152D3A006542}" dt="2020-08-23T19:49:31.759" v="4565" actId="313"/>
+          <ac:spMkLst>
+            <pc:docMk/>
+            <pc:sldMk cId="839664062" sldId="277"/>
+            <ac:spMk id="5" creationId="{56C199E6-DA92-49E5-B7B2-25A4B4F2A205}"/>
+          </ac:spMkLst>
+        </pc:spChg>
+      </pc:sldChg>
+      <pc:sldChg chg="modSp add mod ord">
+        <pc:chgData name="Paul Butler" userId="e794ef743ee46f0d" providerId="LiveId" clId="{BF918A8B-4897-4C7A-8418-152D3A006542}" dt="2020-08-23T19:50:27.312" v="4590" actId="20577"/>
+        <pc:sldMkLst>
+          <pc:docMk/>
+          <pc:sldMk cId="1727853357" sldId="278"/>
+        </pc:sldMkLst>
+        <pc:spChg chg="mod">
+          <ac:chgData name="Paul Butler" userId="e794ef743ee46f0d" providerId="LiveId" clId="{BF918A8B-4897-4C7A-8418-152D3A006542}" dt="2020-08-23T19:50:27.312" v="4590" actId="20577"/>
+          <ac:spMkLst>
+            <pc:docMk/>
+            <pc:sldMk cId="1727853357" sldId="278"/>
+            <ac:spMk id="2" creationId="{BC9067D3-6FBE-4227-B05B-3938E70ECF28}"/>
+          </ac:spMkLst>
+        </pc:spChg>
+      </pc:sldChg>
+      <pc:sldChg chg="addSp delSp modSp new mod modClrScheme chgLayout">
+        <pc:chgData name="Paul Butler" userId="e794ef743ee46f0d" providerId="LiveId" clId="{BF918A8B-4897-4C7A-8418-152D3A006542}" dt="2020-08-23T19:51:59.626" v="4687" actId="33524"/>
+        <pc:sldMkLst>
+          <pc:docMk/>
+          <pc:sldMk cId="509705175" sldId="279"/>
+        </pc:sldMkLst>
+        <pc:spChg chg="del mod ord">
+          <ac:chgData name="Paul Butler" userId="e794ef743ee46f0d" providerId="LiveId" clId="{BF918A8B-4897-4C7A-8418-152D3A006542}" dt="2020-08-23T19:51:30.125" v="4614" actId="700"/>
+          <ac:spMkLst>
+            <pc:docMk/>
+            <pc:sldMk cId="509705175" sldId="279"/>
+            <ac:spMk id="2" creationId="{742DC1E3-3B44-41E0-9479-1938EBFA327C}"/>
+          </ac:spMkLst>
+        </pc:spChg>
+        <pc:spChg chg="del mod ord">
+          <ac:chgData name="Paul Butler" userId="e794ef743ee46f0d" providerId="LiveId" clId="{BF918A8B-4897-4C7A-8418-152D3A006542}" dt="2020-08-23T19:51:30.125" v="4614" actId="700"/>
+          <ac:spMkLst>
+            <pc:docMk/>
+            <pc:sldMk cId="509705175" sldId="279"/>
+            <ac:spMk id="3" creationId="{9C21DF3F-90B3-482D-A0A8-04F0272D33B6}"/>
+          </ac:spMkLst>
+        </pc:spChg>
+        <pc:spChg chg="add del mod ord">
+          <ac:chgData name="Paul Butler" userId="e794ef743ee46f0d" providerId="LiveId" clId="{BF918A8B-4897-4C7A-8418-152D3A006542}" dt="2020-08-23T19:51:37.704" v="4615" actId="700"/>
+          <ac:spMkLst>
+            <pc:docMk/>
+            <pc:sldMk cId="509705175" sldId="279"/>
+            <ac:spMk id="4" creationId="{DCD38C3E-7B72-4567-A302-6FEF5BFF7924}"/>
+          </ac:spMkLst>
+        </pc:spChg>
+        <pc:spChg chg="add del mod ord">
+          <ac:chgData name="Paul Butler" userId="e794ef743ee46f0d" providerId="LiveId" clId="{BF918A8B-4897-4C7A-8418-152D3A006542}" dt="2020-08-23T19:51:37.704" v="4615" actId="700"/>
+          <ac:spMkLst>
+            <pc:docMk/>
+            <pc:sldMk cId="509705175" sldId="279"/>
+            <ac:spMk id="5" creationId="{5DEA92E9-DC7D-4E56-8FEA-42F533316D4C}"/>
+          </ac:spMkLst>
+        </pc:spChg>
+        <pc:spChg chg="add mod ord">
+          <ac:chgData name="Paul Butler" userId="e794ef743ee46f0d" providerId="LiveId" clId="{BF918A8B-4897-4C7A-8418-152D3A006542}" dt="2020-08-23T19:51:43.430" v="4632" actId="20577"/>
+          <ac:spMkLst>
+            <pc:docMk/>
+            <pc:sldMk cId="509705175" sldId="279"/>
+            <ac:spMk id="6" creationId="{15FAD748-4B65-4DB8-9056-41C49EC84CBB}"/>
+          </ac:spMkLst>
+        </pc:spChg>
+        <pc:spChg chg="add mod ord">
+          <ac:chgData name="Paul Butler" userId="e794ef743ee46f0d" providerId="LiveId" clId="{BF918A8B-4897-4C7A-8418-152D3A006542}" dt="2020-08-23T19:51:59.626" v="4687" actId="33524"/>
+          <ac:spMkLst>
+            <pc:docMk/>
+            <pc:sldMk cId="509705175" sldId="279"/>
+            <ac:spMk id="7" creationId="{5B4A8766-DDEB-488B-8D9D-8ABE4441862B}"/>
+          </ac:spMkLst>
+        </pc:spChg>
+      </pc:sldChg>
+      <pc:sldChg chg="modSp new del mod">
+        <pc:chgData name="Paul Butler" userId="e794ef743ee46f0d" providerId="LiveId" clId="{BF918A8B-4897-4C7A-8418-152D3A006542}" dt="2020-08-23T19:51:19.999" v="4612" actId="2696"/>
+        <pc:sldMkLst>
+          <pc:docMk/>
+          <pc:sldMk cId="2769815780" sldId="279"/>
+        </pc:sldMkLst>
+        <pc:spChg chg="mod">
+          <ac:chgData name="Paul Butler" userId="e794ef743ee46f0d" providerId="LiveId" clId="{BF918A8B-4897-4C7A-8418-152D3A006542}" dt="2020-08-23T19:51:17.463" v="4611" actId="20577"/>
+          <ac:spMkLst>
+            <pc:docMk/>
+            <pc:sldMk cId="2769815780" sldId="279"/>
+            <ac:spMk id="2" creationId="{D77E9B90-4FCC-4FA7-A22C-F5C0979FD282}"/>
+          </ac:spMkLst>
+        </pc:spChg>
+      </pc:sldChg>
+      <pc:sldChg chg="modSp add mod">
+        <pc:chgData name="Paul Butler" userId="e794ef743ee46f0d" providerId="LiveId" clId="{BF918A8B-4897-4C7A-8418-152D3A006542}" dt="2020-08-23T19:56:16.965" v="5067" actId="20577"/>
+        <pc:sldMkLst>
+          <pc:docMk/>
+          <pc:sldMk cId="1015910259" sldId="280"/>
+        </pc:sldMkLst>
+        <pc:spChg chg="mod">
+          <ac:chgData name="Paul Butler" userId="e794ef743ee46f0d" providerId="LiveId" clId="{BF918A8B-4897-4C7A-8418-152D3A006542}" dt="2020-08-23T19:56:16.965" v="5067" actId="20577"/>
+          <ac:spMkLst>
+            <pc:docMk/>
+            <pc:sldMk cId="1015910259" sldId="280"/>
+            <ac:spMk id="2" creationId="{02A83018-294B-4FF7-A376-1D4CEE17FB81}"/>
+          </ac:spMkLst>
+        </pc:spChg>
+        <pc:spChg chg="mod">
+          <ac:chgData name="Paul Butler" userId="e794ef743ee46f0d" providerId="LiveId" clId="{BF918A8B-4897-4C7A-8418-152D3A006542}" dt="2020-08-23T19:54:56.509" v="4902" actId="20577"/>
+          <ac:spMkLst>
+            <pc:docMk/>
+            <pc:sldMk cId="1015910259" sldId="280"/>
+            <ac:spMk id="5" creationId="{2619508F-5B24-4596-96B8-657A8D10411D}"/>
+          </ac:spMkLst>
+        </pc:spChg>
+      </pc:sldChg>
+      <pc:sldChg chg="new del">
+        <pc:chgData name="Paul Butler" userId="e794ef743ee46f0d" providerId="LiveId" clId="{BF918A8B-4897-4C7A-8418-152D3A006542}" dt="2020-08-23T19:56:22.396" v="5068" actId="2696"/>
+        <pc:sldMkLst>
+          <pc:docMk/>
+          <pc:sldMk cId="719769584" sldId="281"/>
+        </pc:sldMkLst>
+      </pc:sldChg>
+      <pc:sldChg chg="delSp modSp new del mod">
+        <pc:chgData name="Paul Butler" userId="e794ef743ee46f0d" providerId="LiveId" clId="{BF918A8B-4897-4C7A-8418-152D3A006542}" dt="2020-08-23T19:57:08.265" v="5073" actId="2696"/>
+        <pc:sldMkLst>
+          <pc:docMk/>
+          <pc:sldMk cId="1409353906" sldId="281"/>
+        </pc:sldMkLst>
+        <pc:spChg chg="mod">
+          <ac:chgData name="Paul Butler" userId="e794ef743ee46f0d" providerId="LiveId" clId="{BF918A8B-4897-4C7A-8418-152D3A006542}" dt="2020-08-23T19:56:33.007" v="5070"/>
+          <ac:spMkLst>
+            <pc:docMk/>
+            <pc:sldMk cId="1409353906" sldId="281"/>
+            <ac:spMk id="2" creationId="{2B8F300F-794F-4AA0-84DF-D238918CEA56}"/>
+          </ac:spMkLst>
+        </pc:spChg>
+        <pc:spChg chg="del">
+          <ac:chgData name="Paul Butler" userId="e794ef743ee46f0d" providerId="LiveId" clId="{BF918A8B-4897-4C7A-8418-152D3A006542}" dt="2020-08-23T19:56:53.826" v="5071" actId="478"/>
+          <ac:spMkLst>
+            <pc:docMk/>
+            <pc:sldMk cId="1409353906" sldId="281"/>
+            <ac:spMk id="3" creationId="{BDD46FA8-B4F1-4882-A4ED-360E5AA49556}"/>
+          </ac:spMkLst>
+        </pc:spChg>
+      </pc:sldChg>
+      <pc:sldChg chg="addSp delSp modSp add mod">
+        <pc:chgData name="Paul Butler" userId="e794ef743ee46f0d" providerId="LiveId" clId="{BF918A8B-4897-4C7A-8418-152D3A006542}" dt="2020-08-24T03:45:51.784" v="5207" actId="403"/>
+        <pc:sldMkLst>
+          <pc:docMk/>
+          <pc:sldMk cId="2022520886" sldId="282"/>
+        </pc:sldMkLst>
+        <pc:spChg chg="mod">
+          <ac:chgData name="Paul Butler" userId="e794ef743ee46f0d" providerId="LiveId" clId="{BF918A8B-4897-4C7A-8418-152D3A006542}" dt="2020-08-23T19:57:41.154" v="5121" actId="20577"/>
+          <ac:spMkLst>
+            <pc:docMk/>
+            <pc:sldMk cId="2022520886" sldId="282"/>
+            <ac:spMk id="2" creationId="{02A83018-294B-4FF7-A376-1D4CEE17FB81}"/>
+          </ac:spMkLst>
+        </pc:spChg>
+        <pc:spChg chg="mod">
+          <ac:chgData name="Paul Butler" userId="e794ef743ee46f0d" providerId="LiveId" clId="{BF918A8B-4897-4C7A-8418-152D3A006542}" dt="2020-08-24T03:45:51.784" v="5207" actId="403"/>
+          <ac:spMkLst>
+            <pc:docMk/>
+            <pc:sldMk cId="2022520886" sldId="282"/>
+            <ac:spMk id="5" creationId="{2619508F-5B24-4596-96B8-657A8D10411D}"/>
+          </ac:spMkLst>
+        </pc:spChg>
+        <pc:picChg chg="del">
+          <ac:chgData name="Paul Butler" userId="e794ef743ee46f0d" providerId="LiveId" clId="{BF918A8B-4897-4C7A-8418-152D3A006542}" dt="2020-08-23T19:57:10.224" v="5074" actId="478"/>
+          <ac:picMkLst>
+            <pc:docMk/>
+            <pc:sldMk cId="2022520886" sldId="282"/>
+            <ac:picMk id="4" creationId="{2FBBFF05-98C1-4D27-85FC-A713A08A2C38}"/>
+          </ac:picMkLst>
+        </pc:picChg>
+        <pc:picChg chg="add mod">
+          <ac:chgData name="Paul Butler" userId="e794ef743ee46f0d" providerId="LiveId" clId="{BF918A8B-4897-4C7A-8418-152D3A006542}" dt="2020-08-23T19:57:22.164" v="5079" actId="1076"/>
+          <ac:picMkLst>
+            <pc:docMk/>
+            <pc:sldMk cId="2022520886" sldId="282"/>
+            <ac:picMk id="6" creationId="{B7075D2C-7074-4D62-97CC-74833D8C6171}"/>
+          </ac:picMkLst>
+        </pc:picChg>
+      </pc:sldChg>
+      <pc:sldChg chg="addSp delSp modSp new mod">
+        <pc:chgData name="Paul Butler" userId="e794ef743ee46f0d" providerId="LiveId" clId="{BF918A8B-4897-4C7A-8418-152D3A006542}" dt="2020-08-24T06:16:32.179" v="5734" actId="20577"/>
+        <pc:sldMkLst>
+          <pc:docMk/>
+          <pc:sldMk cId="98367114" sldId="283"/>
+        </pc:sldMkLst>
+        <pc:spChg chg="mod">
+          <ac:chgData name="Paul Butler" userId="e794ef743ee46f0d" providerId="LiveId" clId="{BF918A8B-4897-4C7A-8418-152D3A006542}" dt="2020-08-24T04:09:21.900" v="5235" actId="20577"/>
+          <ac:spMkLst>
+            <pc:docMk/>
+            <pc:sldMk cId="98367114" sldId="283"/>
+            <ac:spMk id="2" creationId="{3BD0C7AB-E985-4A0D-8023-D12E3310096A}"/>
+          </ac:spMkLst>
+        </pc:spChg>
+        <pc:spChg chg="mod">
+          <ac:chgData name="Paul Butler" userId="e794ef743ee46f0d" providerId="LiveId" clId="{BF918A8B-4897-4C7A-8418-152D3A006542}" dt="2020-08-24T06:16:32.179" v="5734" actId="20577"/>
+          <ac:spMkLst>
+            <pc:docMk/>
+            <pc:sldMk cId="98367114" sldId="283"/>
+            <ac:spMk id="3" creationId="{2EE6905C-9D86-444E-A453-93102357A780}"/>
+          </ac:spMkLst>
+        </pc:spChg>
+        <pc:graphicFrameChg chg="add del mod modGraphic">
+          <ac:chgData name="Paul Butler" userId="e794ef743ee46f0d" providerId="LiveId" clId="{BF918A8B-4897-4C7A-8418-152D3A006542}" dt="2020-08-24T06:08:21.660" v="5413"/>
+          <ac:graphicFrameMkLst>
+            <pc:docMk/>
+            <pc:sldMk cId="98367114" sldId="283"/>
+            <ac:graphicFrameMk id="4" creationId="{E59607A6-B9AA-4E47-9613-FC3A9D3C5E84}"/>
+          </ac:graphicFrameMkLst>
+        </pc:graphicFrameChg>
+      </pc:sldChg>
+    </pc:docChg>
+  </pc:docChgLst>
+</pc:chgInfo>
 </file>
 
 <file path=ppt/slideLayouts/slideLayout1.xml><?xml version="1.0" encoding="utf-8"?>
@@ -273,7 +1961,7 @@
           <a:p>
             <a:fld id="{3EE14824-F6B3-4CE0-8290-48743441A77F}" type="datetimeFigureOut">
               <a:rPr lang="en-US" smtClean="0"/>
-              <a:t>8/17/2020</a:t>
+              <a:t>8/23/2020</a:t>
             </a:fld>
             <a:endParaRPr lang="en-US"/>
           </a:p>
@@ -484,7 +2172,7 @@
           <a:p>
             <a:fld id="{3EE14824-F6B3-4CE0-8290-48743441A77F}" type="datetimeFigureOut">
               <a:rPr lang="en-US" smtClean="0"/>
-              <a:t>8/17/2020</a:t>
+              <a:t>8/23/2020</a:t>
             </a:fld>
             <a:endParaRPr lang="en-US"/>
           </a:p>
@@ -699,7 +2387,7 @@
           <a:p>
             <a:fld id="{3EE14824-F6B3-4CE0-8290-48743441A77F}" type="datetimeFigureOut">
               <a:rPr lang="en-US" smtClean="0"/>
-              <a:t>8/17/2020</a:t>
+              <a:t>8/23/2020</a:t>
             </a:fld>
             <a:endParaRPr lang="en-US"/>
           </a:p>
@@ -900,7 +2588,7 @@
           <a:p>
             <a:fld id="{3EE14824-F6B3-4CE0-8290-48743441A77F}" type="datetimeFigureOut">
               <a:rPr lang="en-US" smtClean="0"/>
-              <a:t>8/17/2020</a:t>
+              <a:t>8/23/2020</a:t>
             </a:fld>
             <a:endParaRPr lang="en-US"/>
           </a:p>
@@ -1179,7 +2867,7 @@
           <a:p>
             <a:fld id="{3EE14824-F6B3-4CE0-8290-48743441A77F}" type="datetimeFigureOut">
               <a:rPr lang="en-US" smtClean="0"/>
-              <a:t>8/17/2020</a:t>
+              <a:t>8/23/2020</a:t>
             </a:fld>
             <a:endParaRPr lang="en-US"/>
           </a:p>
@@ -1447,7 +3135,7 @@
           <a:p>
             <a:fld id="{3EE14824-F6B3-4CE0-8290-48743441A77F}" type="datetimeFigureOut">
               <a:rPr lang="en-US" smtClean="0"/>
-              <a:t>8/17/2020</a:t>
+              <a:t>8/23/2020</a:t>
             </a:fld>
             <a:endParaRPr lang="en-US"/>
           </a:p>
@@ -1863,7 +3551,7 @@
           <a:p>
             <a:fld id="{3EE14824-F6B3-4CE0-8290-48743441A77F}" type="datetimeFigureOut">
               <a:rPr lang="en-US" smtClean="0"/>
-              <a:t>8/17/2020</a:t>
+              <a:t>8/23/2020</a:t>
             </a:fld>
             <a:endParaRPr lang="en-US"/>
           </a:p>
@@ -2012,7 +3700,7 @@
           <a:p>
             <a:fld id="{3EE14824-F6B3-4CE0-8290-48743441A77F}" type="datetimeFigureOut">
               <a:rPr lang="en-US" smtClean="0"/>
-              <a:t>8/17/2020</a:t>
+              <a:t>8/23/2020</a:t>
             </a:fld>
             <a:endParaRPr lang="en-US"/>
           </a:p>
@@ -2138,7 +3826,7 @@
           <a:p>
             <a:fld id="{3EE14824-F6B3-4CE0-8290-48743441A77F}" type="datetimeFigureOut">
               <a:rPr lang="en-US" smtClean="0"/>
-              <a:t>8/17/2020</a:t>
+              <a:t>8/23/2020</a:t>
             </a:fld>
             <a:endParaRPr lang="en-US"/>
           </a:p>
@@ -2389,7 +4077,7 @@
           <a:p>
             <a:fld id="{3EE14824-F6B3-4CE0-8290-48743441A77F}" type="datetimeFigureOut">
               <a:rPr lang="en-US" smtClean="0"/>
-              <a:t>8/17/2020</a:t>
+              <a:t>8/23/2020</a:t>
             </a:fld>
             <a:endParaRPr lang="en-US"/>
           </a:p>
@@ -2834,7 +4522,7 @@
           <a:p>
             <a:fld id="{3EE14824-F6B3-4CE0-8290-48743441A77F}" type="datetimeFigureOut">
               <a:rPr lang="en-US" smtClean="0"/>
-              <a:t>8/17/2020</a:t>
+              <a:t>8/23/2020</a:t>
             </a:fld>
             <a:endParaRPr lang="en-US"/>
           </a:p>
@@ -3161,7 +4849,7 @@
           <a:p>
             <a:fld id="{3EE14824-F6B3-4CE0-8290-48743441A77F}" type="datetimeFigureOut">
               <a:rPr lang="en-US" smtClean="0"/>
-              <a:t>8/17/2020</a:t>
+              <a:t>8/23/2020</a:t>
             </a:fld>
             <a:endParaRPr lang="en-US"/>
           </a:p>
@@ -3672,7 +5360,7 @@
           <a:p>
             <a:r>
               <a:rPr lang="en-US" dirty="0"/>
-              <a:t>User Self-Triage using A Random Forests Model</a:t>
+              <a:t>User Self-Triage Model using Tree Based Methods</a:t>
             </a:r>
           </a:p>
         </p:txBody>
@@ -3743,7 +5431,7 @@
           <p:cNvPr id="2" name="Title 1">
             <a:extLst>
               <a:ext uri="{FF2B5EF4-FFF2-40B4-BE49-F238E27FC236}">
-                <a16:creationId xmlns:a16="http://schemas.microsoft.com/office/drawing/2014/main" id="{BC9067D3-6FBE-4227-B05B-3938E70ECF28}"/>
+                <a16:creationId xmlns:a16="http://schemas.microsoft.com/office/drawing/2014/main" id="{F3AF2504-A2D4-474B-A5B6-AB528B5BB432}"/>
               </a:ext>
             </a:extLst>
           </p:cNvPr>
@@ -3761,17 +5449,17 @@
           <a:p>
             <a:r>
               <a:rPr lang="en-US" dirty="0"/>
-              <a:t>Model Accuracy</a:t>
+              <a:t>Creating the Decision Trees Model</a:t>
             </a:r>
           </a:p>
         </p:txBody>
       </p:sp>
       <p:sp>
         <p:nvSpPr>
-          <p:cNvPr id="3" name="Content Placeholder 2">
+          <p:cNvPr id="5" name="Content Placeholder 4">
             <a:extLst>
               <a:ext uri="{FF2B5EF4-FFF2-40B4-BE49-F238E27FC236}">
-                <a16:creationId xmlns:a16="http://schemas.microsoft.com/office/drawing/2014/main" id="{BE3B2F80-C10C-4662-BEE6-489F3724D5EB}"/>
+                <a16:creationId xmlns:a16="http://schemas.microsoft.com/office/drawing/2014/main" id="{56C199E6-DA92-49E5-B7B2-25A4B4F2A205}"/>
               </a:ext>
             </a:extLst>
           </p:cNvPr>
@@ -3784,39 +5472,46 @@
         </p:nvSpPr>
         <p:spPr/>
         <p:txBody>
-          <a:bodyPr>
-            <a:normAutofit/>
-          </a:bodyPr>
+          <a:bodyPr/>
           <a:lstStyle/>
           <a:p>
             <a:r>
               <a:rPr lang="en-US" dirty="0"/>
-              <a:t>Training Accuracy: 90%</a:t>
+              <a:t>Decision Trees Model</a:t>
             </a:r>
           </a:p>
           <a:p>
             <a:r>
               <a:rPr lang="en-US" dirty="0"/>
-              <a:t>Testing Accuracy: 88%</a:t>
-            </a:r>
-          </a:p>
-          <a:p>
+              <a:t>Model overview:</a:t>
+            </a:r>
+          </a:p>
+          <a:p>
+            <a:pPr lvl="1"/>
             <a:r>
               <a:rPr lang="en-US" dirty="0"/>
-              <a:t>This indicates that the model is very accurate overall, but is slightly overfitted</a:t>
-            </a:r>
-          </a:p>
-          <a:p>
+              <a:t>Predictive features: 36 Symptoms</a:t>
+            </a:r>
+          </a:p>
+          <a:p>
+            <a:pPr lvl="1"/>
             <a:r>
               <a:rPr lang="en-US" dirty="0"/>
-              <a:t>Overall F1 Score: 0.89</a:t>
-            </a:r>
-          </a:p>
-          <a:p>
-            <a:pPr marL="0" indent="0">
-              <a:buNone/>
-            </a:pPr>
-            <a:endParaRPr lang="en-US" dirty="0"/>
+              <a:t>Target variable: Triage Classification (4 possible outcomes)</a:t>
+            </a:r>
+          </a:p>
+          <a:p>
+            <a:r>
+              <a:rPr lang="en-US" dirty="0"/>
+              <a:t>Technologies used</a:t>
+            </a:r>
+          </a:p>
+          <a:p>
+            <a:pPr lvl="1"/>
+            <a:r>
+              <a:rPr lang="en-US" dirty="0"/>
+              <a:t>Scikit-learn for model building.</a:t>
+            </a:r>
           </a:p>
           <a:p>
             <a:endParaRPr lang="en-US" dirty="0"/>
@@ -3826,7 +5521,7 @@
     </p:spTree>
     <p:extLst>
       <p:ext uri="{BB962C8B-B14F-4D97-AF65-F5344CB8AC3E}">
-        <p14:creationId xmlns:p14="http://schemas.microsoft.com/office/powerpoint/2010/main" val="3099436433"/>
+        <p14:creationId xmlns:p14="http://schemas.microsoft.com/office/powerpoint/2010/main" val="425397602"/>
       </p:ext>
     </p:extLst>
   </p:cSld>
@@ -3837,6 +5532,229 @@
 </file>
 
 <file path=ppt/slides/slide11.xml><?xml version="1.0" encoding="utf-8"?>
+<p:sld xmlns:a="http://schemas.openxmlformats.org/drawingml/2006/main" xmlns:r="http://schemas.openxmlformats.org/officeDocument/2006/relationships" xmlns:p="http://schemas.openxmlformats.org/presentationml/2006/main">
+  <p:cSld>
+    <p:spTree>
+      <p:nvGrpSpPr>
+        <p:cNvPr id="1" name=""/>
+        <p:cNvGrpSpPr/>
+        <p:nvPr/>
+      </p:nvGrpSpPr>
+      <p:grpSpPr>
+        <a:xfrm>
+          <a:off x="0" y="0"/>
+          <a:ext cx="0" cy="0"/>
+          <a:chOff x="0" y="0"/>
+          <a:chExt cx="0" cy="0"/>
+        </a:xfrm>
+      </p:grpSpPr>
+      <p:sp>
+        <p:nvSpPr>
+          <p:cNvPr id="2" name="Title 1">
+            <a:extLst>
+              <a:ext uri="{FF2B5EF4-FFF2-40B4-BE49-F238E27FC236}">
+                <a16:creationId xmlns:a16="http://schemas.microsoft.com/office/drawing/2014/main" id="{F3AF2504-A2D4-474B-A5B6-AB528B5BB432}"/>
+              </a:ext>
+            </a:extLst>
+          </p:cNvPr>
+          <p:cNvSpPr>
+            <a:spLocks noGrp="1"/>
+          </p:cNvSpPr>
+          <p:nvPr>
+            <p:ph type="title"/>
+          </p:nvPr>
+        </p:nvSpPr>
+        <p:spPr/>
+        <p:txBody>
+          <a:bodyPr/>
+          <a:lstStyle/>
+          <a:p>
+            <a:r>
+              <a:rPr lang="en-US" dirty="0"/>
+              <a:t>Decision Trees Model Steps</a:t>
+            </a:r>
+          </a:p>
+        </p:txBody>
+      </p:sp>
+      <p:sp>
+        <p:nvSpPr>
+          <p:cNvPr id="5" name="Content Placeholder 4">
+            <a:extLst>
+              <a:ext uri="{FF2B5EF4-FFF2-40B4-BE49-F238E27FC236}">
+                <a16:creationId xmlns:a16="http://schemas.microsoft.com/office/drawing/2014/main" id="{56C199E6-DA92-49E5-B7B2-25A4B4F2A205}"/>
+              </a:ext>
+            </a:extLst>
+          </p:cNvPr>
+          <p:cNvSpPr>
+            <a:spLocks noGrp="1"/>
+          </p:cNvSpPr>
+          <p:nvPr>
+            <p:ph idx="1"/>
+          </p:nvPr>
+        </p:nvSpPr>
+        <p:spPr/>
+        <p:txBody>
+          <a:bodyPr/>
+          <a:lstStyle/>
+          <a:p>
+            <a:r>
+              <a:rPr lang="en-US" dirty="0"/>
+              <a:t>Split data using stratified 80/20 train/test split.</a:t>
+            </a:r>
+          </a:p>
+          <a:p>
+            <a:pPr lvl="1"/>
+            <a:r>
+              <a:rPr lang="en-US" dirty="0"/>
+              <a:t>This allows part of the data to be unseen by the model until testing – this allows us to confirm accuracy of model.</a:t>
+            </a:r>
+          </a:p>
+          <a:p>
+            <a:r>
+              <a:rPr lang="en-US" dirty="0"/>
+              <a:t>Gini criterion </a:t>
+            </a:r>
+          </a:p>
+          <a:p>
+            <a:r>
+              <a:rPr lang="en-US" dirty="0"/>
+              <a:t>Random State = 42</a:t>
+            </a:r>
+          </a:p>
+          <a:p>
+            <a:endParaRPr lang="en-US" dirty="0"/>
+          </a:p>
+        </p:txBody>
+      </p:sp>
+    </p:spTree>
+    <p:extLst>
+      <p:ext uri="{BB962C8B-B14F-4D97-AF65-F5344CB8AC3E}">
+        <p14:creationId xmlns:p14="http://schemas.microsoft.com/office/powerpoint/2010/main" val="839664062"/>
+      </p:ext>
+    </p:extLst>
+  </p:cSld>
+  <p:clrMapOvr>
+    <a:masterClrMapping/>
+  </p:clrMapOvr>
+</p:sld>
+</file>
+
+<file path=ppt/slides/slide12.xml><?xml version="1.0" encoding="utf-8"?>
+<p:sld xmlns:a="http://schemas.openxmlformats.org/drawingml/2006/main" xmlns:r="http://schemas.openxmlformats.org/officeDocument/2006/relationships" xmlns:p="http://schemas.openxmlformats.org/presentationml/2006/main">
+  <p:cSld>
+    <p:spTree>
+      <p:nvGrpSpPr>
+        <p:cNvPr id="1" name=""/>
+        <p:cNvGrpSpPr/>
+        <p:nvPr/>
+      </p:nvGrpSpPr>
+      <p:grpSpPr>
+        <a:xfrm>
+          <a:off x="0" y="0"/>
+          <a:ext cx="0" cy="0"/>
+          <a:chOff x="0" y="0"/>
+          <a:chExt cx="0" cy="0"/>
+        </a:xfrm>
+      </p:grpSpPr>
+      <p:sp>
+        <p:nvSpPr>
+          <p:cNvPr id="2" name="Title 1">
+            <a:extLst>
+              <a:ext uri="{FF2B5EF4-FFF2-40B4-BE49-F238E27FC236}">
+                <a16:creationId xmlns:a16="http://schemas.microsoft.com/office/drawing/2014/main" id="{BC9067D3-6FBE-4227-B05B-3938E70ECF28}"/>
+              </a:ext>
+            </a:extLst>
+          </p:cNvPr>
+          <p:cNvSpPr>
+            <a:spLocks noGrp="1"/>
+          </p:cNvSpPr>
+          <p:nvPr>
+            <p:ph type="title"/>
+          </p:nvPr>
+        </p:nvSpPr>
+        <p:spPr/>
+        <p:txBody>
+          <a:bodyPr/>
+          <a:lstStyle/>
+          <a:p>
+            <a:r>
+              <a:rPr lang="en-US" dirty="0"/>
+              <a:t>Decision Trees Model Accuracy</a:t>
+            </a:r>
+          </a:p>
+        </p:txBody>
+      </p:sp>
+      <p:sp>
+        <p:nvSpPr>
+          <p:cNvPr id="3" name="Content Placeholder 2">
+            <a:extLst>
+              <a:ext uri="{FF2B5EF4-FFF2-40B4-BE49-F238E27FC236}">
+                <a16:creationId xmlns:a16="http://schemas.microsoft.com/office/drawing/2014/main" id="{BE3B2F80-C10C-4662-BEE6-489F3724D5EB}"/>
+              </a:ext>
+            </a:extLst>
+          </p:cNvPr>
+          <p:cNvSpPr>
+            <a:spLocks noGrp="1"/>
+          </p:cNvSpPr>
+          <p:nvPr>
+            <p:ph idx="1"/>
+          </p:nvPr>
+        </p:nvSpPr>
+        <p:spPr/>
+        <p:txBody>
+          <a:bodyPr>
+            <a:normAutofit/>
+          </a:bodyPr>
+          <a:lstStyle/>
+          <a:p>
+            <a:r>
+              <a:rPr lang="en-US" dirty="0"/>
+              <a:t>Training Accuracy: 90%</a:t>
+            </a:r>
+          </a:p>
+          <a:p>
+            <a:r>
+              <a:rPr lang="en-US" dirty="0"/>
+              <a:t>Testing Accuracy: 88%</a:t>
+            </a:r>
+          </a:p>
+          <a:p>
+            <a:r>
+              <a:rPr lang="en-US" dirty="0"/>
+              <a:t>This indicates that the model is very accurate overall, but is slightly overfitted</a:t>
+            </a:r>
+          </a:p>
+          <a:p>
+            <a:r>
+              <a:rPr lang="en-US" dirty="0"/>
+              <a:t>Overall F1 Score: 0.89</a:t>
+            </a:r>
+          </a:p>
+          <a:p>
+            <a:pPr marL="0" indent="0">
+              <a:buNone/>
+            </a:pPr>
+            <a:endParaRPr lang="en-US" dirty="0"/>
+          </a:p>
+          <a:p>
+            <a:endParaRPr lang="en-US" dirty="0"/>
+          </a:p>
+        </p:txBody>
+      </p:sp>
+    </p:spTree>
+    <p:extLst>
+      <p:ext uri="{BB962C8B-B14F-4D97-AF65-F5344CB8AC3E}">
+        <p14:creationId xmlns:p14="http://schemas.microsoft.com/office/powerpoint/2010/main" val="1727853357"/>
+      </p:ext>
+    </p:extLst>
+  </p:cSld>
+  <p:clrMapOvr>
+    <a:masterClrMapping/>
+  </p:clrMapOvr>
+</p:sld>
+</file>
+
+<file path=ppt/slides/slide13.xml><?xml version="1.0" encoding="utf-8"?>
 <p:sld xmlns:a="http://schemas.openxmlformats.org/drawingml/2006/main" xmlns:r="http://schemas.openxmlformats.org/officeDocument/2006/relationships" xmlns:p="http://schemas.openxmlformats.org/presentationml/2006/main">
   <p:cSld>
     <p:bg>
@@ -4015,7 +5933,7 @@
           <a:p>
             <a:r>
               <a:rPr lang="en-US" dirty="0"/>
-              <a:t>Model Accuracy Cont. </a:t>
+              <a:t>Decision Trees Accuracy Cont. </a:t>
             </a:r>
           </a:p>
         </p:txBody>
@@ -4277,1880 +6195,42 @@
           </a:fontRef>
         </p:style>
       </p:cxnSp>
-      <p:graphicFrame>
-        <p:nvGraphicFramePr>
-          <p:cNvPr id="7" name="Content Placeholder 6">
+      <p:pic>
+        <p:nvPicPr>
+          <p:cNvPr id="4" name="Picture 3" descr="A screenshot of a cell phone&#10;&#10;Description automatically generated">
             <a:extLst>
               <a:ext uri="{FF2B5EF4-FFF2-40B4-BE49-F238E27FC236}">
-                <a16:creationId xmlns:a16="http://schemas.microsoft.com/office/drawing/2014/main" id="{612B9867-B567-4238-AD97-FA2B81257957}"/>
+                <a16:creationId xmlns:a16="http://schemas.microsoft.com/office/drawing/2014/main" id="{2FBBFF05-98C1-4D27-85FC-A713A08A2C38}"/>
               </a:ext>
             </a:extLst>
           </p:cNvPr>
-          <p:cNvGraphicFramePr>
-            <a:graphicFrameLocks noGrp="1"/>
-          </p:cNvGraphicFramePr>
-          <p:nvPr>
-            <p:ph idx="1"/>
-            <p:extLst>
-              <p:ext uri="{D42A27DB-BD31-4B8C-83A1-F6EECF244321}">
-                <p14:modId xmlns:p14="http://schemas.microsoft.com/office/powerpoint/2010/main" val="3161983553"/>
-              </p:ext>
-            </p:extLst>
-          </p:nvPr>
-        </p:nvGraphicFramePr>
-        <p:xfrm>
-          <a:off x="6094411" y="2289759"/>
-          <a:ext cx="4960444" cy="1692413"/>
-        </p:xfrm>
-        <a:graphic>
-          <a:graphicData uri="http://schemas.openxmlformats.org/drawingml/2006/table">
-            <a:tbl>
-              <a:tblPr firstRow="1" firstCol="1" bandRow="1"/>
-              <a:tblGrid>
-                <a:gridCol w="1976946">
-                  <a:extLst>
-                    <a:ext uri="{9D8B030D-6E8A-4147-A177-3AD203B41FA5}">
-                      <a16:colId xmlns:a16="http://schemas.microsoft.com/office/drawing/2014/main" val="3695964369"/>
-                    </a:ext>
-                  </a:extLst>
-                </a:gridCol>
-                <a:gridCol w="877840">
-                  <a:extLst>
-                    <a:ext uri="{9D8B030D-6E8A-4147-A177-3AD203B41FA5}">
-                      <a16:colId xmlns:a16="http://schemas.microsoft.com/office/drawing/2014/main" val="2177875946"/>
-                    </a:ext>
-                  </a:extLst>
-                </a:gridCol>
-                <a:gridCol w="671757">
-                  <a:extLst>
-                    <a:ext uri="{9D8B030D-6E8A-4147-A177-3AD203B41FA5}">
-                      <a16:colId xmlns:a16="http://schemas.microsoft.com/office/drawing/2014/main" val="2340984618"/>
-                    </a:ext>
-                  </a:extLst>
-                </a:gridCol>
-                <a:gridCol w="628371">
-                  <a:extLst>
-                    <a:ext uri="{9D8B030D-6E8A-4147-A177-3AD203B41FA5}">
-                      <a16:colId xmlns:a16="http://schemas.microsoft.com/office/drawing/2014/main" val="713470335"/>
-                    </a:ext>
-                  </a:extLst>
-                </a:gridCol>
-                <a:gridCol w="805530">
-                  <a:extLst>
-                    <a:ext uri="{9D8B030D-6E8A-4147-A177-3AD203B41FA5}">
-                      <a16:colId xmlns:a16="http://schemas.microsoft.com/office/drawing/2014/main" val="407740052"/>
-                    </a:ext>
-                  </a:extLst>
-                </a:gridCol>
-              </a:tblGrid>
-              <a:tr h="461047">
-                <a:tc>
-                  <a:txBody>
-                    <a:bodyPr/>
-                    <a:lstStyle/>
-                    <a:p>
-                      <a:pPr marL="0" marR="0" algn="l" fontAlgn="t">
-                        <a:lnSpc>
-                          <a:spcPct val="107000"/>
-                        </a:lnSpc>
-                        <a:spcBef>
-                          <a:spcPts val="0"/>
-                        </a:spcBef>
-                        <a:spcAft>
-                          <a:spcPts val="0"/>
-                        </a:spcAft>
-                      </a:pPr>
-                      <a:r>
-                        <a:rPr lang="en-US" sz="1300" b="1" i="0" u="none" strike="noStrike">
-                          <a:effectLst/>
-                          <a:latin typeface="Calibri" panose="020F0502020204030204" pitchFamily="34" charset="0"/>
-                          <a:ea typeface="Calibri" panose="020F0502020204030204" pitchFamily="34" charset="0"/>
-                        </a:rPr>
-                        <a:t>Category</a:t>
-                      </a:r>
-                      <a:endParaRPr lang="en-US" sz="2000" b="0" i="0" u="none" strike="noStrike">
-                        <a:effectLst/>
-                        <a:latin typeface="Arial" panose="020B0604020202020204" pitchFamily="34" charset="0"/>
-                      </a:endParaRPr>
-                    </a:p>
-                  </a:txBody>
-                  <a:tcPr marL="78094" marR="78094" marT="10846" marB="0">
-                    <a:lnL w="12700" cap="flat" cmpd="sng" algn="ctr">
-                      <a:solidFill>
-                        <a:srgbClr val="000000"/>
-                      </a:solidFill>
-                      <a:prstDash val="solid"/>
-                      <a:round/>
-                      <a:headEnd type="none" w="med" len="med"/>
-                      <a:tailEnd type="none" w="med" len="med"/>
-                    </a:lnL>
-                    <a:lnR w="12700" cap="flat" cmpd="sng" algn="ctr">
-                      <a:solidFill>
-                        <a:srgbClr val="000000"/>
-                      </a:solidFill>
-                      <a:prstDash val="solid"/>
-                      <a:round/>
-                      <a:headEnd type="none" w="med" len="med"/>
-                      <a:tailEnd type="none" w="med" len="med"/>
-                    </a:lnR>
-                    <a:lnT w="12700" cap="flat" cmpd="sng" algn="ctr">
-                      <a:solidFill>
-                        <a:srgbClr val="000000"/>
-                      </a:solidFill>
-                      <a:prstDash val="solid"/>
-                      <a:round/>
-                      <a:headEnd type="none" w="med" len="med"/>
-                      <a:tailEnd type="none" w="med" len="med"/>
-                    </a:lnT>
-                    <a:lnB w="12700" cap="flat" cmpd="sng" algn="ctr">
-                      <a:solidFill>
-                        <a:srgbClr val="000000"/>
-                      </a:solidFill>
-                      <a:prstDash val="solid"/>
-                      <a:round/>
-                      <a:headEnd type="none" w="med" len="med"/>
-                      <a:tailEnd type="none" w="med" len="med"/>
-                    </a:lnB>
-                  </a:tcPr>
-                </a:tc>
-                <a:tc>
-                  <a:txBody>
-                    <a:bodyPr/>
-                    <a:lstStyle/>
-                    <a:p>
-                      <a:pPr marL="0" marR="0" algn="l" fontAlgn="t">
-                        <a:lnSpc>
-                          <a:spcPct val="107000"/>
-                        </a:lnSpc>
-                        <a:spcBef>
-                          <a:spcPts val="0"/>
-                        </a:spcBef>
-                        <a:spcAft>
-                          <a:spcPts val="0"/>
-                        </a:spcAft>
-                      </a:pPr>
-                      <a:r>
-                        <a:rPr lang="en-US" sz="1300" b="1" i="0" u="none" strike="noStrike">
-                          <a:effectLst/>
-                          <a:latin typeface="Calibri" panose="020F0502020204030204" pitchFamily="34" charset="0"/>
-                          <a:ea typeface="Calibri" panose="020F0502020204030204" pitchFamily="34" charset="0"/>
-                        </a:rPr>
-                        <a:t>Precision</a:t>
-                      </a:r>
-                      <a:endParaRPr lang="en-US" sz="2000" b="0" i="0" u="none" strike="noStrike">
-                        <a:effectLst/>
-                        <a:latin typeface="Arial" panose="020B0604020202020204" pitchFamily="34" charset="0"/>
-                      </a:endParaRPr>
-                    </a:p>
-                  </a:txBody>
-                  <a:tcPr marL="78094" marR="78094" marT="10846" marB="0">
-                    <a:lnL w="12700" cap="flat" cmpd="sng" algn="ctr">
-                      <a:solidFill>
-                        <a:srgbClr val="000000"/>
-                      </a:solidFill>
-                      <a:prstDash val="solid"/>
-                      <a:round/>
-                      <a:headEnd type="none" w="med" len="med"/>
-                      <a:tailEnd type="none" w="med" len="med"/>
-                    </a:lnL>
-                    <a:lnR w="12700" cap="flat" cmpd="sng" algn="ctr">
-                      <a:solidFill>
-                        <a:srgbClr val="000000"/>
-                      </a:solidFill>
-                      <a:prstDash val="solid"/>
-                      <a:round/>
-                      <a:headEnd type="none" w="med" len="med"/>
-                      <a:tailEnd type="none" w="med" len="med"/>
-                    </a:lnR>
-                    <a:lnT w="12700" cap="flat" cmpd="sng" algn="ctr">
-                      <a:solidFill>
-                        <a:srgbClr val="000000"/>
-                      </a:solidFill>
-                      <a:prstDash val="solid"/>
-                      <a:round/>
-                      <a:headEnd type="none" w="med" len="med"/>
-                      <a:tailEnd type="none" w="med" len="med"/>
-                    </a:lnT>
-                    <a:lnB w="12700" cap="flat" cmpd="sng" algn="ctr">
-                      <a:solidFill>
-                        <a:srgbClr val="000000"/>
-                      </a:solidFill>
-                      <a:prstDash val="solid"/>
-                      <a:round/>
-                      <a:headEnd type="none" w="med" len="med"/>
-                      <a:tailEnd type="none" w="med" len="med"/>
-                    </a:lnB>
-                  </a:tcPr>
-                </a:tc>
-                <a:tc>
-                  <a:txBody>
-                    <a:bodyPr/>
-                    <a:lstStyle/>
-                    <a:p>
-                      <a:pPr marL="0" marR="0" algn="l" fontAlgn="t">
-                        <a:lnSpc>
-                          <a:spcPct val="107000"/>
-                        </a:lnSpc>
-                        <a:spcBef>
-                          <a:spcPts val="0"/>
-                        </a:spcBef>
-                        <a:spcAft>
-                          <a:spcPts val="0"/>
-                        </a:spcAft>
-                      </a:pPr>
-                      <a:r>
-                        <a:rPr lang="en-US" sz="1300" b="1" i="0" u="none" strike="noStrike">
-                          <a:effectLst/>
-                          <a:latin typeface="Calibri" panose="020F0502020204030204" pitchFamily="34" charset="0"/>
-                          <a:ea typeface="Calibri" panose="020F0502020204030204" pitchFamily="34" charset="0"/>
-                        </a:rPr>
-                        <a:t>Recall</a:t>
-                      </a:r>
-                      <a:endParaRPr lang="en-US" sz="2000" b="0" i="0" u="none" strike="noStrike">
-                        <a:effectLst/>
-                        <a:latin typeface="Arial" panose="020B0604020202020204" pitchFamily="34" charset="0"/>
-                      </a:endParaRPr>
-                    </a:p>
-                  </a:txBody>
-                  <a:tcPr marL="78094" marR="78094" marT="10846" marB="0">
-                    <a:lnL w="12700" cap="flat" cmpd="sng" algn="ctr">
-                      <a:solidFill>
-                        <a:srgbClr val="000000"/>
-                      </a:solidFill>
-                      <a:prstDash val="solid"/>
-                      <a:round/>
-                      <a:headEnd type="none" w="med" len="med"/>
-                      <a:tailEnd type="none" w="med" len="med"/>
-                    </a:lnL>
-                    <a:lnR w="12700" cap="flat" cmpd="sng" algn="ctr">
-                      <a:solidFill>
-                        <a:srgbClr val="000000"/>
-                      </a:solidFill>
-                      <a:prstDash val="solid"/>
-                      <a:round/>
-                      <a:headEnd type="none" w="med" len="med"/>
-                      <a:tailEnd type="none" w="med" len="med"/>
-                    </a:lnR>
-                    <a:lnT w="12700" cap="flat" cmpd="sng" algn="ctr">
-                      <a:solidFill>
-                        <a:srgbClr val="000000"/>
-                      </a:solidFill>
-                      <a:prstDash val="solid"/>
-                      <a:round/>
-                      <a:headEnd type="none" w="med" len="med"/>
-                      <a:tailEnd type="none" w="med" len="med"/>
-                    </a:lnT>
-                    <a:lnB w="12700" cap="flat" cmpd="sng" algn="ctr">
-                      <a:solidFill>
-                        <a:srgbClr val="000000"/>
-                      </a:solidFill>
-                      <a:prstDash val="solid"/>
-                      <a:round/>
-                      <a:headEnd type="none" w="med" len="med"/>
-                      <a:tailEnd type="none" w="med" len="med"/>
-                    </a:lnB>
-                  </a:tcPr>
-                </a:tc>
-                <a:tc>
-                  <a:txBody>
-                    <a:bodyPr/>
-                    <a:lstStyle/>
-                    <a:p>
-                      <a:pPr marL="0" marR="0" algn="l" fontAlgn="t">
-                        <a:lnSpc>
-                          <a:spcPct val="107000"/>
-                        </a:lnSpc>
-                        <a:spcBef>
-                          <a:spcPts val="0"/>
-                        </a:spcBef>
-                        <a:spcAft>
-                          <a:spcPts val="0"/>
-                        </a:spcAft>
-                      </a:pPr>
-                      <a:r>
-                        <a:rPr lang="en-US" sz="1300" b="1" i="0" u="none" strike="noStrike">
-                          <a:effectLst/>
-                          <a:latin typeface="Calibri" panose="020F0502020204030204" pitchFamily="34" charset="0"/>
-                          <a:ea typeface="Calibri" panose="020F0502020204030204" pitchFamily="34" charset="0"/>
-                        </a:rPr>
-                        <a:t>F1-score</a:t>
-                      </a:r>
-                      <a:endParaRPr lang="en-US" sz="2000" b="0" i="0" u="none" strike="noStrike">
-                        <a:effectLst/>
-                        <a:latin typeface="Arial" panose="020B0604020202020204" pitchFamily="34" charset="0"/>
-                      </a:endParaRPr>
-                    </a:p>
-                  </a:txBody>
-                  <a:tcPr marL="78094" marR="78094" marT="10846" marB="0">
-                    <a:lnL w="12700" cap="flat" cmpd="sng" algn="ctr">
-                      <a:solidFill>
-                        <a:srgbClr val="000000"/>
-                      </a:solidFill>
-                      <a:prstDash val="solid"/>
-                      <a:round/>
-                      <a:headEnd type="none" w="med" len="med"/>
-                      <a:tailEnd type="none" w="med" len="med"/>
-                    </a:lnL>
-                    <a:lnR w="12700" cap="flat" cmpd="sng" algn="ctr">
-                      <a:solidFill>
-                        <a:srgbClr val="000000"/>
-                      </a:solidFill>
-                      <a:prstDash val="solid"/>
-                      <a:round/>
-                      <a:headEnd type="none" w="med" len="med"/>
-                      <a:tailEnd type="none" w="med" len="med"/>
-                    </a:lnR>
-                    <a:lnT w="12700" cap="flat" cmpd="sng" algn="ctr">
-                      <a:solidFill>
-                        <a:srgbClr val="000000"/>
-                      </a:solidFill>
-                      <a:prstDash val="solid"/>
-                      <a:round/>
-                      <a:headEnd type="none" w="med" len="med"/>
-                      <a:tailEnd type="none" w="med" len="med"/>
-                    </a:lnT>
-                    <a:lnB w="12700" cap="flat" cmpd="sng" algn="ctr">
-                      <a:solidFill>
-                        <a:srgbClr val="000000"/>
-                      </a:solidFill>
-                      <a:prstDash val="solid"/>
-                      <a:round/>
-                      <a:headEnd type="none" w="med" len="med"/>
-                      <a:tailEnd type="none" w="med" len="med"/>
-                    </a:lnB>
-                  </a:tcPr>
-                </a:tc>
-                <a:tc>
-                  <a:txBody>
-                    <a:bodyPr/>
-                    <a:lstStyle/>
-                    <a:p>
-                      <a:pPr marL="0" marR="0" algn="l" fontAlgn="t">
-                        <a:lnSpc>
-                          <a:spcPct val="107000"/>
-                        </a:lnSpc>
-                        <a:spcBef>
-                          <a:spcPts val="0"/>
-                        </a:spcBef>
-                        <a:spcAft>
-                          <a:spcPts val="0"/>
-                        </a:spcAft>
-                      </a:pPr>
-                      <a:r>
-                        <a:rPr lang="en-US" sz="1300" b="1" i="0" u="none" strike="noStrike">
-                          <a:effectLst/>
-                          <a:latin typeface="Calibri" panose="020F0502020204030204" pitchFamily="34" charset="0"/>
-                          <a:ea typeface="Calibri" panose="020F0502020204030204" pitchFamily="34" charset="0"/>
-                        </a:rPr>
-                        <a:t>Support</a:t>
-                      </a:r>
-                      <a:endParaRPr lang="en-US" sz="2000" b="0" i="0" u="none" strike="noStrike">
-                        <a:effectLst/>
-                        <a:latin typeface="Arial" panose="020B0604020202020204" pitchFamily="34" charset="0"/>
-                      </a:endParaRPr>
-                    </a:p>
-                  </a:txBody>
-                  <a:tcPr marL="78094" marR="78094" marT="10846" marB="0">
-                    <a:lnL w="12700" cap="flat" cmpd="sng" algn="ctr">
-                      <a:solidFill>
-                        <a:srgbClr val="000000"/>
-                      </a:solidFill>
-                      <a:prstDash val="solid"/>
-                      <a:round/>
-                      <a:headEnd type="none" w="med" len="med"/>
-                      <a:tailEnd type="none" w="med" len="med"/>
-                    </a:lnL>
-                    <a:lnR w="12700" cap="flat" cmpd="sng" algn="ctr">
-                      <a:solidFill>
-                        <a:srgbClr val="000000"/>
-                      </a:solidFill>
-                      <a:prstDash val="solid"/>
-                      <a:round/>
-                      <a:headEnd type="none" w="med" len="med"/>
-                      <a:tailEnd type="none" w="med" len="med"/>
-                    </a:lnR>
-                    <a:lnT w="12700" cap="flat" cmpd="sng" algn="ctr">
-                      <a:solidFill>
-                        <a:srgbClr val="000000"/>
-                      </a:solidFill>
-                      <a:prstDash val="solid"/>
-                      <a:round/>
-                      <a:headEnd type="none" w="med" len="med"/>
-                      <a:tailEnd type="none" w="med" len="med"/>
-                    </a:lnT>
-                    <a:lnB w="12700" cap="flat" cmpd="sng" algn="ctr">
-                      <a:solidFill>
-                        <a:srgbClr val="000000"/>
-                      </a:solidFill>
-                      <a:prstDash val="solid"/>
-                      <a:round/>
-                      <a:headEnd type="none" w="med" len="med"/>
-                      <a:tailEnd type="none" w="med" len="med"/>
-                    </a:lnB>
-                  </a:tcPr>
-                </a:tc>
-                <a:extLst>
-                  <a:ext uri="{0D108BD9-81ED-4DB2-BD59-A6C34878D82A}">
-                    <a16:rowId xmlns:a16="http://schemas.microsoft.com/office/drawing/2014/main" val="869764110"/>
-                  </a:ext>
-                </a:extLst>
-              </a:tr>
-              <a:tr h="256773">
-                <a:tc>
-                  <a:txBody>
-                    <a:bodyPr/>
-                    <a:lstStyle/>
-                    <a:p>
-                      <a:pPr marL="0" marR="0" algn="l" fontAlgn="t">
-                        <a:lnSpc>
-                          <a:spcPct val="107000"/>
-                        </a:lnSpc>
-                        <a:spcBef>
-                          <a:spcPts val="0"/>
-                        </a:spcBef>
-                        <a:spcAft>
-                          <a:spcPts val="0"/>
-                        </a:spcAft>
-                      </a:pPr>
-                      <a:r>
-                        <a:rPr lang="en-US" sz="1300" b="0" i="0" u="none" strike="noStrike">
-                          <a:effectLst/>
-                          <a:latin typeface="Calibri" panose="020F0502020204030204" pitchFamily="34" charset="0"/>
-                          <a:ea typeface="Calibri" panose="020F0502020204030204" pitchFamily="34" charset="0"/>
-                        </a:rPr>
-                        <a:t>1: </a:t>
-                      </a:r>
-                      <a:r>
-                        <a:rPr lang="en-US" sz="1300" b="0" i="0" u="none" strike="noStrike">
-                          <a:solidFill>
-                            <a:srgbClr val="000000"/>
-                          </a:solidFill>
-                          <a:effectLst/>
-                          <a:latin typeface="Calibri" panose="020F0502020204030204" pitchFamily="34" charset="0"/>
-                          <a:ea typeface="Calibri" panose="020F0502020204030204" pitchFamily="34" charset="0"/>
-                        </a:rPr>
-                        <a:t>Immediate care needed</a:t>
-                      </a:r>
-                      <a:endParaRPr lang="en-US" sz="2000" b="0" i="0" u="none" strike="noStrike">
-                        <a:effectLst/>
-                        <a:latin typeface="Arial" panose="020B0604020202020204" pitchFamily="34" charset="0"/>
-                      </a:endParaRPr>
-                    </a:p>
-                  </a:txBody>
-                  <a:tcPr marL="78094" marR="78094" marT="10846" marB="0">
-                    <a:lnL w="12700" cap="flat" cmpd="sng" algn="ctr">
-                      <a:solidFill>
-                        <a:srgbClr val="000000"/>
-                      </a:solidFill>
-                      <a:prstDash val="solid"/>
-                      <a:round/>
-                      <a:headEnd type="none" w="med" len="med"/>
-                      <a:tailEnd type="none" w="med" len="med"/>
-                    </a:lnL>
-                    <a:lnR w="12700" cap="flat" cmpd="sng" algn="ctr">
-                      <a:solidFill>
-                        <a:srgbClr val="000000"/>
-                      </a:solidFill>
-                      <a:prstDash val="solid"/>
-                      <a:round/>
-                      <a:headEnd type="none" w="med" len="med"/>
-                      <a:tailEnd type="none" w="med" len="med"/>
-                    </a:lnR>
-                    <a:lnT w="12700" cap="flat" cmpd="sng" algn="ctr">
-                      <a:solidFill>
-                        <a:srgbClr val="000000"/>
-                      </a:solidFill>
-                      <a:prstDash val="solid"/>
-                      <a:round/>
-                      <a:headEnd type="none" w="med" len="med"/>
-                      <a:tailEnd type="none" w="med" len="med"/>
-                    </a:lnT>
-                    <a:lnB w="12700" cap="flat" cmpd="sng" algn="ctr">
-                      <a:solidFill>
-                        <a:srgbClr val="000000"/>
-                      </a:solidFill>
-                      <a:prstDash val="solid"/>
-                      <a:round/>
-                      <a:headEnd type="none" w="med" len="med"/>
-                      <a:tailEnd type="none" w="med" len="med"/>
-                    </a:lnB>
-                  </a:tcPr>
-                </a:tc>
-                <a:tc>
-                  <a:txBody>
-                    <a:bodyPr/>
-                    <a:lstStyle/>
-                    <a:p>
-                      <a:pPr marL="0" marR="0" algn="l" fontAlgn="t">
-                        <a:lnSpc>
-                          <a:spcPct val="107000"/>
-                        </a:lnSpc>
-                        <a:spcBef>
-                          <a:spcPts val="0"/>
-                        </a:spcBef>
-                        <a:spcAft>
-                          <a:spcPts val="0"/>
-                        </a:spcAft>
-                      </a:pPr>
-                      <a:r>
-                        <a:rPr lang="en-US" sz="1300" b="0" i="0" u="none" strike="noStrike">
-                          <a:effectLst/>
-                          <a:latin typeface="Calibri" panose="020F0502020204030204" pitchFamily="34" charset="0"/>
-                          <a:ea typeface="Calibri" panose="020F0502020204030204" pitchFamily="34" charset="0"/>
-                        </a:rPr>
-                        <a:t>0.85</a:t>
-                      </a:r>
-                      <a:endParaRPr lang="en-US" sz="2000" b="0" i="0" u="none" strike="noStrike">
-                        <a:effectLst/>
-                        <a:latin typeface="Arial" panose="020B0604020202020204" pitchFamily="34" charset="0"/>
-                      </a:endParaRPr>
-                    </a:p>
-                  </a:txBody>
-                  <a:tcPr marL="78094" marR="78094" marT="10846" marB="0">
-                    <a:lnL w="12700" cap="flat" cmpd="sng" algn="ctr">
-                      <a:solidFill>
-                        <a:srgbClr val="000000"/>
-                      </a:solidFill>
-                      <a:prstDash val="solid"/>
-                      <a:round/>
-                      <a:headEnd type="none" w="med" len="med"/>
-                      <a:tailEnd type="none" w="med" len="med"/>
-                    </a:lnL>
-                    <a:lnR w="12700" cap="flat" cmpd="sng" algn="ctr">
-                      <a:solidFill>
-                        <a:srgbClr val="000000"/>
-                      </a:solidFill>
-                      <a:prstDash val="solid"/>
-                      <a:round/>
-                      <a:headEnd type="none" w="med" len="med"/>
-                      <a:tailEnd type="none" w="med" len="med"/>
-                    </a:lnR>
-                    <a:lnT w="12700" cap="flat" cmpd="sng" algn="ctr">
-                      <a:solidFill>
-                        <a:srgbClr val="000000"/>
-                      </a:solidFill>
-                      <a:prstDash val="solid"/>
-                      <a:round/>
-                      <a:headEnd type="none" w="med" len="med"/>
-                      <a:tailEnd type="none" w="med" len="med"/>
-                    </a:lnT>
-                    <a:lnB w="12700" cap="flat" cmpd="sng" algn="ctr">
-                      <a:solidFill>
-                        <a:srgbClr val="000000"/>
-                      </a:solidFill>
-                      <a:prstDash val="solid"/>
-                      <a:round/>
-                      <a:headEnd type="none" w="med" len="med"/>
-                      <a:tailEnd type="none" w="med" len="med"/>
-                    </a:lnB>
-                  </a:tcPr>
-                </a:tc>
-                <a:tc>
-                  <a:txBody>
-                    <a:bodyPr/>
-                    <a:lstStyle/>
-                    <a:p>
-                      <a:pPr marL="0" marR="0" algn="l" fontAlgn="t">
-                        <a:lnSpc>
-                          <a:spcPct val="107000"/>
-                        </a:lnSpc>
-                        <a:spcBef>
-                          <a:spcPts val="0"/>
-                        </a:spcBef>
-                        <a:spcAft>
-                          <a:spcPts val="0"/>
-                        </a:spcAft>
-                      </a:pPr>
-                      <a:r>
-                        <a:rPr lang="en-US" sz="1300" b="0" i="0" u="none" strike="noStrike">
-                          <a:effectLst/>
-                          <a:latin typeface="Calibri" panose="020F0502020204030204" pitchFamily="34" charset="0"/>
-                          <a:ea typeface="Calibri" panose="020F0502020204030204" pitchFamily="34" charset="0"/>
-                        </a:rPr>
-                        <a:t>0.78</a:t>
-                      </a:r>
-                      <a:endParaRPr lang="en-US" sz="2000" b="0" i="0" u="none" strike="noStrike">
-                        <a:effectLst/>
-                        <a:latin typeface="Arial" panose="020B0604020202020204" pitchFamily="34" charset="0"/>
-                      </a:endParaRPr>
-                    </a:p>
-                  </a:txBody>
-                  <a:tcPr marL="78094" marR="78094" marT="10846" marB="0">
-                    <a:lnL w="12700" cap="flat" cmpd="sng" algn="ctr">
-                      <a:solidFill>
-                        <a:srgbClr val="000000"/>
-                      </a:solidFill>
-                      <a:prstDash val="solid"/>
-                      <a:round/>
-                      <a:headEnd type="none" w="med" len="med"/>
-                      <a:tailEnd type="none" w="med" len="med"/>
-                    </a:lnL>
-                    <a:lnR w="12700" cap="flat" cmpd="sng" algn="ctr">
-                      <a:solidFill>
-                        <a:srgbClr val="000000"/>
-                      </a:solidFill>
-                      <a:prstDash val="solid"/>
-                      <a:round/>
-                      <a:headEnd type="none" w="med" len="med"/>
-                      <a:tailEnd type="none" w="med" len="med"/>
-                    </a:lnR>
-                    <a:lnT w="12700" cap="flat" cmpd="sng" algn="ctr">
-                      <a:solidFill>
-                        <a:srgbClr val="000000"/>
-                      </a:solidFill>
-                      <a:prstDash val="solid"/>
-                      <a:round/>
-                      <a:headEnd type="none" w="med" len="med"/>
-                      <a:tailEnd type="none" w="med" len="med"/>
-                    </a:lnT>
-                    <a:lnB w="12700" cap="flat" cmpd="sng" algn="ctr">
-                      <a:solidFill>
-                        <a:srgbClr val="000000"/>
-                      </a:solidFill>
-                      <a:prstDash val="solid"/>
-                      <a:round/>
-                      <a:headEnd type="none" w="med" len="med"/>
-                      <a:tailEnd type="none" w="med" len="med"/>
-                    </a:lnB>
-                  </a:tcPr>
-                </a:tc>
-                <a:tc>
-                  <a:txBody>
-                    <a:bodyPr/>
-                    <a:lstStyle/>
-                    <a:p>
-                      <a:pPr marL="0" marR="0" algn="l" fontAlgn="t">
-                        <a:lnSpc>
-                          <a:spcPct val="107000"/>
-                        </a:lnSpc>
-                        <a:spcBef>
-                          <a:spcPts val="0"/>
-                        </a:spcBef>
-                        <a:spcAft>
-                          <a:spcPts val="0"/>
-                        </a:spcAft>
-                      </a:pPr>
-                      <a:r>
-                        <a:rPr lang="en-US" sz="1300" b="0" i="0" u="none" strike="noStrike">
-                          <a:effectLst/>
-                          <a:latin typeface="Calibri" panose="020F0502020204030204" pitchFamily="34" charset="0"/>
-                          <a:ea typeface="Calibri" panose="020F0502020204030204" pitchFamily="34" charset="0"/>
-                        </a:rPr>
-                        <a:t>0.81</a:t>
-                      </a:r>
-                      <a:endParaRPr lang="en-US" sz="2000" b="0" i="0" u="none" strike="noStrike">
-                        <a:effectLst/>
-                        <a:latin typeface="Arial" panose="020B0604020202020204" pitchFamily="34" charset="0"/>
-                      </a:endParaRPr>
-                    </a:p>
-                  </a:txBody>
-                  <a:tcPr marL="78094" marR="78094" marT="10846" marB="0">
-                    <a:lnL w="12700" cap="flat" cmpd="sng" algn="ctr">
-                      <a:solidFill>
-                        <a:srgbClr val="000000"/>
-                      </a:solidFill>
-                      <a:prstDash val="solid"/>
-                      <a:round/>
-                      <a:headEnd type="none" w="med" len="med"/>
-                      <a:tailEnd type="none" w="med" len="med"/>
-                    </a:lnL>
-                    <a:lnR w="12700" cap="flat" cmpd="sng" algn="ctr">
-                      <a:solidFill>
-                        <a:srgbClr val="000000"/>
-                      </a:solidFill>
-                      <a:prstDash val="solid"/>
-                      <a:round/>
-                      <a:headEnd type="none" w="med" len="med"/>
-                      <a:tailEnd type="none" w="med" len="med"/>
-                    </a:lnR>
-                    <a:lnT w="12700" cap="flat" cmpd="sng" algn="ctr">
-                      <a:solidFill>
-                        <a:srgbClr val="000000"/>
-                      </a:solidFill>
-                      <a:prstDash val="solid"/>
-                      <a:round/>
-                      <a:headEnd type="none" w="med" len="med"/>
-                      <a:tailEnd type="none" w="med" len="med"/>
-                    </a:lnT>
-                    <a:lnB w="12700" cap="flat" cmpd="sng" algn="ctr">
-                      <a:solidFill>
-                        <a:srgbClr val="000000"/>
-                      </a:solidFill>
-                      <a:prstDash val="solid"/>
-                      <a:round/>
-                      <a:headEnd type="none" w="med" len="med"/>
-                      <a:tailEnd type="none" w="med" len="med"/>
-                    </a:lnB>
-                  </a:tcPr>
-                </a:tc>
-                <a:tc>
-                  <a:txBody>
-                    <a:bodyPr/>
-                    <a:lstStyle/>
-                    <a:p>
-                      <a:pPr marL="0" marR="0" algn="l" fontAlgn="t">
-                        <a:lnSpc>
-                          <a:spcPct val="107000"/>
-                        </a:lnSpc>
-                        <a:spcBef>
-                          <a:spcPts val="0"/>
-                        </a:spcBef>
-                        <a:spcAft>
-                          <a:spcPts val="0"/>
-                        </a:spcAft>
-                      </a:pPr>
-                      <a:r>
-                        <a:rPr lang="en-US" sz="1300" b="0" i="0" u="none" strike="noStrike">
-                          <a:effectLst/>
-                          <a:latin typeface="Calibri" panose="020F0502020204030204" pitchFamily="34" charset="0"/>
-                          <a:ea typeface="Calibri" panose="020F0502020204030204" pitchFamily="34" charset="0"/>
-                        </a:rPr>
-                        <a:t>268</a:t>
-                      </a:r>
-                      <a:endParaRPr lang="en-US" sz="2000" b="0" i="0" u="none" strike="noStrike">
-                        <a:effectLst/>
-                        <a:latin typeface="Arial" panose="020B0604020202020204" pitchFamily="34" charset="0"/>
-                      </a:endParaRPr>
-                    </a:p>
-                  </a:txBody>
-                  <a:tcPr marL="78094" marR="78094" marT="10846" marB="0">
-                    <a:lnL w="12700" cap="flat" cmpd="sng" algn="ctr">
-                      <a:solidFill>
-                        <a:srgbClr val="000000"/>
-                      </a:solidFill>
-                      <a:prstDash val="solid"/>
-                      <a:round/>
-                      <a:headEnd type="none" w="med" len="med"/>
-                      <a:tailEnd type="none" w="med" len="med"/>
-                    </a:lnL>
-                    <a:lnR w="12700" cap="flat" cmpd="sng" algn="ctr">
-                      <a:solidFill>
-                        <a:srgbClr val="000000"/>
-                      </a:solidFill>
-                      <a:prstDash val="solid"/>
-                      <a:round/>
-                      <a:headEnd type="none" w="med" len="med"/>
-                      <a:tailEnd type="none" w="med" len="med"/>
-                    </a:lnR>
-                    <a:lnT w="12700" cap="flat" cmpd="sng" algn="ctr">
-                      <a:solidFill>
-                        <a:srgbClr val="000000"/>
-                      </a:solidFill>
-                      <a:prstDash val="solid"/>
-                      <a:round/>
-                      <a:headEnd type="none" w="med" len="med"/>
-                      <a:tailEnd type="none" w="med" len="med"/>
-                    </a:lnT>
-                    <a:lnB w="12700" cap="flat" cmpd="sng" algn="ctr">
-                      <a:solidFill>
-                        <a:srgbClr val="000000"/>
-                      </a:solidFill>
-                      <a:prstDash val="solid"/>
-                      <a:round/>
-                      <a:headEnd type="none" w="med" len="med"/>
-                      <a:tailEnd type="none" w="med" len="med"/>
-                    </a:lnB>
-                  </a:tcPr>
-                </a:tc>
-                <a:extLst>
-                  <a:ext uri="{0D108BD9-81ED-4DB2-BD59-A6C34878D82A}">
-                    <a16:rowId xmlns:a16="http://schemas.microsoft.com/office/drawing/2014/main" val="4057648620"/>
-                  </a:ext>
-                </a:extLst>
-              </a:tr>
-              <a:tr h="256773">
-                <a:tc>
-                  <a:txBody>
-                    <a:bodyPr/>
-                    <a:lstStyle/>
-                    <a:p>
-                      <a:pPr marL="0" marR="0" algn="l" fontAlgn="t">
-                        <a:lnSpc>
-                          <a:spcPct val="107000"/>
-                        </a:lnSpc>
-                        <a:spcBef>
-                          <a:spcPts val="0"/>
-                        </a:spcBef>
-                        <a:spcAft>
-                          <a:spcPts val="0"/>
-                        </a:spcAft>
-                      </a:pPr>
-                      <a:r>
-                        <a:rPr lang="en-US" sz="1300" b="0" i="0" u="none" strike="noStrike">
-                          <a:effectLst/>
-                          <a:latin typeface="Calibri" panose="020F0502020204030204" pitchFamily="34" charset="0"/>
-                          <a:ea typeface="Calibri" panose="020F0502020204030204" pitchFamily="34" charset="0"/>
-                        </a:rPr>
-                        <a:t>2: </a:t>
-                      </a:r>
-                      <a:r>
-                        <a:rPr lang="en-US" sz="1300" b="0" i="0" u="none" strike="noStrike">
-                          <a:solidFill>
-                            <a:srgbClr val="000000"/>
-                          </a:solidFill>
-                          <a:effectLst/>
-                          <a:latin typeface="Calibri" panose="020F0502020204030204" pitchFamily="34" charset="0"/>
-                          <a:ea typeface="Calibri" panose="020F0502020204030204" pitchFamily="34" charset="0"/>
-                        </a:rPr>
-                        <a:t>Seek care soon</a:t>
-                      </a:r>
-                      <a:endParaRPr lang="en-US" sz="2000" b="0" i="0" u="none" strike="noStrike">
-                        <a:effectLst/>
-                        <a:latin typeface="Arial" panose="020B0604020202020204" pitchFamily="34" charset="0"/>
-                      </a:endParaRPr>
-                    </a:p>
-                  </a:txBody>
-                  <a:tcPr marL="78094" marR="78094" marT="10846" marB="0">
-                    <a:lnL w="12700" cap="flat" cmpd="sng" algn="ctr">
-                      <a:solidFill>
-                        <a:srgbClr val="000000"/>
-                      </a:solidFill>
-                      <a:prstDash val="solid"/>
-                      <a:round/>
-                      <a:headEnd type="none" w="med" len="med"/>
-                      <a:tailEnd type="none" w="med" len="med"/>
-                    </a:lnL>
-                    <a:lnR w="12700" cap="flat" cmpd="sng" algn="ctr">
-                      <a:solidFill>
-                        <a:srgbClr val="000000"/>
-                      </a:solidFill>
-                      <a:prstDash val="solid"/>
-                      <a:round/>
-                      <a:headEnd type="none" w="med" len="med"/>
-                      <a:tailEnd type="none" w="med" len="med"/>
-                    </a:lnR>
-                    <a:lnT w="12700" cap="flat" cmpd="sng" algn="ctr">
-                      <a:solidFill>
-                        <a:srgbClr val="000000"/>
-                      </a:solidFill>
-                      <a:prstDash val="solid"/>
-                      <a:round/>
-                      <a:headEnd type="none" w="med" len="med"/>
-                      <a:tailEnd type="none" w="med" len="med"/>
-                    </a:lnT>
-                    <a:lnB w="12700" cap="flat" cmpd="sng" algn="ctr">
-                      <a:solidFill>
-                        <a:srgbClr val="000000"/>
-                      </a:solidFill>
-                      <a:prstDash val="solid"/>
-                      <a:round/>
-                      <a:headEnd type="none" w="med" len="med"/>
-                      <a:tailEnd type="none" w="med" len="med"/>
-                    </a:lnB>
-                  </a:tcPr>
-                </a:tc>
-                <a:tc>
-                  <a:txBody>
-                    <a:bodyPr/>
-                    <a:lstStyle/>
-                    <a:p>
-                      <a:pPr marL="0" marR="0" algn="l" fontAlgn="t">
-                        <a:lnSpc>
-                          <a:spcPct val="107000"/>
-                        </a:lnSpc>
-                        <a:spcBef>
-                          <a:spcPts val="0"/>
-                        </a:spcBef>
-                        <a:spcAft>
-                          <a:spcPts val="0"/>
-                        </a:spcAft>
-                      </a:pPr>
-                      <a:r>
-                        <a:rPr lang="en-US" sz="1300" b="0" i="0" u="none" strike="noStrike">
-                          <a:effectLst/>
-                          <a:latin typeface="Calibri" panose="020F0502020204030204" pitchFamily="34" charset="0"/>
-                          <a:ea typeface="Calibri" panose="020F0502020204030204" pitchFamily="34" charset="0"/>
-                        </a:rPr>
-                        <a:t>0.87</a:t>
-                      </a:r>
-                      <a:endParaRPr lang="en-US" sz="2000" b="0" i="0" u="none" strike="noStrike">
-                        <a:effectLst/>
-                        <a:latin typeface="Arial" panose="020B0604020202020204" pitchFamily="34" charset="0"/>
-                      </a:endParaRPr>
-                    </a:p>
-                  </a:txBody>
-                  <a:tcPr marL="78094" marR="78094" marT="10846" marB="0">
-                    <a:lnL w="12700" cap="flat" cmpd="sng" algn="ctr">
-                      <a:solidFill>
-                        <a:srgbClr val="000000"/>
-                      </a:solidFill>
-                      <a:prstDash val="solid"/>
-                      <a:round/>
-                      <a:headEnd type="none" w="med" len="med"/>
-                      <a:tailEnd type="none" w="med" len="med"/>
-                    </a:lnL>
-                    <a:lnR w="12700" cap="flat" cmpd="sng" algn="ctr">
-                      <a:solidFill>
-                        <a:srgbClr val="000000"/>
-                      </a:solidFill>
-                      <a:prstDash val="solid"/>
-                      <a:round/>
-                      <a:headEnd type="none" w="med" len="med"/>
-                      <a:tailEnd type="none" w="med" len="med"/>
-                    </a:lnR>
-                    <a:lnT w="12700" cap="flat" cmpd="sng" algn="ctr">
-                      <a:solidFill>
-                        <a:srgbClr val="000000"/>
-                      </a:solidFill>
-                      <a:prstDash val="solid"/>
-                      <a:round/>
-                      <a:headEnd type="none" w="med" len="med"/>
-                      <a:tailEnd type="none" w="med" len="med"/>
-                    </a:lnT>
-                    <a:lnB w="12700" cap="flat" cmpd="sng" algn="ctr">
-                      <a:solidFill>
-                        <a:srgbClr val="000000"/>
-                      </a:solidFill>
-                      <a:prstDash val="solid"/>
-                      <a:round/>
-                      <a:headEnd type="none" w="med" len="med"/>
-                      <a:tailEnd type="none" w="med" len="med"/>
-                    </a:lnB>
-                  </a:tcPr>
-                </a:tc>
-                <a:tc>
-                  <a:txBody>
-                    <a:bodyPr/>
-                    <a:lstStyle/>
-                    <a:p>
-                      <a:pPr marL="0" marR="0" algn="l" fontAlgn="t">
-                        <a:lnSpc>
-                          <a:spcPct val="107000"/>
-                        </a:lnSpc>
-                        <a:spcBef>
-                          <a:spcPts val="0"/>
-                        </a:spcBef>
-                        <a:spcAft>
-                          <a:spcPts val="0"/>
-                        </a:spcAft>
-                      </a:pPr>
-                      <a:r>
-                        <a:rPr lang="en-US" sz="1300" b="0" i="0" u="none" strike="noStrike">
-                          <a:effectLst/>
-                          <a:latin typeface="Calibri" panose="020F0502020204030204" pitchFamily="34" charset="0"/>
-                          <a:ea typeface="Calibri" panose="020F0502020204030204" pitchFamily="34" charset="0"/>
-                        </a:rPr>
-                        <a:t>0.79</a:t>
-                      </a:r>
-                      <a:endParaRPr lang="en-US" sz="2000" b="0" i="0" u="none" strike="noStrike">
-                        <a:effectLst/>
-                        <a:latin typeface="Arial" panose="020B0604020202020204" pitchFamily="34" charset="0"/>
-                      </a:endParaRPr>
-                    </a:p>
-                  </a:txBody>
-                  <a:tcPr marL="78094" marR="78094" marT="10846" marB="0">
-                    <a:lnL w="12700" cap="flat" cmpd="sng" algn="ctr">
-                      <a:solidFill>
-                        <a:srgbClr val="000000"/>
-                      </a:solidFill>
-                      <a:prstDash val="solid"/>
-                      <a:round/>
-                      <a:headEnd type="none" w="med" len="med"/>
-                      <a:tailEnd type="none" w="med" len="med"/>
-                    </a:lnL>
-                    <a:lnR w="12700" cap="flat" cmpd="sng" algn="ctr">
-                      <a:solidFill>
-                        <a:srgbClr val="000000"/>
-                      </a:solidFill>
-                      <a:prstDash val="solid"/>
-                      <a:round/>
-                      <a:headEnd type="none" w="med" len="med"/>
-                      <a:tailEnd type="none" w="med" len="med"/>
-                    </a:lnR>
-                    <a:lnT w="12700" cap="flat" cmpd="sng" algn="ctr">
-                      <a:solidFill>
-                        <a:srgbClr val="000000"/>
-                      </a:solidFill>
-                      <a:prstDash val="solid"/>
-                      <a:round/>
-                      <a:headEnd type="none" w="med" len="med"/>
-                      <a:tailEnd type="none" w="med" len="med"/>
-                    </a:lnT>
-                    <a:lnB w="12700" cap="flat" cmpd="sng" algn="ctr">
-                      <a:solidFill>
-                        <a:srgbClr val="000000"/>
-                      </a:solidFill>
-                      <a:prstDash val="solid"/>
-                      <a:round/>
-                      <a:headEnd type="none" w="med" len="med"/>
-                      <a:tailEnd type="none" w="med" len="med"/>
-                    </a:lnB>
-                  </a:tcPr>
-                </a:tc>
-                <a:tc>
-                  <a:txBody>
-                    <a:bodyPr/>
-                    <a:lstStyle/>
-                    <a:p>
-                      <a:pPr marL="0" marR="0" algn="l" fontAlgn="t">
-                        <a:lnSpc>
-                          <a:spcPct val="107000"/>
-                        </a:lnSpc>
-                        <a:spcBef>
-                          <a:spcPts val="0"/>
-                        </a:spcBef>
-                        <a:spcAft>
-                          <a:spcPts val="0"/>
-                        </a:spcAft>
-                      </a:pPr>
-                      <a:r>
-                        <a:rPr lang="en-US" sz="1300" b="0" i="0" u="none" strike="noStrike">
-                          <a:effectLst/>
-                          <a:latin typeface="Calibri" panose="020F0502020204030204" pitchFamily="34" charset="0"/>
-                          <a:ea typeface="Calibri" panose="020F0502020204030204" pitchFamily="34" charset="0"/>
-                        </a:rPr>
-                        <a:t>0.83</a:t>
-                      </a:r>
-                      <a:endParaRPr lang="en-US" sz="2000" b="0" i="0" u="none" strike="noStrike">
-                        <a:effectLst/>
-                        <a:latin typeface="Arial" panose="020B0604020202020204" pitchFamily="34" charset="0"/>
-                      </a:endParaRPr>
-                    </a:p>
-                  </a:txBody>
-                  <a:tcPr marL="78094" marR="78094" marT="10846" marB="0">
-                    <a:lnL w="12700" cap="flat" cmpd="sng" algn="ctr">
-                      <a:solidFill>
-                        <a:srgbClr val="000000"/>
-                      </a:solidFill>
-                      <a:prstDash val="solid"/>
-                      <a:round/>
-                      <a:headEnd type="none" w="med" len="med"/>
-                      <a:tailEnd type="none" w="med" len="med"/>
-                    </a:lnL>
-                    <a:lnR w="12700" cap="flat" cmpd="sng" algn="ctr">
-                      <a:solidFill>
-                        <a:srgbClr val="000000"/>
-                      </a:solidFill>
-                      <a:prstDash val="solid"/>
-                      <a:round/>
-                      <a:headEnd type="none" w="med" len="med"/>
-                      <a:tailEnd type="none" w="med" len="med"/>
-                    </a:lnR>
-                    <a:lnT w="12700" cap="flat" cmpd="sng" algn="ctr">
-                      <a:solidFill>
-                        <a:srgbClr val="000000"/>
-                      </a:solidFill>
-                      <a:prstDash val="solid"/>
-                      <a:round/>
-                      <a:headEnd type="none" w="med" len="med"/>
-                      <a:tailEnd type="none" w="med" len="med"/>
-                    </a:lnT>
-                    <a:lnB w="12700" cap="flat" cmpd="sng" algn="ctr">
-                      <a:solidFill>
-                        <a:srgbClr val="000000"/>
-                      </a:solidFill>
-                      <a:prstDash val="solid"/>
-                      <a:round/>
-                      <a:headEnd type="none" w="med" len="med"/>
-                      <a:tailEnd type="none" w="med" len="med"/>
-                    </a:lnB>
-                  </a:tcPr>
-                </a:tc>
-                <a:tc>
-                  <a:txBody>
-                    <a:bodyPr/>
-                    <a:lstStyle/>
-                    <a:p>
-                      <a:pPr marL="0" marR="0" algn="l" fontAlgn="t">
-                        <a:lnSpc>
-                          <a:spcPct val="107000"/>
-                        </a:lnSpc>
-                        <a:spcBef>
-                          <a:spcPts val="0"/>
-                        </a:spcBef>
-                        <a:spcAft>
-                          <a:spcPts val="0"/>
-                        </a:spcAft>
-                      </a:pPr>
-                      <a:r>
-                        <a:rPr lang="en-US" sz="1300" b="0" i="0" u="none" strike="noStrike">
-                          <a:effectLst/>
-                          <a:latin typeface="Calibri" panose="020F0502020204030204" pitchFamily="34" charset="0"/>
-                          <a:ea typeface="Calibri" panose="020F0502020204030204" pitchFamily="34" charset="0"/>
-                        </a:rPr>
-                        <a:t>216</a:t>
-                      </a:r>
-                      <a:endParaRPr lang="en-US" sz="2000" b="0" i="0" u="none" strike="noStrike">
-                        <a:effectLst/>
-                        <a:latin typeface="Arial" panose="020B0604020202020204" pitchFamily="34" charset="0"/>
-                      </a:endParaRPr>
-                    </a:p>
-                  </a:txBody>
-                  <a:tcPr marL="78094" marR="78094" marT="10846" marB="0">
-                    <a:lnL w="12700" cap="flat" cmpd="sng" algn="ctr">
-                      <a:solidFill>
-                        <a:srgbClr val="000000"/>
-                      </a:solidFill>
-                      <a:prstDash val="solid"/>
-                      <a:round/>
-                      <a:headEnd type="none" w="med" len="med"/>
-                      <a:tailEnd type="none" w="med" len="med"/>
-                    </a:lnL>
-                    <a:lnR w="12700" cap="flat" cmpd="sng" algn="ctr">
-                      <a:solidFill>
-                        <a:srgbClr val="000000"/>
-                      </a:solidFill>
-                      <a:prstDash val="solid"/>
-                      <a:round/>
-                      <a:headEnd type="none" w="med" len="med"/>
-                      <a:tailEnd type="none" w="med" len="med"/>
-                    </a:lnR>
-                    <a:lnT w="12700" cap="flat" cmpd="sng" algn="ctr">
-                      <a:solidFill>
-                        <a:srgbClr val="000000"/>
-                      </a:solidFill>
-                      <a:prstDash val="solid"/>
-                      <a:round/>
-                      <a:headEnd type="none" w="med" len="med"/>
-                      <a:tailEnd type="none" w="med" len="med"/>
-                    </a:lnT>
-                    <a:lnB w="12700" cap="flat" cmpd="sng" algn="ctr">
-                      <a:solidFill>
-                        <a:srgbClr val="000000"/>
-                      </a:solidFill>
-                      <a:prstDash val="solid"/>
-                      <a:round/>
-                      <a:headEnd type="none" w="med" len="med"/>
-                      <a:tailEnd type="none" w="med" len="med"/>
-                    </a:lnB>
-                  </a:tcPr>
-                </a:tc>
-                <a:extLst>
-                  <a:ext uri="{0D108BD9-81ED-4DB2-BD59-A6C34878D82A}">
-                    <a16:rowId xmlns:a16="http://schemas.microsoft.com/office/drawing/2014/main" val="3877057138"/>
-                  </a:ext>
-                </a:extLst>
-              </a:tr>
-              <a:tr h="256773">
-                <a:tc>
-                  <a:txBody>
-                    <a:bodyPr/>
-                    <a:lstStyle/>
-                    <a:p>
-                      <a:pPr marL="0" marR="0" algn="l" fontAlgn="t">
-                        <a:lnSpc>
-                          <a:spcPct val="107000"/>
-                        </a:lnSpc>
-                        <a:spcBef>
-                          <a:spcPts val="0"/>
-                        </a:spcBef>
-                        <a:spcAft>
-                          <a:spcPts val="0"/>
-                        </a:spcAft>
-                      </a:pPr>
-                      <a:r>
-                        <a:rPr lang="en-US" sz="1300" b="0" i="0" u="none" strike="noStrike">
-                          <a:effectLst/>
-                          <a:latin typeface="Calibri" panose="020F0502020204030204" pitchFamily="34" charset="0"/>
-                          <a:ea typeface="Calibri" panose="020F0502020204030204" pitchFamily="34" charset="0"/>
-                        </a:rPr>
-                        <a:t>3: </a:t>
-                      </a:r>
-                      <a:r>
-                        <a:rPr lang="en-US" sz="1300" b="0" i="0" u="none" strike="noStrike">
-                          <a:solidFill>
-                            <a:srgbClr val="000000"/>
-                          </a:solidFill>
-                          <a:effectLst/>
-                          <a:latin typeface="Calibri" panose="020F0502020204030204" pitchFamily="34" charset="0"/>
-                          <a:ea typeface="Calibri" panose="020F0502020204030204" pitchFamily="34" charset="0"/>
-                        </a:rPr>
-                        <a:t>Address at next visit</a:t>
-                      </a:r>
-                      <a:endParaRPr lang="en-US" sz="2000" b="0" i="0" u="none" strike="noStrike">
-                        <a:effectLst/>
-                        <a:latin typeface="Arial" panose="020B0604020202020204" pitchFamily="34" charset="0"/>
-                      </a:endParaRPr>
-                    </a:p>
-                  </a:txBody>
-                  <a:tcPr marL="78094" marR="78094" marT="10846" marB="0">
-                    <a:lnL w="12700" cap="flat" cmpd="sng" algn="ctr">
-                      <a:solidFill>
-                        <a:srgbClr val="000000"/>
-                      </a:solidFill>
-                      <a:prstDash val="solid"/>
-                      <a:round/>
-                      <a:headEnd type="none" w="med" len="med"/>
-                      <a:tailEnd type="none" w="med" len="med"/>
-                    </a:lnL>
-                    <a:lnR w="12700" cap="flat" cmpd="sng" algn="ctr">
-                      <a:solidFill>
-                        <a:srgbClr val="000000"/>
-                      </a:solidFill>
-                      <a:prstDash val="solid"/>
-                      <a:round/>
-                      <a:headEnd type="none" w="med" len="med"/>
-                      <a:tailEnd type="none" w="med" len="med"/>
-                    </a:lnR>
-                    <a:lnT w="12700" cap="flat" cmpd="sng" algn="ctr">
-                      <a:solidFill>
-                        <a:srgbClr val="000000"/>
-                      </a:solidFill>
-                      <a:prstDash val="solid"/>
-                      <a:round/>
-                      <a:headEnd type="none" w="med" len="med"/>
-                      <a:tailEnd type="none" w="med" len="med"/>
-                    </a:lnT>
-                    <a:lnB w="12700" cap="flat" cmpd="sng" algn="ctr">
-                      <a:solidFill>
-                        <a:srgbClr val="000000"/>
-                      </a:solidFill>
-                      <a:prstDash val="solid"/>
-                      <a:round/>
-                      <a:headEnd type="none" w="med" len="med"/>
-                      <a:tailEnd type="none" w="med" len="med"/>
-                    </a:lnB>
-                  </a:tcPr>
-                </a:tc>
-                <a:tc>
-                  <a:txBody>
-                    <a:bodyPr/>
-                    <a:lstStyle/>
-                    <a:p>
-                      <a:pPr marL="0" marR="0" algn="l" fontAlgn="t">
-                        <a:lnSpc>
-                          <a:spcPct val="107000"/>
-                        </a:lnSpc>
-                        <a:spcBef>
-                          <a:spcPts val="0"/>
-                        </a:spcBef>
-                        <a:spcAft>
-                          <a:spcPts val="0"/>
-                        </a:spcAft>
-                      </a:pPr>
-                      <a:r>
-                        <a:rPr lang="en-US" sz="1300" b="0" i="0" u="none" strike="noStrike">
-                          <a:effectLst/>
-                          <a:latin typeface="Calibri" panose="020F0502020204030204" pitchFamily="34" charset="0"/>
-                          <a:ea typeface="Calibri" panose="020F0502020204030204" pitchFamily="34" charset="0"/>
-                        </a:rPr>
-                        <a:t>0.99</a:t>
-                      </a:r>
-                      <a:endParaRPr lang="en-US" sz="2000" b="0" i="0" u="none" strike="noStrike">
-                        <a:effectLst/>
-                        <a:latin typeface="Arial" panose="020B0604020202020204" pitchFamily="34" charset="0"/>
-                      </a:endParaRPr>
-                    </a:p>
-                  </a:txBody>
-                  <a:tcPr marL="78094" marR="78094" marT="10846" marB="0">
-                    <a:lnL w="12700" cap="flat" cmpd="sng" algn="ctr">
-                      <a:solidFill>
-                        <a:srgbClr val="000000"/>
-                      </a:solidFill>
-                      <a:prstDash val="solid"/>
-                      <a:round/>
-                      <a:headEnd type="none" w="med" len="med"/>
-                      <a:tailEnd type="none" w="med" len="med"/>
-                    </a:lnL>
-                    <a:lnR w="12700" cap="flat" cmpd="sng" algn="ctr">
-                      <a:solidFill>
-                        <a:srgbClr val="000000"/>
-                      </a:solidFill>
-                      <a:prstDash val="solid"/>
-                      <a:round/>
-                      <a:headEnd type="none" w="med" len="med"/>
-                      <a:tailEnd type="none" w="med" len="med"/>
-                    </a:lnR>
-                    <a:lnT w="12700" cap="flat" cmpd="sng" algn="ctr">
-                      <a:solidFill>
-                        <a:srgbClr val="000000"/>
-                      </a:solidFill>
-                      <a:prstDash val="solid"/>
-                      <a:round/>
-                      <a:headEnd type="none" w="med" len="med"/>
-                      <a:tailEnd type="none" w="med" len="med"/>
-                    </a:lnT>
-                    <a:lnB w="12700" cap="flat" cmpd="sng" algn="ctr">
-                      <a:solidFill>
-                        <a:srgbClr val="000000"/>
-                      </a:solidFill>
-                      <a:prstDash val="solid"/>
-                      <a:round/>
-                      <a:headEnd type="none" w="med" len="med"/>
-                      <a:tailEnd type="none" w="med" len="med"/>
-                    </a:lnB>
-                  </a:tcPr>
-                </a:tc>
-                <a:tc>
-                  <a:txBody>
-                    <a:bodyPr/>
-                    <a:lstStyle/>
-                    <a:p>
-                      <a:pPr marL="0" marR="0" algn="l" fontAlgn="t">
-                        <a:lnSpc>
-                          <a:spcPct val="107000"/>
-                        </a:lnSpc>
-                        <a:spcBef>
-                          <a:spcPts val="0"/>
-                        </a:spcBef>
-                        <a:spcAft>
-                          <a:spcPts val="0"/>
-                        </a:spcAft>
-                      </a:pPr>
-                      <a:r>
-                        <a:rPr lang="en-US" sz="1300" b="0" i="0" u="none" strike="noStrike">
-                          <a:effectLst/>
-                          <a:latin typeface="Calibri" panose="020F0502020204030204" pitchFamily="34" charset="0"/>
-                          <a:ea typeface="Calibri" panose="020F0502020204030204" pitchFamily="34" charset="0"/>
-                        </a:rPr>
-                        <a:t>0.97</a:t>
-                      </a:r>
-                      <a:endParaRPr lang="en-US" sz="2000" b="0" i="0" u="none" strike="noStrike">
-                        <a:effectLst/>
-                        <a:latin typeface="Arial" panose="020B0604020202020204" pitchFamily="34" charset="0"/>
-                      </a:endParaRPr>
-                    </a:p>
-                  </a:txBody>
-                  <a:tcPr marL="78094" marR="78094" marT="10846" marB="0">
-                    <a:lnL w="12700" cap="flat" cmpd="sng" algn="ctr">
-                      <a:solidFill>
-                        <a:srgbClr val="000000"/>
-                      </a:solidFill>
-                      <a:prstDash val="solid"/>
-                      <a:round/>
-                      <a:headEnd type="none" w="med" len="med"/>
-                      <a:tailEnd type="none" w="med" len="med"/>
-                    </a:lnL>
-                    <a:lnR w="12700" cap="flat" cmpd="sng" algn="ctr">
-                      <a:solidFill>
-                        <a:srgbClr val="000000"/>
-                      </a:solidFill>
-                      <a:prstDash val="solid"/>
-                      <a:round/>
-                      <a:headEnd type="none" w="med" len="med"/>
-                      <a:tailEnd type="none" w="med" len="med"/>
-                    </a:lnR>
-                    <a:lnT w="12700" cap="flat" cmpd="sng" algn="ctr">
-                      <a:solidFill>
-                        <a:srgbClr val="000000"/>
-                      </a:solidFill>
-                      <a:prstDash val="solid"/>
-                      <a:round/>
-                      <a:headEnd type="none" w="med" len="med"/>
-                      <a:tailEnd type="none" w="med" len="med"/>
-                    </a:lnT>
-                    <a:lnB w="12700" cap="flat" cmpd="sng" algn="ctr">
-                      <a:solidFill>
-                        <a:srgbClr val="000000"/>
-                      </a:solidFill>
-                      <a:prstDash val="solid"/>
-                      <a:round/>
-                      <a:headEnd type="none" w="med" len="med"/>
-                      <a:tailEnd type="none" w="med" len="med"/>
-                    </a:lnB>
-                  </a:tcPr>
-                </a:tc>
-                <a:tc>
-                  <a:txBody>
-                    <a:bodyPr/>
-                    <a:lstStyle/>
-                    <a:p>
-                      <a:pPr marL="0" marR="0" algn="l" fontAlgn="t">
-                        <a:lnSpc>
-                          <a:spcPct val="107000"/>
-                        </a:lnSpc>
-                        <a:spcBef>
-                          <a:spcPts val="0"/>
-                        </a:spcBef>
-                        <a:spcAft>
-                          <a:spcPts val="0"/>
-                        </a:spcAft>
-                      </a:pPr>
-                      <a:r>
-                        <a:rPr lang="en-US" sz="1300" b="0" i="0" u="none" strike="noStrike">
-                          <a:effectLst/>
-                          <a:latin typeface="Calibri" panose="020F0502020204030204" pitchFamily="34" charset="0"/>
-                          <a:ea typeface="Calibri" panose="020F0502020204030204" pitchFamily="34" charset="0"/>
-                        </a:rPr>
-                        <a:t>0.98</a:t>
-                      </a:r>
-                      <a:endParaRPr lang="en-US" sz="2000" b="0" i="0" u="none" strike="noStrike">
-                        <a:effectLst/>
-                        <a:latin typeface="Arial" panose="020B0604020202020204" pitchFamily="34" charset="0"/>
-                      </a:endParaRPr>
-                    </a:p>
-                  </a:txBody>
-                  <a:tcPr marL="78094" marR="78094" marT="10846" marB="0">
-                    <a:lnL w="12700" cap="flat" cmpd="sng" algn="ctr">
-                      <a:solidFill>
-                        <a:srgbClr val="000000"/>
-                      </a:solidFill>
-                      <a:prstDash val="solid"/>
-                      <a:round/>
-                      <a:headEnd type="none" w="med" len="med"/>
-                      <a:tailEnd type="none" w="med" len="med"/>
-                    </a:lnL>
-                    <a:lnR w="12700" cap="flat" cmpd="sng" algn="ctr">
-                      <a:solidFill>
-                        <a:srgbClr val="000000"/>
-                      </a:solidFill>
-                      <a:prstDash val="solid"/>
-                      <a:round/>
-                      <a:headEnd type="none" w="med" len="med"/>
-                      <a:tailEnd type="none" w="med" len="med"/>
-                    </a:lnR>
-                    <a:lnT w="12700" cap="flat" cmpd="sng" algn="ctr">
-                      <a:solidFill>
-                        <a:srgbClr val="000000"/>
-                      </a:solidFill>
-                      <a:prstDash val="solid"/>
-                      <a:round/>
-                      <a:headEnd type="none" w="med" len="med"/>
-                      <a:tailEnd type="none" w="med" len="med"/>
-                    </a:lnT>
-                    <a:lnB w="12700" cap="flat" cmpd="sng" algn="ctr">
-                      <a:solidFill>
-                        <a:srgbClr val="000000"/>
-                      </a:solidFill>
-                      <a:prstDash val="solid"/>
-                      <a:round/>
-                      <a:headEnd type="none" w="med" len="med"/>
-                      <a:tailEnd type="none" w="med" len="med"/>
-                    </a:lnB>
-                  </a:tcPr>
-                </a:tc>
-                <a:tc>
-                  <a:txBody>
-                    <a:bodyPr/>
-                    <a:lstStyle/>
-                    <a:p>
-                      <a:pPr marL="0" marR="0" algn="l" fontAlgn="t">
-                        <a:lnSpc>
-                          <a:spcPct val="107000"/>
-                        </a:lnSpc>
-                        <a:spcBef>
-                          <a:spcPts val="0"/>
-                        </a:spcBef>
-                        <a:spcAft>
-                          <a:spcPts val="0"/>
-                        </a:spcAft>
-                      </a:pPr>
-                      <a:r>
-                        <a:rPr lang="en-US" sz="1300" b="0" i="0" u="none" strike="noStrike">
-                          <a:effectLst/>
-                          <a:latin typeface="Calibri" panose="020F0502020204030204" pitchFamily="34" charset="0"/>
-                          <a:ea typeface="Calibri" panose="020F0502020204030204" pitchFamily="34" charset="0"/>
-                        </a:rPr>
-                        <a:t>258</a:t>
-                      </a:r>
-                      <a:endParaRPr lang="en-US" sz="2000" b="0" i="0" u="none" strike="noStrike">
-                        <a:effectLst/>
-                        <a:latin typeface="Arial" panose="020B0604020202020204" pitchFamily="34" charset="0"/>
-                      </a:endParaRPr>
-                    </a:p>
-                  </a:txBody>
-                  <a:tcPr marL="78094" marR="78094" marT="10846" marB="0">
-                    <a:lnL w="12700" cap="flat" cmpd="sng" algn="ctr">
-                      <a:solidFill>
-                        <a:srgbClr val="000000"/>
-                      </a:solidFill>
-                      <a:prstDash val="solid"/>
-                      <a:round/>
-                      <a:headEnd type="none" w="med" len="med"/>
-                      <a:tailEnd type="none" w="med" len="med"/>
-                    </a:lnL>
-                    <a:lnR w="12700" cap="flat" cmpd="sng" algn="ctr">
-                      <a:solidFill>
-                        <a:srgbClr val="000000"/>
-                      </a:solidFill>
-                      <a:prstDash val="solid"/>
-                      <a:round/>
-                      <a:headEnd type="none" w="med" len="med"/>
-                      <a:tailEnd type="none" w="med" len="med"/>
-                    </a:lnR>
-                    <a:lnT w="12700" cap="flat" cmpd="sng" algn="ctr">
-                      <a:solidFill>
-                        <a:srgbClr val="000000"/>
-                      </a:solidFill>
-                      <a:prstDash val="solid"/>
-                      <a:round/>
-                      <a:headEnd type="none" w="med" len="med"/>
-                      <a:tailEnd type="none" w="med" len="med"/>
-                    </a:lnT>
-                    <a:lnB w="12700" cap="flat" cmpd="sng" algn="ctr">
-                      <a:solidFill>
-                        <a:srgbClr val="000000"/>
-                      </a:solidFill>
-                      <a:prstDash val="solid"/>
-                      <a:round/>
-                      <a:headEnd type="none" w="med" len="med"/>
-                      <a:tailEnd type="none" w="med" len="med"/>
-                    </a:lnB>
-                  </a:tcPr>
-                </a:tc>
-                <a:extLst>
-                  <a:ext uri="{0D108BD9-81ED-4DB2-BD59-A6C34878D82A}">
-                    <a16:rowId xmlns:a16="http://schemas.microsoft.com/office/drawing/2014/main" val="1865845747"/>
-                  </a:ext>
-                </a:extLst>
-              </a:tr>
-              <a:tr h="461047">
-                <a:tc>
-                  <a:txBody>
-                    <a:bodyPr/>
-                    <a:lstStyle/>
-                    <a:p>
-                      <a:pPr marL="0" marR="0" algn="l" fontAlgn="t">
-                        <a:lnSpc>
-                          <a:spcPct val="107000"/>
-                        </a:lnSpc>
-                        <a:spcBef>
-                          <a:spcPts val="0"/>
-                        </a:spcBef>
-                        <a:spcAft>
-                          <a:spcPts val="0"/>
-                        </a:spcAft>
-                      </a:pPr>
-                      <a:r>
-                        <a:rPr lang="en-US" sz="1300" b="0" i="0" u="none" strike="noStrike">
-                          <a:effectLst/>
-                          <a:latin typeface="Calibri" panose="020F0502020204030204" pitchFamily="34" charset="0"/>
-                          <a:ea typeface="Calibri" panose="020F0502020204030204" pitchFamily="34" charset="0"/>
-                        </a:rPr>
-                        <a:t>4: </a:t>
-                      </a:r>
-                      <a:r>
-                        <a:rPr lang="en-US" sz="1300" b="0" i="0" u="none" strike="noStrike">
-                          <a:solidFill>
-                            <a:srgbClr val="000000"/>
-                          </a:solidFill>
-                          <a:effectLst/>
-                          <a:latin typeface="Calibri" panose="020F0502020204030204" pitchFamily="34" charset="0"/>
-                          <a:ea typeface="Calibri" panose="020F0502020204030204" pitchFamily="34" charset="0"/>
-                        </a:rPr>
-                        <a:t>Need more information for triage</a:t>
-                      </a:r>
-                      <a:endParaRPr lang="en-US" sz="2000" b="0" i="0" u="none" strike="noStrike">
-                        <a:effectLst/>
-                        <a:latin typeface="Arial" panose="020B0604020202020204" pitchFamily="34" charset="0"/>
-                      </a:endParaRPr>
-                    </a:p>
-                  </a:txBody>
-                  <a:tcPr marL="78094" marR="78094" marT="10846" marB="0">
-                    <a:lnL w="12700" cap="flat" cmpd="sng" algn="ctr">
-                      <a:solidFill>
-                        <a:srgbClr val="000000"/>
-                      </a:solidFill>
-                      <a:prstDash val="solid"/>
-                      <a:round/>
-                      <a:headEnd type="none" w="med" len="med"/>
-                      <a:tailEnd type="none" w="med" len="med"/>
-                    </a:lnL>
-                    <a:lnR w="12700" cap="flat" cmpd="sng" algn="ctr">
-                      <a:solidFill>
-                        <a:srgbClr val="000000"/>
-                      </a:solidFill>
-                      <a:prstDash val="solid"/>
-                      <a:round/>
-                      <a:headEnd type="none" w="med" len="med"/>
-                      <a:tailEnd type="none" w="med" len="med"/>
-                    </a:lnR>
-                    <a:lnT w="12700" cap="flat" cmpd="sng" algn="ctr">
-                      <a:solidFill>
-                        <a:srgbClr val="000000"/>
-                      </a:solidFill>
-                      <a:prstDash val="solid"/>
-                      <a:round/>
-                      <a:headEnd type="none" w="med" len="med"/>
-                      <a:tailEnd type="none" w="med" len="med"/>
-                    </a:lnT>
-                    <a:lnB w="12700" cap="flat" cmpd="sng" algn="ctr">
-                      <a:solidFill>
-                        <a:srgbClr val="000000"/>
-                      </a:solidFill>
-                      <a:prstDash val="solid"/>
-                      <a:round/>
-                      <a:headEnd type="none" w="med" len="med"/>
-                      <a:tailEnd type="none" w="med" len="med"/>
-                    </a:lnB>
-                  </a:tcPr>
-                </a:tc>
-                <a:tc>
-                  <a:txBody>
-                    <a:bodyPr/>
-                    <a:lstStyle/>
-                    <a:p>
-                      <a:pPr marL="0" marR="0" algn="l" fontAlgn="t">
-                        <a:lnSpc>
-                          <a:spcPct val="107000"/>
-                        </a:lnSpc>
-                        <a:spcBef>
-                          <a:spcPts val="0"/>
-                        </a:spcBef>
-                        <a:spcAft>
-                          <a:spcPts val="0"/>
-                        </a:spcAft>
-                      </a:pPr>
-                      <a:r>
-                        <a:rPr lang="en-US" sz="1300" b="0" i="0" u="none" strike="noStrike">
-                          <a:effectLst/>
-                          <a:latin typeface="Calibri" panose="020F0502020204030204" pitchFamily="34" charset="0"/>
-                          <a:ea typeface="Calibri" panose="020F0502020204030204" pitchFamily="34" charset="0"/>
-                        </a:rPr>
-                        <a:t>0.83</a:t>
-                      </a:r>
-                      <a:endParaRPr lang="en-US" sz="2000" b="0" i="0" u="none" strike="noStrike">
-                        <a:effectLst/>
-                        <a:latin typeface="Arial" panose="020B0604020202020204" pitchFamily="34" charset="0"/>
-                      </a:endParaRPr>
-                    </a:p>
-                  </a:txBody>
-                  <a:tcPr marL="78094" marR="78094" marT="10846" marB="0">
-                    <a:lnL w="12700" cap="flat" cmpd="sng" algn="ctr">
-                      <a:solidFill>
-                        <a:srgbClr val="000000"/>
-                      </a:solidFill>
-                      <a:prstDash val="solid"/>
-                      <a:round/>
-                      <a:headEnd type="none" w="med" len="med"/>
-                      <a:tailEnd type="none" w="med" len="med"/>
-                    </a:lnL>
-                    <a:lnR w="12700" cap="flat" cmpd="sng" algn="ctr">
-                      <a:solidFill>
-                        <a:srgbClr val="000000"/>
-                      </a:solidFill>
-                      <a:prstDash val="solid"/>
-                      <a:round/>
-                      <a:headEnd type="none" w="med" len="med"/>
-                      <a:tailEnd type="none" w="med" len="med"/>
-                    </a:lnR>
-                    <a:lnT w="12700" cap="flat" cmpd="sng" algn="ctr">
-                      <a:solidFill>
-                        <a:srgbClr val="000000"/>
-                      </a:solidFill>
-                      <a:prstDash val="solid"/>
-                      <a:round/>
-                      <a:headEnd type="none" w="med" len="med"/>
-                      <a:tailEnd type="none" w="med" len="med"/>
-                    </a:lnT>
-                    <a:lnB w="12700" cap="flat" cmpd="sng" algn="ctr">
-                      <a:solidFill>
-                        <a:srgbClr val="000000"/>
-                      </a:solidFill>
-                      <a:prstDash val="solid"/>
-                      <a:round/>
-                      <a:headEnd type="none" w="med" len="med"/>
-                      <a:tailEnd type="none" w="med" len="med"/>
-                    </a:lnB>
-                  </a:tcPr>
-                </a:tc>
-                <a:tc>
-                  <a:txBody>
-                    <a:bodyPr/>
-                    <a:lstStyle/>
-                    <a:p>
-                      <a:pPr marL="0" marR="0" algn="l" fontAlgn="t">
-                        <a:lnSpc>
-                          <a:spcPct val="107000"/>
-                        </a:lnSpc>
-                        <a:spcBef>
-                          <a:spcPts val="0"/>
-                        </a:spcBef>
-                        <a:spcAft>
-                          <a:spcPts val="0"/>
-                        </a:spcAft>
-                      </a:pPr>
-                      <a:r>
-                        <a:rPr lang="en-US" sz="1300" b="0" i="0" u="none" strike="noStrike">
-                          <a:effectLst/>
-                          <a:latin typeface="Calibri" panose="020F0502020204030204" pitchFamily="34" charset="0"/>
-                          <a:ea typeface="Calibri" panose="020F0502020204030204" pitchFamily="34" charset="0"/>
-                        </a:rPr>
-                        <a:t>0.99</a:t>
-                      </a:r>
-                      <a:endParaRPr lang="en-US" sz="2000" b="0" i="0" u="none" strike="noStrike">
-                        <a:effectLst/>
-                        <a:latin typeface="Arial" panose="020B0604020202020204" pitchFamily="34" charset="0"/>
-                      </a:endParaRPr>
-                    </a:p>
-                  </a:txBody>
-                  <a:tcPr marL="78094" marR="78094" marT="10846" marB="0">
-                    <a:lnL w="12700" cap="flat" cmpd="sng" algn="ctr">
-                      <a:solidFill>
-                        <a:srgbClr val="000000"/>
-                      </a:solidFill>
-                      <a:prstDash val="solid"/>
-                      <a:round/>
-                      <a:headEnd type="none" w="med" len="med"/>
-                      <a:tailEnd type="none" w="med" len="med"/>
-                    </a:lnL>
-                    <a:lnR w="12700" cap="flat" cmpd="sng" algn="ctr">
-                      <a:solidFill>
-                        <a:srgbClr val="000000"/>
-                      </a:solidFill>
-                      <a:prstDash val="solid"/>
-                      <a:round/>
-                      <a:headEnd type="none" w="med" len="med"/>
-                      <a:tailEnd type="none" w="med" len="med"/>
-                    </a:lnR>
-                    <a:lnT w="12700" cap="flat" cmpd="sng" algn="ctr">
-                      <a:solidFill>
-                        <a:srgbClr val="000000"/>
-                      </a:solidFill>
-                      <a:prstDash val="solid"/>
-                      <a:round/>
-                      <a:headEnd type="none" w="med" len="med"/>
-                      <a:tailEnd type="none" w="med" len="med"/>
-                    </a:lnT>
-                    <a:lnB w="12700" cap="flat" cmpd="sng" algn="ctr">
-                      <a:solidFill>
-                        <a:srgbClr val="000000"/>
-                      </a:solidFill>
-                      <a:prstDash val="solid"/>
-                      <a:round/>
-                      <a:headEnd type="none" w="med" len="med"/>
-                      <a:tailEnd type="none" w="med" len="med"/>
-                    </a:lnB>
-                  </a:tcPr>
-                </a:tc>
-                <a:tc>
-                  <a:txBody>
-                    <a:bodyPr/>
-                    <a:lstStyle/>
-                    <a:p>
-                      <a:pPr marL="0" marR="0" algn="l" fontAlgn="t">
-                        <a:lnSpc>
-                          <a:spcPct val="107000"/>
-                        </a:lnSpc>
-                        <a:spcBef>
-                          <a:spcPts val="0"/>
-                        </a:spcBef>
-                        <a:spcAft>
-                          <a:spcPts val="0"/>
-                        </a:spcAft>
-                      </a:pPr>
-                      <a:r>
-                        <a:rPr lang="en-US" sz="1300" b="0" i="0" u="none" strike="noStrike">
-                          <a:effectLst/>
-                          <a:latin typeface="Calibri" panose="020F0502020204030204" pitchFamily="34" charset="0"/>
-                          <a:ea typeface="Calibri" panose="020F0502020204030204" pitchFamily="34" charset="0"/>
-                        </a:rPr>
-                        <a:t>0.90</a:t>
-                      </a:r>
-                      <a:endParaRPr lang="en-US" sz="2000" b="0" i="0" u="none" strike="noStrike">
-                        <a:effectLst/>
-                        <a:latin typeface="Arial" panose="020B0604020202020204" pitchFamily="34" charset="0"/>
-                      </a:endParaRPr>
-                    </a:p>
-                  </a:txBody>
-                  <a:tcPr marL="78094" marR="78094" marT="10846" marB="0">
-                    <a:lnL w="12700" cap="flat" cmpd="sng" algn="ctr">
-                      <a:solidFill>
-                        <a:srgbClr val="000000"/>
-                      </a:solidFill>
-                      <a:prstDash val="solid"/>
-                      <a:round/>
-                      <a:headEnd type="none" w="med" len="med"/>
-                      <a:tailEnd type="none" w="med" len="med"/>
-                    </a:lnL>
-                    <a:lnR w="12700" cap="flat" cmpd="sng" algn="ctr">
-                      <a:solidFill>
-                        <a:srgbClr val="000000"/>
-                      </a:solidFill>
-                      <a:prstDash val="solid"/>
-                      <a:round/>
-                      <a:headEnd type="none" w="med" len="med"/>
-                      <a:tailEnd type="none" w="med" len="med"/>
-                    </a:lnR>
-                    <a:lnT w="12700" cap="flat" cmpd="sng" algn="ctr">
-                      <a:solidFill>
-                        <a:srgbClr val="000000"/>
-                      </a:solidFill>
-                      <a:prstDash val="solid"/>
-                      <a:round/>
-                      <a:headEnd type="none" w="med" len="med"/>
-                      <a:tailEnd type="none" w="med" len="med"/>
-                    </a:lnT>
-                    <a:lnB w="12700" cap="flat" cmpd="sng" algn="ctr">
-                      <a:solidFill>
-                        <a:srgbClr val="000000"/>
-                      </a:solidFill>
-                      <a:prstDash val="solid"/>
-                      <a:round/>
-                      <a:headEnd type="none" w="med" len="med"/>
-                      <a:tailEnd type="none" w="med" len="med"/>
-                    </a:lnB>
-                  </a:tcPr>
-                </a:tc>
-                <a:tc>
-                  <a:txBody>
-                    <a:bodyPr/>
-                    <a:lstStyle/>
-                    <a:p>
-                      <a:pPr marL="0" marR="0" algn="l" fontAlgn="t">
-                        <a:lnSpc>
-                          <a:spcPct val="107000"/>
-                        </a:lnSpc>
-                        <a:spcBef>
-                          <a:spcPts val="0"/>
-                        </a:spcBef>
-                        <a:spcAft>
-                          <a:spcPts val="0"/>
-                        </a:spcAft>
-                      </a:pPr>
-                      <a:r>
-                        <a:rPr lang="en-US" sz="1300" b="0" i="0" u="none" strike="noStrike" dirty="0">
-                          <a:effectLst/>
-                          <a:latin typeface="Calibri" panose="020F0502020204030204" pitchFamily="34" charset="0"/>
-                          <a:ea typeface="Calibri" panose="020F0502020204030204" pitchFamily="34" charset="0"/>
-                        </a:rPr>
-                        <a:t>242</a:t>
-                      </a:r>
-                      <a:endParaRPr lang="en-US" sz="2000" b="0" i="0" u="none" strike="noStrike" dirty="0">
-                        <a:effectLst/>
-                        <a:latin typeface="Arial" panose="020B0604020202020204" pitchFamily="34" charset="0"/>
-                      </a:endParaRPr>
-                    </a:p>
-                  </a:txBody>
-                  <a:tcPr marL="78094" marR="78094" marT="10846" marB="0">
-                    <a:lnL w="12700" cap="flat" cmpd="sng" algn="ctr">
-                      <a:solidFill>
-                        <a:srgbClr val="000000"/>
-                      </a:solidFill>
-                      <a:prstDash val="solid"/>
-                      <a:round/>
-                      <a:headEnd type="none" w="med" len="med"/>
-                      <a:tailEnd type="none" w="med" len="med"/>
-                    </a:lnL>
-                    <a:lnR w="12700" cap="flat" cmpd="sng" algn="ctr">
-                      <a:solidFill>
-                        <a:srgbClr val="000000"/>
-                      </a:solidFill>
-                      <a:prstDash val="solid"/>
-                      <a:round/>
-                      <a:headEnd type="none" w="med" len="med"/>
-                      <a:tailEnd type="none" w="med" len="med"/>
-                    </a:lnR>
-                    <a:lnT w="12700" cap="flat" cmpd="sng" algn="ctr">
-                      <a:solidFill>
-                        <a:srgbClr val="000000"/>
-                      </a:solidFill>
-                      <a:prstDash val="solid"/>
-                      <a:round/>
-                      <a:headEnd type="none" w="med" len="med"/>
-                      <a:tailEnd type="none" w="med" len="med"/>
-                    </a:lnT>
-                    <a:lnB w="12700" cap="flat" cmpd="sng" algn="ctr">
-                      <a:solidFill>
-                        <a:srgbClr val="000000"/>
-                      </a:solidFill>
-                      <a:prstDash val="solid"/>
-                      <a:round/>
-                      <a:headEnd type="none" w="med" len="med"/>
-                      <a:tailEnd type="none" w="med" len="med"/>
-                    </a:lnB>
-                  </a:tcPr>
-                </a:tc>
-                <a:extLst>
-                  <a:ext uri="{0D108BD9-81ED-4DB2-BD59-A6C34878D82A}">
-                    <a16:rowId xmlns:a16="http://schemas.microsoft.com/office/drawing/2014/main" val="3983612618"/>
-                  </a:ext>
-                </a:extLst>
-              </a:tr>
-            </a:tbl>
-          </a:graphicData>
-        </a:graphic>
-      </p:graphicFrame>
+          <p:cNvPicPr>
+            <a:picLocks noChangeAspect="1"/>
+          </p:cNvPicPr>
+          <p:nvPr/>
+        </p:nvPicPr>
+        <p:blipFill>
+          <a:blip r:embed="rId3">
+            <a:extLst>
+              <a:ext uri="{28A0092B-C50C-407E-A947-70E740481C1C}">
+                <a14:useLocalDpi xmlns:a14="http://schemas.microsoft.com/office/drawing/2010/main" val="0"/>
+              </a:ext>
+            </a:extLst>
+          </a:blip>
+          <a:stretch>
+            <a:fillRect/>
+          </a:stretch>
+        </p:blipFill>
+        <p:spPr>
+          <a:xfrm>
+            <a:off x="6568209" y="1025909"/>
+            <a:ext cx="4935592" cy="4440436"/>
+          </a:xfrm>
+          <a:prstGeom prst="rect">
+            <a:avLst/>
+          </a:prstGeom>
+        </p:spPr>
+      </p:pic>
     </p:spTree>
     <p:extLst>
       <p:ext uri="{BB962C8B-B14F-4D97-AF65-F5344CB8AC3E}">
@@ -6164,7 +6244,811 @@
 </p:sld>
 </file>
 
-<file path=ppt/slides/slide12.xml><?xml version="1.0" encoding="utf-8"?>
+<file path=ppt/slides/slide14.xml><?xml version="1.0" encoding="utf-8"?>
+<p:sld xmlns:a="http://schemas.openxmlformats.org/drawingml/2006/main" xmlns:r="http://schemas.openxmlformats.org/officeDocument/2006/relationships" xmlns:p="http://schemas.openxmlformats.org/presentationml/2006/main">
+  <p:cSld>
+    <p:bg>
+      <p:bgPr>
+        <a:gradFill rotWithShape="1">
+          <a:gsLst>
+            <a:gs pos="0">
+              <a:schemeClr val="bg2">
+                <a:tint val="94000"/>
+                <a:satMod val="80000"/>
+                <a:lumMod val="106000"/>
+              </a:schemeClr>
+            </a:gs>
+            <a:gs pos="100000">
+              <a:schemeClr val="bg2">
+                <a:shade val="80000"/>
+              </a:schemeClr>
+            </a:gs>
+          </a:gsLst>
+          <a:path path="circle">
+            <a:fillToRect l="43000" r="43000" b="100000"/>
+          </a:path>
+        </a:gradFill>
+        <a:effectLst/>
+      </p:bgPr>
+    </p:bg>
+    <p:spTree>
+      <p:nvGrpSpPr>
+        <p:cNvPr id="1" name=""/>
+        <p:cNvGrpSpPr/>
+        <p:nvPr/>
+      </p:nvGrpSpPr>
+      <p:grpSpPr>
+        <a:xfrm>
+          <a:off x="0" y="0"/>
+          <a:ext cx="0" cy="0"/>
+          <a:chOff x="0" y="0"/>
+          <a:chExt cx="0" cy="0"/>
+        </a:xfrm>
+      </p:grpSpPr>
+      <p:sp useBgFill="1">
+        <p:nvSpPr>
+          <p:cNvPr id="12" name="Rectangle 11">
+            <a:extLst>
+              <a:ext uri="{FF2B5EF4-FFF2-40B4-BE49-F238E27FC236}">
+                <a16:creationId xmlns:a16="http://schemas.microsoft.com/office/drawing/2014/main" id="{35C3D674-3D59-4E93-80CA-0C0A9095E816}"/>
+              </a:ext>
+              <a:ext uri="{C183D7F6-B498-43B3-948B-1728B52AA6E4}">
+                <adec:decorative xmlns:adec="http://schemas.microsoft.com/office/drawing/2017/decorative" val="1"/>
+              </a:ext>
+            </a:extLst>
+          </p:cNvPr>
+          <p:cNvSpPr>
+            <a:spLocks noGrp="1" noRot="1" noChangeAspect="1" noMove="1" noResize="1" noEditPoints="1" noAdjustHandles="1" noChangeArrowheads="1" noChangeShapeType="1" noTextEdit="1"/>
+          </p:cNvSpPr>
+          <p:nvPr>
+            <p:extLst>
+              <p:ext uri="{386F3935-93C4-4BCD-93E2-E3B085C9AB24}">
+                <p16:designElem xmlns:p16="http://schemas.microsoft.com/office/powerpoint/2015/main" val="1"/>
+              </p:ext>
+            </p:extLst>
+          </p:nvPr>
+        </p:nvSpPr>
+        <p:spPr>
+          <a:xfrm>
+            <a:off x="2" y="0"/>
+            <a:ext cx="12191695" cy="6858000"/>
+          </a:xfrm>
+          <a:prstGeom prst="rect">
+            <a:avLst/>
+          </a:prstGeom>
+          <a:ln>
+            <a:noFill/>
+          </a:ln>
+        </p:spPr>
+        <p:style>
+          <a:lnRef idx="2">
+            <a:schemeClr val="accent1">
+              <a:shade val="50000"/>
+            </a:schemeClr>
+          </a:lnRef>
+          <a:fillRef idx="1">
+            <a:schemeClr val="accent1"/>
+          </a:fillRef>
+          <a:effectRef idx="0">
+            <a:schemeClr val="accent1"/>
+          </a:effectRef>
+          <a:fontRef idx="minor">
+            <a:schemeClr val="lt1"/>
+          </a:fontRef>
+        </p:style>
+        <p:txBody>
+          <a:bodyPr rtlCol="0" anchor="ctr"/>
+          <a:lstStyle/>
+          <a:p>
+            <a:pPr algn="ctr"/>
+            <a:endParaRPr lang="en-US"/>
+          </a:p>
+        </p:txBody>
+      </p:sp>
+      <p:cxnSp>
+        <p:nvCxnSpPr>
+          <p:cNvPr id="14" name="Straight Connector 13">
+            <a:extLst>
+              <a:ext uri="{FF2B5EF4-FFF2-40B4-BE49-F238E27FC236}">
+                <a16:creationId xmlns:a16="http://schemas.microsoft.com/office/drawing/2014/main" id="{C884B8F8-FDC9-498B-9960-5D7260AFCB03}"/>
+              </a:ext>
+              <a:ext uri="{C183D7F6-B498-43B3-948B-1728B52AA6E4}">
+                <adec:decorative xmlns:adec="http://schemas.microsoft.com/office/drawing/2017/decorative" val="1"/>
+              </a:ext>
+            </a:extLst>
+          </p:cNvPr>
+          <p:cNvCxnSpPr>
+            <a:cxnSpLocks noGrp="1" noRot="1" noChangeAspect="1" noMove="1" noResize="1" noEditPoints="1" noAdjustHandles="1" noChangeArrowheads="1" noChangeShapeType="1"/>
+          </p:cNvCxnSpPr>
+          <p:nvPr>
+            <p:extLst>
+              <p:ext uri="{386F3935-93C4-4BCD-93E2-E3B085C9AB24}">
+                <p16:designElem xmlns:p16="http://schemas.microsoft.com/office/powerpoint/2015/main" val="1"/>
+              </p:ext>
+            </p:extLst>
+          </p:nvPr>
+        </p:nvCxnSpPr>
+        <p:spPr>
+          <a:xfrm>
+            <a:off x="1453896" y="1847088"/>
+            <a:ext cx="4177373" cy="0"/>
+          </a:xfrm>
+          <a:prstGeom prst="line">
+            <a:avLst/>
+          </a:prstGeom>
+          <a:ln w="31750"/>
+        </p:spPr>
+        <p:style>
+          <a:lnRef idx="3">
+            <a:schemeClr val="accent1"/>
+          </a:lnRef>
+          <a:fillRef idx="0">
+            <a:schemeClr val="accent1"/>
+          </a:fillRef>
+          <a:effectRef idx="2">
+            <a:schemeClr val="accent1"/>
+          </a:effectRef>
+          <a:fontRef idx="minor">
+            <a:schemeClr val="tx1"/>
+          </a:fontRef>
+        </p:style>
+      </p:cxnSp>
+      <p:sp>
+        <p:nvSpPr>
+          <p:cNvPr id="2" name="Title 1">
+            <a:extLst>
+              <a:ext uri="{FF2B5EF4-FFF2-40B4-BE49-F238E27FC236}">
+                <a16:creationId xmlns:a16="http://schemas.microsoft.com/office/drawing/2014/main" id="{02A83018-294B-4FF7-A376-1D4CEE17FB81}"/>
+              </a:ext>
+            </a:extLst>
+          </p:cNvPr>
+          <p:cNvSpPr>
+            <a:spLocks noGrp="1"/>
+          </p:cNvSpPr>
+          <p:nvPr>
+            <p:ph type="title"/>
+          </p:nvPr>
+        </p:nvSpPr>
+        <p:spPr>
+          <a:xfrm>
+            <a:off x="1451580" y="804520"/>
+            <a:ext cx="4176511" cy="1049235"/>
+          </a:xfrm>
+        </p:spPr>
+        <p:txBody>
+          <a:bodyPr vert="horz" lIns="91440" tIns="45720" rIns="91440" bIns="45720" rtlCol="0" anchor="t">
+            <a:normAutofit/>
+          </a:bodyPr>
+          <a:lstStyle/>
+          <a:p>
+            <a:r>
+              <a:rPr lang="en-US" dirty="0"/>
+              <a:t>Decision Trees Structure</a:t>
+            </a:r>
+          </a:p>
+        </p:txBody>
+      </p:sp>
+      <p:sp>
+        <p:nvSpPr>
+          <p:cNvPr id="16" name="Rectangle 15">
+            <a:extLst>
+              <a:ext uri="{FF2B5EF4-FFF2-40B4-BE49-F238E27FC236}">
+                <a16:creationId xmlns:a16="http://schemas.microsoft.com/office/drawing/2014/main" id="{EF2A81E1-BCBE-426B-8C09-33274E69409D}"/>
+              </a:ext>
+              <a:ext uri="{C183D7F6-B498-43B3-948B-1728B52AA6E4}">
+                <adec:decorative xmlns:adec="http://schemas.microsoft.com/office/drawing/2017/decorative" val="1"/>
+              </a:ext>
+            </a:extLst>
+          </p:cNvPr>
+          <p:cNvSpPr>
+            <a:spLocks noGrp="1" noRot="1" noChangeAspect="1" noMove="1" noResize="1" noEditPoints="1" noAdjustHandles="1" noChangeArrowheads="1" noChangeShapeType="1" noTextEdit="1"/>
+          </p:cNvSpPr>
+          <p:nvPr>
+            <p:extLst>
+              <p:ext uri="{386F3935-93C4-4BCD-93E2-E3B085C9AB24}">
+                <p16:designElem xmlns:p16="http://schemas.microsoft.com/office/powerpoint/2015/main" val="1"/>
+              </p:ext>
+            </p:extLst>
+          </p:nvPr>
+        </p:nvSpPr>
+        <p:spPr>
+          <a:xfrm>
+            <a:off x="0" y="2019476"/>
+            <a:ext cx="12192000" cy="4105941"/>
+          </a:xfrm>
+          <a:prstGeom prst="rect">
+            <a:avLst/>
+          </a:prstGeom>
+          <a:gradFill flip="none" rotWithShape="1">
+            <a:gsLst>
+              <a:gs pos="0">
+                <a:schemeClr val="bg2">
+                  <a:alpha val="0"/>
+                </a:schemeClr>
+              </a:gs>
+              <a:gs pos="100000">
+                <a:schemeClr val="bg2"/>
+              </a:gs>
+            </a:gsLst>
+            <a:lin ang="5400000" scaled="0"/>
+            <a:tileRect/>
+          </a:gradFill>
+          <a:ln>
+            <a:noFill/>
+          </a:ln>
+        </p:spPr>
+        <p:style>
+          <a:lnRef idx="2">
+            <a:schemeClr val="accent1">
+              <a:shade val="50000"/>
+            </a:schemeClr>
+          </a:lnRef>
+          <a:fillRef idx="1">
+            <a:schemeClr val="accent1"/>
+          </a:fillRef>
+          <a:effectRef idx="0">
+            <a:schemeClr val="accent1"/>
+          </a:effectRef>
+          <a:fontRef idx="minor">
+            <a:schemeClr val="lt1"/>
+          </a:fontRef>
+        </p:style>
+        <p:txBody>
+          <a:bodyPr rtlCol="0" anchor="ctr"/>
+          <a:lstStyle/>
+          <a:p>
+            <a:pPr lvl="0" algn="ctr"/>
+            <a:endParaRPr lang="en-US"/>
+          </a:p>
+        </p:txBody>
+      </p:sp>
+      <p:sp>
+        <p:nvSpPr>
+          <p:cNvPr id="5" name="TextBox 4">
+            <a:extLst>
+              <a:ext uri="{FF2B5EF4-FFF2-40B4-BE49-F238E27FC236}">
+                <a16:creationId xmlns:a16="http://schemas.microsoft.com/office/drawing/2014/main" id="{2619508F-5B24-4596-96B8-657A8D10411D}"/>
+              </a:ext>
+            </a:extLst>
+          </p:cNvPr>
+          <p:cNvSpPr txBox="1"/>
+          <p:nvPr/>
+        </p:nvSpPr>
+        <p:spPr>
+          <a:xfrm>
+            <a:off x="1451581" y="2015732"/>
+            <a:ext cx="4172212" cy="3450613"/>
+          </a:xfrm>
+        </p:spPr>
+        <p:txBody>
+          <a:bodyPr vert="horz" lIns="91440" tIns="45720" rIns="91440" bIns="45720" rtlCol="0" anchor="t">
+            <a:normAutofit/>
+          </a:bodyPr>
+          <a:lstStyle/>
+          <a:p>
+            <a:pPr marL="285750" indent="-228600" defTabSz="914400">
+              <a:lnSpc>
+                <a:spcPct val="120000"/>
+              </a:lnSpc>
+              <a:spcAft>
+                <a:spcPts val="600"/>
+              </a:spcAft>
+              <a:buClr>
+                <a:schemeClr val="accent1"/>
+              </a:buClr>
+              <a:buSzPct val="100000"/>
+              <a:buFont typeface="Arial" panose="020B0604020202020204" pitchFamily="34" charset="0"/>
+              <a:buChar char="•"/>
+            </a:pPr>
+            <a:r>
+              <a:rPr lang="en-US" sz="2400" dirty="0"/>
+              <a:t>30 Levels</a:t>
+            </a:r>
+          </a:p>
+          <a:p>
+            <a:pPr marL="285750" indent="-228600" defTabSz="914400">
+              <a:lnSpc>
+                <a:spcPct val="120000"/>
+              </a:lnSpc>
+              <a:spcAft>
+                <a:spcPts val="600"/>
+              </a:spcAft>
+              <a:buClr>
+                <a:schemeClr val="accent1"/>
+              </a:buClr>
+              <a:buSzPct val="100000"/>
+              <a:buFont typeface="Arial" panose="020B0604020202020204" pitchFamily="34" charset="0"/>
+              <a:buChar char="•"/>
+            </a:pPr>
+            <a:r>
+              <a:rPr lang="en-US" sz="2400" dirty="0"/>
+              <a:t>113 nodes</a:t>
+            </a:r>
+          </a:p>
+          <a:p>
+            <a:pPr marL="57150" defTabSz="914400">
+              <a:lnSpc>
+                <a:spcPct val="120000"/>
+              </a:lnSpc>
+              <a:spcAft>
+                <a:spcPts val="600"/>
+              </a:spcAft>
+              <a:buClr>
+                <a:schemeClr val="accent1"/>
+              </a:buClr>
+              <a:buSzPct val="100000"/>
+            </a:pPr>
+            <a:r>
+              <a:rPr lang="en-US" dirty="0"/>
+              <a:t> </a:t>
+            </a:r>
+          </a:p>
+        </p:txBody>
+      </p:sp>
+      <p:pic>
+        <p:nvPicPr>
+          <p:cNvPr id="18" name="Picture 17">
+            <a:extLst>
+              <a:ext uri="{FF2B5EF4-FFF2-40B4-BE49-F238E27FC236}">
+                <a16:creationId xmlns:a16="http://schemas.microsoft.com/office/drawing/2014/main" id="{39D1DDD4-5BB3-45BA-B9B3-06B62299AD79}"/>
+              </a:ext>
+              <a:ext uri="{C183D7F6-B498-43B3-948B-1728B52AA6E4}">
+                <adec:decorative xmlns:adec="http://schemas.microsoft.com/office/drawing/2017/decorative" val="1"/>
+              </a:ext>
+            </a:extLst>
+          </p:cNvPr>
+          <p:cNvPicPr>
+            <a:picLocks noGrp="1" noRot="1" noChangeAspect="1" noMove="1" noResize="1" noEditPoints="1" noAdjustHandles="1" noChangeArrowheads="1" noChangeShapeType="1" noCrop="1"/>
+          </p:cNvPicPr>
+          <p:nvPr>
+            <p:extLst>
+              <p:ext uri="{386F3935-93C4-4BCD-93E2-E3B085C9AB24}">
+                <p16:designElem xmlns:p16="http://schemas.microsoft.com/office/powerpoint/2015/main" val="1"/>
+              </p:ext>
+            </p:extLst>
+          </p:nvPr>
+        </p:nvPicPr>
+        <p:blipFill rotWithShape="1">
+          <a:blip r:embed="rId2">
+            <a:extLst>
+              <a:ext uri="{28A0092B-C50C-407E-A947-70E740481C1C}">
+                <a14:useLocalDpi xmlns:a14="http://schemas.microsoft.com/office/drawing/2010/main" val="0"/>
+              </a:ext>
+            </a:extLst>
+          </a:blip>
+          <a:srcRect t="1538" b="-1538"/>
+          <a:stretch/>
+        </p:blipFill>
+        <p:spPr bwMode="black">
+          <a:xfrm>
+            <a:off x="0" y="6126480"/>
+            <a:ext cx="12192000" cy="742950"/>
+          </a:xfrm>
+          <a:prstGeom prst="rect">
+            <a:avLst/>
+          </a:prstGeom>
+        </p:spPr>
+      </p:pic>
+      <p:cxnSp>
+        <p:nvCxnSpPr>
+          <p:cNvPr id="20" name="Straight Connector 19">
+            <a:extLst>
+              <a:ext uri="{FF2B5EF4-FFF2-40B4-BE49-F238E27FC236}">
+                <a16:creationId xmlns:a16="http://schemas.microsoft.com/office/drawing/2014/main" id="{A24DAE64-2302-42EA-8239-F2F0775CA5AD}"/>
+              </a:ext>
+              <a:ext uri="{C183D7F6-B498-43B3-948B-1728B52AA6E4}">
+                <adec:decorative xmlns:adec="http://schemas.microsoft.com/office/drawing/2017/decorative" val="1"/>
+              </a:ext>
+            </a:extLst>
+          </p:cNvPr>
+          <p:cNvCxnSpPr>
+            <a:cxnSpLocks noGrp="1" noRot="1" noChangeAspect="1" noMove="1" noResize="1" noEditPoints="1" noAdjustHandles="1" noChangeArrowheads="1" noChangeShapeType="1"/>
+          </p:cNvCxnSpPr>
+          <p:nvPr>
+            <p:extLst>
+              <p:ext uri="{386F3935-93C4-4BCD-93E2-E3B085C9AB24}">
+                <p16:designElem xmlns:p16="http://schemas.microsoft.com/office/powerpoint/2015/main" val="1"/>
+              </p:ext>
+            </p:extLst>
+          </p:nvPr>
+        </p:nvCxnSpPr>
+        <p:spPr>
+          <a:xfrm>
+            <a:off x="0" y="6128413"/>
+            <a:ext cx="12192000" cy="0"/>
+          </a:xfrm>
+          <a:prstGeom prst="line">
+            <a:avLst/>
+          </a:prstGeom>
+          <a:ln w="12700">
+            <a:solidFill>
+              <a:srgbClr val="000001">
+                <a:alpha val="20000"/>
+              </a:srgbClr>
+            </a:solidFill>
+          </a:ln>
+        </p:spPr>
+        <p:style>
+          <a:lnRef idx="1">
+            <a:schemeClr val="accent1"/>
+          </a:lnRef>
+          <a:fillRef idx="0">
+            <a:schemeClr val="accent1"/>
+          </a:fillRef>
+          <a:effectRef idx="0">
+            <a:schemeClr val="accent1"/>
+          </a:effectRef>
+          <a:fontRef idx="minor">
+            <a:schemeClr val="tx1"/>
+          </a:fontRef>
+        </p:style>
+      </p:cxnSp>
+      <p:pic>
+        <p:nvPicPr>
+          <p:cNvPr id="6" name="Picture 5" descr="A screenshot of a cell phone&#10;&#10;Description automatically generated">
+            <a:extLst>
+              <a:ext uri="{FF2B5EF4-FFF2-40B4-BE49-F238E27FC236}">
+                <a16:creationId xmlns:a16="http://schemas.microsoft.com/office/drawing/2014/main" id="{B7075D2C-7074-4D62-97CC-74833D8C6171}"/>
+              </a:ext>
+            </a:extLst>
+          </p:cNvPr>
+          <p:cNvPicPr>
+            <a:picLocks noChangeAspect="1"/>
+          </p:cNvPicPr>
+          <p:nvPr/>
+        </p:nvPicPr>
+        <p:blipFill>
+          <a:blip r:embed="rId3">
+            <a:extLst>
+              <a:ext uri="{28A0092B-C50C-407E-A947-70E740481C1C}">
+                <a14:useLocalDpi xmlns:a14="http://schemas.microsoft.com/office/drawing/2010/main" val="0"/>
+              </a:ext>
+            </a:extLst>
+          </a:blip>
+          <a:stretch>
+            <a:fillRect/>
+          </a:stretch>
+        </p:blipFill>
+        <p:spPr>
+          <a:xfrm>
+            <a:off x="5638392" y="203200"/>
+            <a:ext cx="5802528" cy="5658101"/>
+          </a:xfrm>
+          <a:prstGeom prst="rect">
+            <a:avLst/>
+          </a:prstGeom>
+        </p:spPr>
+      </p:pic>
+    </p:spTree>
+    <p:extLst>
+      <p:ext uri="{BB962C8B-B14F-4D97-AF65-F5344CB8AC3E}">
+        <p14:creationId xmlns:p14="http://schemas.microsoft.com/office/powerpoint/2010/main" val="2022520886"/>
+      </p:ext>
+    </p:extLst>
+  </p:cSld>
+  <p:clrMapOvr>
+    <a:masterClrMapping/>
+  </p:clrMapOvr>
+</p:sld>
+</file>
+
+<file path=ppt/slides/slide15.xml><?xml version="1.0" encoding="utf-8"?>
+<p:sld xmlns:a="http://schemas.openxmlformats.org/drawingml/2006/main" xmlns:r="http://schemas.openxmlformats.org/officeDocument/2006/relationships" xmlns:p="http://schemas.openxmlformats.org/presentationml/2006/main">
+  <p:cSld>
+    <p:spTree>
+      <p:nvGrpSpPr>
+        <p:cNvPr id="1" name=""/>
+        <p:cNvGrpSpPr/>
+        <p:nvPr/>
+      </p:nvGrpSpPr>
+      <p:grpSpPr>
+        <a:xfrm>
+          <a:off x="0" y="0"/>
+          <a:ext cx="0" cy="0"/>
+          <a:chOff x="0" y="0"/>
+          <a:chExt cx="0" cy="0"/>
+        </a:xfrm>
+      </p:grpSpPr>
+      <p:sp>
+        <p:nvSpPr>
+          <p:cNvPr id="6" name="Title 5">
+            <a:extLst>
+              <a:ext uri="{FF2B5EF4-FFF2-40B4-BE49-F238E27FC236}">
+                <a16:creationId xmlns:a16="http://schemas.microsoft.com/office/drawing/2014/main" id="{15FAD748-4B65-4DB8-9056-41C49EC84CBB}"/>
+              </a:ext>
+            </a:extLst>
+          </p:cNvPr>
+          <p:cNvSpPr>
+            <a:spLocks noGrp="1"/>
+          </p:cNvSpPr>
+          <p:nvPr>
+            <p:ph type="title"/>
+          </p:nvPr>
+        </p:nvSpPr>
+        <p:spPr/>
+        <p:txBody>
+          <a:bodyPr/>
+          <a:lstStyle/>
+          <a:p>
+            <a:r>
+              <a:rPr lang="en-US" dirty="0"/>
+              <a:t>Can We Do Better?</a:t>
+            </a:r>
+          </a:p>
+        </p:txBody>
+      </p:sp>
+      <p:sp>
+        <p:nvSpPr>
+          <p:cNvPr id="7" name="Text Placeholder 6">
+            <a:extLst>
+              <a:ext uri="{FF2B5EF4-FFF2-40B4-BE49-F238E27FC236}">
+                <a16:creationId xmlns:a16="http://schemas.microsoft.com/office/drawing/2014/main" id="{5B4A8766-DDEB-488B-8D9D-8ABE4441862B}"/>
+              </a:ext>
+            </a:extLst>
+          </p:cNvPr>
+          <p:cNvSpPr>
+            <a:spLocks noGrp="1"/>
+          </p:cNvSpPr>
+          <p:nvPr>
+            <p:ph type="body" idx="1"/>
+          </p:nvPr>
+        </p:nvSpPr>
+        <p:spPr/>
+        <p:txBody>
+          <a:bodyPr/>
+          <a:lstStyle/>
+          <a:p>
+            <a:r>
+              <a:rPr lang="en-US" dirty="0"/>
+              <a:t>Let's try again with a Random Forests Model</a:t>
+            </a:r>
+          </a:p>
+        </p:txBody>
+      </p:sp>
+    </p:spTree>
+    <p:extLst>
+      <p:ext uri="{BB962C8B-B14F-4D97-AF65-F5344CB8AC3E}">
+        <p14:creationId xmlns:p14="http://schemas.microsoft.com/office/powerpoint/2010/main" val="509705175"/>
+      </p:ext>
+    </p:extLst>
+  </p:cSld>
+  <p:clrMapOvr>
+    <a:masterClrMapping/>
+  </p:clrMapOvr>
+</p:sld>
+</file>
+
+<file path=ppt/slides/slide16.xml><?xml version="1.0" encoding="utf-8"?>
+<p:sld xmlns:a="http://schemas.openxmlformats.org/drawingml/2006/main" xmlns:r="http://schemas.openxmlformats.org/officeDocument/2006/relationships" xmlns:p="http://schemas.openxmlformats.org/presentationml/2006/main">
+  <p:cSld>
+    <p:spTree>
+      <p:nvGrpSpPr>
+        <p:cNvPr id="1" name=""/>
+        <p:cNvGrpSpPr/>
+        <p:nvPr/>
+      </p:nvGrpSpPr>
+      <p:grpSpPr>
+        <a:xfrm>
+          <a:off x="0" y="0"/>
+          <a:ext cx="0" cy="0"/>
+          <a:chOff x="0" y="0"/>
+          <a:chExt cx="0" cy="0"/>
+        </a:xfrm>
+      </p:grpSpPr>
+      <p:sp>
+        <p:nvSpPr>
+          <p:cNvPr id="2" name="Title 1">
+            <a:extLst>
+              <a:ext uri="{FF2B5EF4-FFF2-40B4-BE49-F238E27FC236}">
+                <a16:creationId xmlns:a16="http://schemas.microsoft.com/office/drawing/2014/main" id="{F3AF2504-A2D4-474B-A5B6-AB528B5BB432}"/>
+              </a:ext>
+            </a:extLst>
+          </p:cNvPr>
+          <p:cNvSpPr>
+            <a:spLocks noGrp="1"/>
+          </p:cNvSpPr>
+          <p:nvPr>
+            <p:ph type="title"/>
+          </p:nvPr>
+        </p:nvSpPr>
+        <p:spPr/>
+        <p:txBody>
+          <a:bodyPr/>
+          <a:lstStyle/>
+          <a:p>
+            <a:r>
+              <a:rPr lang="en-US" dirty="0"/>
+              <a:t>Creating The Random Forests model</a:t>
+            </a:r>
+          </a:p>
+        </p:txBody>
+      </p:sp>
+      <p:sp>
+        <p:nvSpPr>
+          <p:cNvPr id="5" name="Content Placeholder 4">
+            <a:extLst>
+              <a:ext uri="{FF2B5EF4-FFF2-40B4-BE49-F238E27FC236}">
+                <a16:creationId xmlns:a16="http://schemas.microsoft.com/office/drawing/2014/main" id="{56C199E6-DA92-49E5-B7B2-25A4B4F2A205}"/>
+              </a:ext>
+            </a:extLst>
+          </p:cNvPr>
+          <p:cNvSpPr>
+            <a:spLocks noGrp="1"/>
+          </p:cNvSpPr>
+          <p:nvPr>
+            <p:ph idx="1"/>
+          </p:nvPr>
+        </p:nvSpPr>
+        <p:spPr/>
+        <p:txBody>
+          <a:bodyPr/>
+          <a:lstStyle/>
+          <a:p>
+            <a:r>
+              <a:rPr lang="en-US" dirty="0"/>
+              <a:t>Random forest model implemented</a:t>
+            </a:r>
+          </a:p>
+          <a:p>
+            <a:r>
+              <a:rPr lang="en-US" dirty="0"/>
+              <a:t>Model overview:</a:t>
+            </a:r>
+          </a:p>
+          <a:p>
+            <a:pPr lvl="1"/>
+            <a:r>
+              <a:rPr lang="en-US" dirty="0"/>
+              <a:t>Predictive features: 36 Symptoms</a:t>
+            </a:r>
+          </a:p>
+          <a:p>
+            <a:pPr lvl="1"/>
+            <a:r>
+              <a:rPr lang="en-US" dirty="0"/>
+              <a:t>Target variable: Triage Classification (4 possible outcomes)</a:t>
+            </a:r>
+          </a:p>
+          <a:p>
+            <a:r>
+              <a:rPr lang="en-US" dirty="0"/>
+              <a:t>Technologies used</a:t>
+            </a:r>
+          </a:p>
+          <a:p>
+            <a:pPr lvl="1"/>
+            <a:r>
+              <a:rPr lang="en-US" dirty="0"/>
+              <a:t>Scikit-learn for model building.</a:t>
+            </a:r>
+          </a:p>
+          <a:p>
+            <a:endParaRPr lang="en-US" dirty="0"/>
+          </a:p>
+        </p:txBody>
+      </p:sp>
+    </p:spTree>
+    <p:extLst>
+      <p:ext uri="{BB962C8B-B14F-4D97-AF65-F5344CB8AC3E}">
+        <p14:creationId xmlns:p14="http://schemas.microsoft.com/office/powerpoint/2010/main" val="2942129641"/>
+      </p:ext>
+    </p:extLst>
+  </p:cSld>
+  <p:clrMapOvr>
+    <a:masterClrMapping/>
+  </p:clrMapOvr>
+</p:sld>
+</file>
+
+<file path=ppt/slides/slide17.xml><?xml version="1.0" encoding="utf-8"?>
+<p:sld xmlns:a="http://schemas.openxmlformats.org/drawingml/2006/main" xmlns:r="http://schemas.openxmlformats.org/officeDocument/2006/relationships" xmlns:p="http://schemas.openxmlformats.org/presentationml/2006/main">
+  <p:cSld>
+    <p:spTree>
+      <p:nvGrpSpPr>
+        <p:cNvPr id="1" name=""/>
+        <p:cNvGrpSpPr/>
+        <p:nvPr/>
+      </p:nvGrpSpPr>
+      <p:grpSpPr>
+        <a:xfrm>
+          <a:off x="0" y="0"/>
+          <a:ext cx="0" cy="0"/>
+          <a:chOff x="0" y="0"/>
+          <a:chExt cx="0" cy="0"/>
+        </a:xfrm>
+      </p:grpSpPr>
+      <p:sp>
+        <p:nvSpPr>
+          <p:cNvPr id="2" name="Title 1">
+            <a:extLst>
+              <a:ext uri="{FF2B5EF4-FFF2-40B4-BE49-F238E27FC236}">
+                <a16:creationId xmlns:a16="http://schemas.microsoft.com/office/drawing/2014/main" id="{FBD21B48-0616-4857-83D1-A9BC52C5EDF9}"/>
+              </a:ext>
+            </a:extLst>
+          </p:cNvPr>
+          <p:cNvSpPr>
+            <a:spLocks noGrp="1"/>
+          </p:cNvSpPr>
+          <p:nvPr>
+            <p:ph type="title"/>
+          </p:nvPr>
+        </p:nvSpPr>
+        <p:spPr/>
+        <p:txBody>
+          <a:bodyPr/>
+          <a:lstStyle/>
+          <a:p>
+            <a:r>
+              <a:rPr lang="en-US" dirty="0"/>
+              <a:t>Random Forests Model Steps</a:t>
+            </a:r>
+          </a:p>
+        </p:txBody>
+      </p:sp>
+      <p:sp>
+        <p:nvSpPr>
+          <p:cNvPr id="3" name="Content Placeholder 2">
+            <a:extLst>
+              <a:ext uri="{FF2B5EF4-FFF2-40B4-BE49-F238E27FC236}">
+                <a16:creationId xmlns:a16="http://schemas.microsoft.com/office/drawing/2014/main" id="{D89BCAA7-5E5B-4A97-AC08-66F0876E37A5}"/>
+              </a:ext>
+            </a:extLst>
+          </p:cNvPr>
+          <p:cNvSpPr>
+            <a:spLocks noGrp="1"/>
+          </p:cNvSpPr>
+          <p:nvPr>
+            <p:ph idx="1"/>
+          </p:nvPr>
+        </p:nvSpPr>
+        <p:spPr/>
+        <p:txBody>
+          <a:bodyPr/>
+          <a:lstStyle/>
+          <a:p>
+            <a:r>
+              <a:rPr lang="en-US" dirty="0"/>
+              <a:t>Split data using stratified 80/20 train/test split.</a:t>
+            </a:r>
+          </a:p>
+          <a:p>
+            <a:pPr lvl="1"/>
+            <a:r>
+              <a:rPr lang="en-US" dirty="0"/>
+              <a:t>This allows part of the data to be unseen by the model until testing – this allows us to confirm accuracy of model.</a:t>
+            </a:r>
+          </a:p>
+          <a:p>
+            <a:r>
+              <a:rPr lang="en-US" dirty="0"/>
+              <a:t>10 estimators and entropy criterion </a:t>
+            </a:r>
+          </a:p>
+          <a:p>
+            <a:r>
+              <a:rPr lang="en-US" dirty="0"/>
+              <a:t>Random State = 42</a:t>
+            </a:r>
+          </a:p>
+          <a:p>
+            <a:endParaRPr lang="en-US" dirty="0"/>
+          </a:p>
+        </p:txBody>
+      </p:sp>
+    </p:spTree>
+    <p:extLst>
+      <p:ext uri="{BB962C8B-B14F-4D97-AF65-F5344CB8AC3E}">
+        <p14:creationId xmlns:p14="http://schemas.microsoft.com/office/powerpoint/2010/main" val="231327861"/>
+      </p:ext>
+    </p:extLst>
+  </p:cSld>
+  <p:clrMapOvr>
+    <a:masterClrMapping/>
+  </p:clrMapOvr>
+</p:sld>
+</file>
+
+<file path=ppt/slides/slide18.xml><?xml version="1.0" encoding="utf-8"?>
 <p:sld xmlns:a="http://schemas.openxmlformats.org/drawingml/2006/main" xmlns:r="http://schemas.openxmlformats.org/officeDocument/2006/relationships" xmlns:p="http://schemas.openxmlformats.org/presentationml/2006/main">
   <p:cSld>
     <p:spTree>
@@ -6204,7 +7088,759 @@
           <a:p>
             <a:r>
               <a:rPr lang="en-US" dirty="0"/>
-              <a:t>Model Explanations </a:t>
+              <a:t>Random Forests Model Accuracy</a:t>
+            </a:r>
+          </a:p>
+        </p:txBody>
+      </p:sp>
+      <p:sp>
+        <p:nvSpPr>
+          <p:cNvPr id="3" name="Content Placeholder 2">
+            <a:extLst>
+              <a:ext uri="{FF2B5EF4-FFF2-40B4-BE49-F238E27FC236}">
+                <a16:creationId xmlns:a16="http://schemas.microsoft.com/office/drawing/2014/main" id="{BE3B2F80-C10C-4662-BEE6-489F3724D5EB}"/>
+              </a:ext>
+            </a:extLst>
+          </p:cNvPr>
+          <p:cNvSpPr>
+            <a:spLocks noGrp="1"/>
+          </p:cNvSpPr>
+          <p:nvPr>
+            <p:ph idx="1"/>
+          </p:nvPr>
+        </p:nvSpPr>
+        <p:spPr/>
+        <p:txBody>
+          <a:bodyPr>
+            <a:normAutofit/>
+          </a:bodyPr>
+          <a:lstStyle/>
+          <a:p>
+            <a:r>
+              <a:rPr lang="en-US" dirty="0"/>
+              <a:t>Same Results as Decision Tree Model</a:t>
+            </a:r>
+          </a:p>
+          <a:p>
+            <a:r>
+              <a:rPr lang="en-US" dirty="0"/>
+              <a:t>Training Accuracy: 90%</a:t>
+            </a:r>
+          </a:p>
+          <a:p>
+            <a:r>
+              <a:rPr lang="en-US" dirty="0"/>
+              <a:t>Testing Accuracy: 88%</a:t>
+            </a:r>
+          </a:p>
+          <a:p>
+            <a:r>
+              <a:rPr lang="en-US" dirty="0"/>
+              <a:t>This indicates that the model is very accurate overall, but is slightly overfitted</a:t>
+            </a:r>
+          </a:p>
+          <a:p>
+            <a:r>
+              <a:rPr lang="en-US" dirty="0"/>
+              <a:t>Overall F1 Score: 0.89</a:t>
+            </a:r>
+          </a:p>
+          <a:p>
+            <a:pPr marL="0" indent="0">
+              <a:buNone/>
+            </a:pPr>
+            <a:endParaRPr lang="en-US" dirty="0"/>
+          </a:p>
+          <a:p>
+            <a:endParaRPr lang="en-US" dirty="0"/>
+          </a:p>
+        </p:txBody>
+      </p:sp>
+    </p:spTree>
+    <p:extLst>
+      <p:ext uri="{BB962C8B-B14F-4D97-AF65-F5344CB8AC3E}">
+        <p14:creationId xmlns:p14="http://schemas.microsoft.com/office/powerpoint/2010/main" val="3099436433"/>
+      </p:ext>
+    </p:extLst>
+  </p:cSld>
+  <p:clrMapOvr>
+    <a:masterClrMapping/>
+  </p:clrMapOvr>
+</p:sld>
+</file>
+
+<file path=ppt/slides/slide19.xml><?xml version="1.0" encoding="utf-8"?>
+<p:sld xmlns:a="http://schemas.openxmlformats.org/drawingml/2006/main" xmlns:r="http://schemas.openxmlformats.org/officeDocument/2006/relationships" xmlns:p="http://schemas.openxmlformats.org/presentationml/2006/main">
+  <p:cSld>
+    <p:bg>
+      <p:bgPr>
+        <a:gradFill rotWithShape="1">
+          <a:gsLst>
+            <a:gs pos="0">
+              <a:schemeClr val="bg2">
+                <a:tint val="94000"/>
+                <a:satMod val="80000"/>
+                <a:lumMod val="106000"/>
+              </a:schemeClr>
+            </a:gs>
+            <a:gs pos="100000">
+              <a:schemeClr val="bg2">
+                <a:shade val="80000"/>
+              </a:schemeClr>
+            </a:gs>
+          </a:gsLst>
+          <a:path path="circle">
+            <a:fillToRect l="43000" r="43000" b="100000"/>
+          </a:path>
+        </a:gradFill>
+        <a:effectLst/>
+      </p:bgPr>
+    </p:bg>
+    <p:spTree>
+      <p:nvGrpSpPr>
+        <p:cNvPr id="1" name=""/>
+        <p:cNvGrpSpPr/>
+        <p:nvPr/>
+      </p:nvGrpSpPr>
+      <p:grpSpPr>
+        <a:xfrm>
+          <a:off x="0" y="0"/>
+          <a:ext cx="0" cy="0"/>
+          <a:chOff x="0" y="0"/>
+          <a:chExt cx="0" cy="0"/>
+        </a:xfrm>
+      </p:grpSpPr>
+      <p:sp useBgFill="1">
+        <p:nvSpPr>
+          <p:cNvPr id="12" name="Rectangle 11">
+            <a:extLst>
+              <a:ext uri="{FF2B5EF4-FFF2-40B4-BE49-F238E27FC236}">
+                <a16:creationId xmlns:a16="http://schemas.microsoft.com/office/drawing/2014/main" id="{35C3D674-3D59-4E93-80CA-0C0A9095E816}"/>
+              </a:ext>
+              <a:ext uri="{C183D7F6-B498-43B3-948B-1728B52AA6E4}">
+                <adec:decorative xmlns:adec="http://schemas.microsoft.com/office/drawing/2017/decorative" val="1"/>
+              </a:ext>
+            </a:extLst>
+          </p:cNvPr>
+          <p:cNvSpPr>
+            <a:spLocks noGrp="1" noRot="1" noChangeAspect="1" noMove="1" noResize="1" noEditPoints="1" noAdjustHandles="1" noChangeArrowheads="1" noChangeShapeType="1" noTextEdit="1"/>
+          </p:cNvSpPr>
+          <p:nvPr>
+            <p:extLst>
+              <p:ext uri="{386F3935-93C4-4BCD-93E2-E3B085C9AB24}">
+                <p16:designElem xmlns:p16="http://schemas.microsoft.com/office/powerpoint/2015/main" val="1"/>
+              </p:ext>
+            </p:extLst>
+          </p:nvPr>
+        </p:nvSpPr>
+        <p:spPr>
+          <a:xfrm>
+            <a:off x="2" y="0"/>
+            <a:ext cx="12191695" cy="6858000"/>
+          </a:xfrm>
+          <a:prstGeom prst="rect">
+            <a:avLst/>
+          </a:prstGeom>
+          <a:ln>
+            <a:noFill/>
+          </a:ln>
+        </p:spPr>
+        <p:style>
+          <a:lnRef idx="2">
+            <a:schemeClr val="accent1">
+              <a:shade val="50000"/>
+            </a:schemeClr>
+          </a:lnRef>
+          <a:fillRef idx="1">
+            <a:schemeClr val="accent1"/>
+          </a:fillRef>
+          <a:effectRef idx="0">
+            <a:schemeClr val="accent1"/>
+          </a:effectRef>
+          <a:fontRef idx="minor">
+            <a:schemeClr val="lt1"/>
+          </a:fontRef>
+        </p:style>
+        <p:txBody>
+          <a:bodyPr rtlCol="0" anchor="ctr"/>
+          <a:lstStyle/>
+          <a:p>
+            <a:pPr algn="ctr"/>
+            <a:endParaRPr lang="en-US"/>
+          </a:p>
+        </p:txBody>
+      </p:sp>
+      <p:cxnSp>
+        <p:nvCxnSpPr>
+          <p:cNvPr id="14" name="Straight Connector 13">
+            <a:extLst>
+              <a:ext uri="{FF2B5EF4-FFF2-40B4-BE49-F238E27FC236}">
+                <a16:creationId xmlns:a16="http://schemas.microsoft.com/office/drawing/2014/main" id="{C884B8F8-FDC9-498B-9960-5D7260AFCB03}"/>
+              </a:ext>
+              <a:ext uri="{C183D7F6-B498-43B3-948B-1728B52AA6E4}">
+                <adec:decorative xmlns:adec="http://schemas.microsoft.com/office/drawing/2017/decorative" val="1"/>
+              </a:ext>
+            </a:extLst>
+          </p:cNvPr>
+          <p:cNvCxnSpPr>
+            <a:cxnSpLocks noGrp="1" noRot="1" noChangeAspect="1" noMove="1" noResize="1" noEditPoints="1" noAdjustHandles="1" noChangeArrowheads="1" noChangeShapeType="1"/>
+          </p:cNvCxnSpPr>
+          <p:nvPr>
+            <p:extLst>
+              <p:ext uri="{386F3935-93C4-4BCD-93E2-E3B085C9AB24}">
+                <p16:designElem xmlns:p16="http://schemas.microsoft.com/office/powerpoint/2015/main" val="1"/>
+              </p:ext>
+            </p:extLst>
+          </p:nvPr>
+        </p:nvCxnSpPr>
+        <p:spPr>
+          <a:xfrm>
+            <a:off x="1453896" y="1847088"/>
+            <a:ext cx="4177373" cy="0"/>
+          </a:xfrm>
+          <a:prstGeom prst="line">
+            <a:avLst/>
+          </a:prstGeom>
+          <a:ln w="31750"/>
+        </p:spPr>
+        <p:style>
+          <a:lnRef idx="3">
+            <a:schemeClr val="accent1"/>
+          </a:lnRef>
+          <a:fillRef idx="0">
+            <a:schemeClr val="accent1"/>
+          </a:fillRef>
+          <a:effectRef idx="2">
+            <a:schemeClr val="accent1"/>
+          </a:effectRef>
+          <a:fontRef idx="minor">
+            <a:schemeClr val="tx1"/>
+          </a:fontRef>
+        </p:style>
+      </p:cxnSp>
+      <p:sp>
+        <p:nvSpPr>
+          <p:cNvPr id="2" name="Title 1">
+            <a:extLst>
+              <a:ext uri="{FF2B5EF4-FFF2-40B4-BE49-F238E27FC236}">
+                <a16:creationId xmlns:a16="http://schemas.microsoft.com/office/drawing/2014/main" id="{02A83018-294B-4FF7-A376-1D4CEE17FB81}"/>
+              </a:ext>
+            </a:extLst>
+          </p:cNvPr>
+          <p:cNvSpPr>
+            <a:spLocks noGrp="1"/>
+          </p:cNvSpPr>
+          <p:nvPr>
+            <p:ph type="title"/>
+          </p:nvPr>
+        </p:nvSpPr>
+        <p:spPr>
+          <a:xfrm>
+            <a:off x="1451580" y="804520"/>
+            <a:ext cx="4176511" cy="1049235"/>
+          </a:xfrm>
+        </p:spPr>
+        <p:txBody>
+          <a:bodyPr vert="horz" lIns="91440" tIns="45720" rIns="91440" bIns="45720" rtlCol="0" anchor="t">
+            <a:normAutofit/>
+          </a:bodyPr>
+          <a:lstStyle/>
+          <a:p>
+            <a:r>
+              <a:rPr lang="en-US" dirty="0"/>
+              <a:t>Random Forests  Accuracy Cont. </a:t>
+            </a:r>
+          </a:p>
+        </p:txBody>
+      </p:sp>
+      <p:sp>
+        <p:nvSpPr>
+          <p:cNvPr id="16" name="Rectangle 15">
+            <a:extLst>
+              <a:ext uri="{FF2B5EF4-FFF2-40B4-BE49-F238E27FC236}">
+                <a16:creationId xmlns:a16="http://schemas.microsoft.com/office/drawing/2014/main" id="{EF2A81E1-BCBE-426B-8C09-33274E69409D}"/>
+              </a:ext>
+              <a:ext uri="{C183D7F6-B498-43B3-948B-1728B52AA6E4}">
+                <adec:decorative xmlns:adec="http://schemas.microsoft.com/office/drawing/2017/decorative" val="1"/>
+              </a:ext>
+            </a:extLst>
+          </p:cNvPr>
+          <p:cNvSpPr>
+            <a:spLocks noGrp="1" noRot="1" noChangeAspect="1" noMove="1" noResize="1" noEditPoints="1" noAdjustHandles="1" noChangeArrowheads="1" noChangeShapeType="1" noTextEdit="1"/>
+          </p:cNvSpPr>
+          <p:nvPr>
+            <p:extLst>
+              <p:ext uri="{386F3935-93C4-4BCD-93E2-E3B085C9AB24}">
+                <p16:designElem xmlns:p16="http://schemas.microsoft.com/office/powerpoint/2015/main" val="1"/>
+              </p:ext>
+            </p:extLst>
+          </p:nvPr>
+        </p:nvSpPr>
+        <p:spPr>
+          <a:xfrm>
+            <a:off x="0" y="2019476"/>
+            <a:ext cx="12192000" cy="4105941"/>
+          </a:xfrm>
+          <a:prstGeom prst="rect">
+            <a:avLst/>
+          </a:prstGeom>
+          <a:gradFill flip="none" rotWithShape="1">
+            <a:gsLst>
+              <a:gs pos="0">
+                <a:schemeClr val="bg2">
+                  <a:alpha val="0"/>
+                </a:schemeClr>
+              </a:gs>
+              <a:gs pos="100000">
+                <a:schemeClr val="bg2"/>
+              </a:gs>
+            </a:gsLst>
+            <a:lin ang="5400000" scaled="0"/>
+            <a:tileRect/>
+          </a:gradFill>
+          <a:ln>
+            <a:noFill/>
+          </a:ln>
+        </p:spPr>
+        <p:style>
+          <a:lnRef idx="2">
+            <a:schemeClr val="accent1">
+              <a:shade val="50000"/>
+            </a:schemeClr>
+          </a:lnRef>
+          <a:fillRef idx="1">
+            <a:schemeClr val="accent1"/>
+          </a:fillRef>
+          <a:effectRef idx="0">
+            <a:schemeClr val="accent1"/>
+          </a:effectRef>
+          <a:fontRef idx="minor">
+            <a:schemeClr val="lt1"/>
+          </a:fontRef>
+        </p:style>
+        <p:txBody>
+          <a:bodyPr rtlCol="0" anchor="ctr"/>
+          <a:lstStyle/>
+          <a:p>
+            <a:pPr lvl="0" algn="ctr"/>
+            <a:endParaRPr lang="en-US"/>
+          </a:p>
+        </p:txBody>
+      </p:sp>
+      <p:sp>
+        <p:nvSpPr>
+          <p:cNvPr id="5" name="TextBox 4">
+            <a:extLst>
+              <a:ext uri="{FF2B5EF4-FFF2-40B4-BE49-F238E27FC236}">
+                <a16:creationId xmlns:a16="http://schemas.microsoft.com/office/drawing/2014/main" id="{2619508F-5B24-4596-96B8-657A8D10411D}"/>
+              </a:ext>
+            </a:extLst>
+          </p:cNvPr>
+          <p:cNvSpPr txBox="1"/>
+          <p:nvPr/>
+        </p:nvSpPr>
+        <p:spPr>
+          <a:xfrm>
+            <a:off x="1451581" y="2015732"/>
+            <a:ext cx="4172212" cy="3450613"/>
+          </a:xfrm>
+        </p:spPr>
+        <p:txBody>
+          <a:bodyPr vert="horz" lIns="91440" tIns="45720" rIns="91440" bIns="45720" rtlCol="0" anchor="t">
+            <a:normAutofit/>
+          </a:bodyPr>
+          <a:lstStyle/>
+          <a:p>
+            <a:pPr marL="285750" indent="-228600" defTabSz="914400">
+              <a:lnSpc>
+                <a:spcPct val="120000"/>
+              </a:lnSpc>
+              <a:spcAft>
+                <a:spcPts val="600"/>
+              </a:spcAft>
+              <a:buClr>
+                <a:schemeClr val="accent1"/>
+              </a:buClr>
+              <a:buSzPct val="100000"/>
+              <a:buFont typeface="Arial" panose="020B0604020202020204" pitchFamily="34" charset="0"/>
+              <a:buChar char="•"/>
+            </a:pPr>
+            <a:r>
+              <a:rPr lang="en-US" dirty="0"/>
+              <a:t>Same Results as Decision Tree Model</a:t>
+            </a:r>
+          </a:p>
+          <a:p>
+            <a:pPr marL="285750" indent="-228600" defTabSz="914400">
+              <a:lnSpc>
+                <a:spcPct val="120000"/>
+              </a:lnSpc>
+              <a:spcAft>
+                <a:spcPts val="600"/>
+              </a:spcAft>
+              <a:buClr>
+                <a:schemeClr val="accent1"/>
+              </a:buClr>
+              <a:buSzPct val="100000"/>
+              <a:buFont typeface="Arial" panose="020B0604020202020204" pitchFamily="34" charset="0"/>
+              <a:buChar char="•"/>
+            </a:pPr>
+            <a:r>
+              <a:rPr lang="en-US" dirty="0"/>
+              <a:t>Significant differences between classes in confusion matrix </a:t>
+            </a:r>
+          </a:p>
+          <a:p>
+            <a:pPr marL="285750" indent="-228600" defTabSz="914400">
+              <a:lnSpc>
+                <a:spcPct val="120000"/>
+              </a:lnSpc>
+              <a:spcAft>
+                <a:spcPts val="600"/>
+              </a:spcAft>
+              <a:buClr>
+                <a:schemeClr val="accent1"/>
+              </a:buClr>
+              <a:buSzPct val="100000"/>
+              <a:buFont typeface="Arial" panose="020B0604020202020204" pitchFamily="34" charset="0"/>
+              <a:buChar char="•"/>
+            </a:pPr>
+            <a:r>
+              <a:rPr lang="en-US" dirty="0"/>
+              <a:t>F1 scores for class 1 &amp; 2 significantly lower than class 3 &amp; 4. </a:t>
+            </a:r>
+          </a:p>
+          <a:p>
+            <a:pPr marL="285750" indent="-228600" defTabSz="914400">
+              <a:lnSpc>
+                <a:spcPct val="120000"/>
+              </a:lnSpc>
+              <a:spcAft>
+                <a:spcPts val="600"/>
+              </a:spcAft>
+              <a:buClr>
+                <a:schemeClr val="accent1"/>
+              </a:buClr>
+              <a:buSzPct val="100000"/>
+              <a:buFont typeface="Arial" panose="020B0604020202020204" pitchFamily="34" charset="0"/>
+              <a:buChar char="•"/>
+            </a:pPr>
+            <a:r>
+              <a:rPr lang="en-US" dirty="0"/>
+              <a:t>Large difference between precisions and recall for class 4</a:t>
+            </a:r>
+          </a:p>
+        </p:txBody>
+      </p:sp>
+      <p:pic>
+        <p:nvPicPr>
+          <p:cNvPr id="18" name="Picture 17">
+            <a:extLst>
+              <a:ext uri="{FF2B5EF4-FFF2-40B4-BE49-F238E27FC236}">
+                <a16:creationId xmlns:a16="http://schemas.microsoft.com/office/drawing/2014/main" id="{39D1DDD4-5BB3-45BA-B9B3-06B62299AD79}"/>
+              </a:ext>
+              <a:ext uri="{C183D7F6-B498-43B3-948B-1728B52AA6E4}">
+                <adec:decorative xmlns:adec="http://schemas.microsoft.com/office/drawing/2017/decorative" val="1"/>
+              </a:ext>
+            </a:extLst>
+          </p:cNvPr>
+          <p:cNvPicPr>
+            <a:picLocks noGrp="1" noRot="1" noChangeAspect="1" noMove="1" noResize="1" noEditPoints="1" noAdjustHandles="1" noChangeArrowheads="1" noChangeShapeType="1" noCrop="1"/>
+          </p:cNvPicPr>
+          <p:nvPr>
+            <p:extLst>
+              <p:ext uri="{386F3935-93C4-4BCD-93E2-E3B085C9AB24}">
+                <p16:designElem xmlns:p16="http://schemas.microsoft.com/office/powerpoint/2015/main" val="1"/>
+              </p:ext>
+            </p:extLst>
+          </p:nvPr>
+        </p:nvPicPr>
+        <p:blipFill rotWithShape="1">
+          <a:blip r:embed="rId2">
+            <a:extLst>
+              <a:ext uri="{28A0092B-C50C-407E-A947-70E740481C1C}">
+                <a14:useLocalDpi xmlns:a14="http://schemas.microsoft.com/office/drawing/2010/main" val="0"/>
+              </a:ext>
+            </a:extLst>
+          </a:blip>
+          <a:srcRect t="1538" b="-1538"/>
+          <a:stretch/>
+        </p:blipFill>
+        <p:spPr bwMode="black">
+          <a:xfrm>
+            <a:off x="0" y="6126480"/>
+            <a:ext cx="12192000" cy="742950"/>
+          </a:xfrm>
+          <a:prstGeom prst="rect">
+            <a:avLst/>
+          </a:prstGeom>
+        </p:spPr>
+      </p:pic>
+      <p:cxnSp>
+        <p:nvCxnSpPr>
+          <p:cNvPr id="20" name="Straight Connector 19">
+            <a:extLst>
+              <a:ext uri="{FF2B5EF4-FFF2-40B4-BE49-F238E27FC236}">
+                <a16:creationId xmlns:a16="http://schemas.microsoft.com/office/drawing/2014/main" id="{A24DAE64-2302-42EA-8239-F2F0775CA5AD}"/>
+              </a:ext>
+              <a:ext uri="{C183D7F6-B498-43B3-948B-1728B52AA6E4}">
+                <adec:decorative xmlns:adec="http://schemas.microsoft.com/office/drawing/2017/decorative" val="1"/>
+              </a:ext>
+            </a:extLst>
+          </p:cNvPr>
+          <p:cNvCxnSpPr>
+            <a:cxnSpLocks noGrp="1" noRot="1" noChangeAspect="1" noMove="1" noResize="1" noEditPoints="1" noAdjustHandles="1" noChangeArrowheads="1" noChangeShapeType="1"/>
+          </p:cNvCxnSpPr>
+          <p:nvPr>
+            <p:extLst>
+              <p:ext uri="{386F3935-93C4-4BCD-93E2-E3B085C9AB24}">
+                <p16:designElem xmlns:p16="http://schemas.microsoft.com/office/powerpoint/2015/main" val="1"/>
+              </p:ext>
+            </p:extLst>
+          </p:nvPr>
+        </p:nvCxnSpPr>
+        <p:spPr>
+          <a:xfrm>
+            <a:off x="0" y="6128413"/>
+            <a:ext cx="12192000" cy="0"/>
+          </a:xfrm>
+          <a:prstGeom prst="line">
+            <a:avLst/>
+          </a:prstGeom>
+          <a:ln w="12700">
+            <a:solidFill>
+              <a:srgbClr val="000001">
+                <a:alpha val="20000"/>
+              </a:srgbClr>
+            </a:solidFill>
+          </a:ln>
+        </p:spPr>
+        <p:style>
+          <a:lnRef idx="1">
+            <a:schemeClr val="accent1"/>
+          </a:lnRef>
+          <a:fillRef idx="0">
+            <a:schemeClr val="accent1"/>
+          </a:fillRef>
+          <a:effectRef idx="0">
+            <a:schemeClr val="accent1"/>
+          </a:effectRef>
+          <a:fontRef idx="minor">
+            <a:schemeClr val="tx1"/>
+          </a:fontRef>
+        </p:style>
+      </p:cxnSp>
+      <p:pic>
+        <p:nvPicPr>
+          <p:cNvPr id="4" name="Picture 3" descr="A screenshot of a cell phone&#10;&#10;Description automatically generated">
+            <a:extLst>
+              <a:ext uri="{FF2B5EF4-FFF2-40B4-BE49-F238E27FC236}">
+                <a16:creationId xmlns:a16="http://schemas.microsoft.com/office/drawing/2014/main" id="{2FBBFF05-98C1-4D27-85FC-A713A08A2C38}"/>
+              </a:ext>
+            </a:extLst>
+          </p:cNvPr>
+          <p:cNvPicPr>
+            <a:picLocks noChangeAspect="1"/>
+          </p:cNvPicPr>
+          <p:nvPr/>
+        </p:nvPicPr>
+        <p:blipFill>
+          <a:blip r:embed="rId3">
+            <a:extLst>
+              <a:ext uri="{28A0092B-C50C-407E-A947-70E740481C1C}">
+                <a14:useLocalDpi xmlns:a14="http://schemas.microsoft.com/office/drawing/2010/main" val="0"/>
+              </a:ext>
+            </a:extLst>
+          </a:blip>
+          <a:stretch>
+            <a:fillRect/>
+          </a:stretch>
+        </p:blipFill>
+        <p:spPr>
+          <a:xfrm>
+            <a:off x="6568209" y="1025909"/>
+            <a:ext cx="4935592" cy="4440436"/>
+          </a:xfrm>
+          <a:prstGeom prst="rect">
+            <a:avLst/>
+          </a:prstGeom>
+        </p:spPr>
+      </p:pic>
+    </p:spTree>
+    <p:extLst>
+      <p:ext uri="{BB962C8B-B14F-4D97-AF65-F5344CB8AC3E}">
+        <p14:creationId xmlns:p14="http://schemas.microsoft.com/office/powerpoint/2010/main" val="1015910259"/>
+      </p:ext>
+    </p:extLst>
+  </p:cSld>
+  <p:clrMapOvr>
+    <a:masterClrMapping/>
+  </p:clrMapOvr>
+</p:sld>
+</file>
+
+<file path=ppt/slides/slide2.xml><?xml version="1.0" encoding="utf-8"?>
+<p:sld xmlns:a="http://schemas.openxmlformats.org/drawingml/2006/main" xmlns:r="http://schemas.openxmlformats.org/officeDocument/2006/relationships" xmlns:p="http://schemas.openxmlformats.org/presentationml/2006/main">
+  <p:cSld>
+    <p:spTree>
+      <p:nvGrpSpPr>
+        <p:cNvPr id="1" name=""/>
+        <p:cNvGrpSpPr/>
+        <p:nvPr/>
+      </p:nvGrpSpPr>
+      <p:grpSpPr>
+        <a:xfrm>
+          <a:off x="0" y="0"/>
+          <a:ext cx="0" cy="0"/>
+          <a:chOff x="0" y="0"/>
+          <a:chExt cx="0" cy="0"/>
+        </a:xfrm>
+      </p:grpSpPr>
+      <p:sp>
+        <p:nvSpPr>
+          <p:cNvPr id="2" name="Title 1">
+            <a:extLst>
+              <a:ext uri="{FF2B5EF4-FFF2-40B4-BE49-F238E27FC236}">
+                <a16:creationId xmlns:a16="http://schemas.microsoft.com/office/drawing/2014/main" id="{9E7B9CEB-F72F-4A7F-B2C5-AEF7F9B8C8C8}"/>
+              </a:ext>
+            </a:extLst>
+          </p:cNvPr>
+          <p:cNvSpPr>
+            <a:spLocks noGrp="1"/>
+          </p:cNvSpPr>
+          <p:nvPr>
+            <p:ph type="title"/>
+          </p:nvPr>
+        </p:nvSpPr>
+        <p:spPr/>
+        <p:txBody>
+          <a:bodyPr/>
+          <a:lstStyle/>
+          <a:p>
+            <a:r>
+              <a:rPr lang="en-US" dirty="0"/>
+              <a:t>The Problem</a:t>
+            </a:r>
+          </a:p>
+        </p:txBody>
+      </p:sp>
+      <p:sp>
+        <p:nvSpPr>
+          <p:cNvPr id="3" name="Content Placeholder 2">
+            <a:extLst>
+              <a:ext uri="{FF2B5EF4-FFF2-40B4-BE49-F238E27FC236}">
+                <a16:creationId xmlns:a16="http://schemas.microsoft.com/office/drawing/2014/main" id="{0168E590-801F-46EA-8C76-EDB50BDA0560}"/>
+              </a:ext>
+            </a:extLst>
+          </p:cNvPr>
+          <p:cNvSpPr>
+            <a:spLocks noGrp="1"/>
+          </p:cNvSpPr>
+          <p:nvPr>
+            <p:ph idx="1"/>
+          </p:nvPr>
+        </p:nvSpPr>
+        <p:spPr/>
+        <p:txBody>
+          <a:bodyPr/>
+          <a:lstStyle/>
+          <a:p>
+            <a:r>
+              <a:rPr lang="en-US" dirty="0"/>
+              <a:t>Most people are not medical professionals and lack the knowledge to accurately  determine when to seek medical care.</a:t>
+            </a:r>
+          </a:p>
+          <a:p>
+            <a:r>
+              <a:rPr lang="en-US" dirty="0"/>
+              <a:t>Combined with high medical care costs, this can create a disincentive to seek appropriate care. </a:t>
+            </a:r>
+          </a:p>
+          <a:p>
+            <a:r>
+              <a:rPr lang="en-US" dirty="0"/>
+              <a:t>To solve this problem we need an easy way for people to answer two questions: </a:t>
+            </a:r>
+          </a:p>
+          <a:p>
+            <a:pPr lvl="1"/>
+            <a:r>
+              <a:rPr lang="en-US" dirty="0"/>
+              <a:t>Do I need care?</a:t>
+            </a:r>
+          </a:p>
+          <a:p>
+            <a:pPr lvl="1"/>
+            <a:r>
+              <a:rPr lang="en-US" dirty="0"/>
+              <a:t>How quickly should I seek care?</a:t>
+            </a:r>
+          </a:p>
+          <a:p>
+            <a:endParaRPr lang="en-US" dirty="0"/>
+          </a:p>
+          <a:p>
+            <a:endParaRPr lang="en-US" dirty="0"/>
+          </a:p>
+          <a:p>
+            <a:endParaRPr lang="en-US" dirty="0"/>
+          </a:p>
+        </p:txBody>
+      </p:sp>
+    </p:spTree>
+    <p:extLst>
+      <p:ext uri="{BB962C8B-B14F-4D97-AF65-F5344CB8AC3E}">
+        <p14:creationId xmlns:p14="http://schemas.microsoft.com/office/powerpoint/2010/main" val="704931529"/>
+      </p:ext>
+    </p:extLst>
+  </p:cSld>
+  <p:clrMapOvr>
+    <a:masterClrMapping/>
+  </p:clrMapOvr>
+</p:sld>
+</file>
+
+<file path=ppt/slides/slide20.xml><?xml version="1.0" encoding="utf-8"?>
+<p:sld xmlns:a="http://schemas.openxmlformats.org/drawingml/2006/main" xmlns:r="http://schemas.openxmlformats.org/officeDocument/2006/relationships" xmlns:p="http://schemas.openxmlformats.org/presentationml/2006/main">
+  <p:cSld>
+    <p:spTree>
+      <p:nvGrpSpPr>
+        <p:cNvPr id="1" name=""/>
+        <p:cNvGrpSpPr/>
+        <p:nvPr/>
+      </p:nvGrpSpPr>
+      <p:grpSpPr>
+        <a:xfrm>
+          <a:off x="0" y="0"/>
+          <a:ext cx="0" cy="0"/>
+          <a:chOff x="0" y="0"/>
+          <a:chExt cx="0" cy="0"/>
+        </a:xfrm>
+      </p:grpSpPr>
+      <p:sp>
+        <p:nvSpPr>
+          <p:cNvPr id="2" name="Title 1">
+            <a:extLst>
+              <a:ext uri="{FF2B5EF4-FFF2-40B4-BE49-F238E27FC236}">
+                <a16:creationId xmlns:a16="http://schemas.microsoft.com/office/drawing/2014/main" id="{BC9067D3-6FBE-4227-B05B-3938E70ECF28}"/>
+              </a:ext>
+            </a:extLst>
+          </p:cNvPr>
+          <p:cNvSpPr>
+            <a:spLocks noGrp="1"/>
+          </p:cNvSpPr>
+          <p:nvPr>
+            <p:ph type="title"/>
+          </p:nvPr>
+        </p:nvSpPr>
+        <p:spPr/>
+        <p:txBody>
+          <a:bodyPr/>
+          <a:lstStyle/>
+          <a:p>
+            <a:r>
+              <a:rPr lang="en-US" dirty="0"/>
+              <a:t>Further Random Forrest Model Explanations </a:t>
             </a:r>
           </a:p>
         </p:txBody>
@@ -6329,7 +7965,7 @@
 </p:sld>
 </file>
 
-<file path=ppt/slides/slide13.xml><?xml version="1.0" encoding="utf-8"?>
+<file path=ppt/slides/slide21.xml><?xml version="1.0" encoding="utf-8"?>
 <p:sld xmlns:a="http://schemas.openxmlformats.org/drawingml/2006/main" xmlns:r="http://schemas.openxmlformats.org/officeDocument/2006/relationships" xmlns:p="http://schemas.openxmlformats.org/presentationml/2006/main">
   <p:cSld>
     <p:bg>
@@ -7737,7 +9373,7 @@
 </p:sld>
 </file>
 
-<file path=ppt/slides/slide14.xml><?xml version="1.0" encoding="utf-8"?>
+<file path=ppt/slides/slide22.xml><?xml version="1.0" encoding="utf-8"?>
 <p:sld xmlns:a="http://schemas.openxmlformats.org/drawingml/2006/main" xmlns:r="http://schemas.openxmlformats.org/officeDocument/2006/relationships" xmlns:p="http://schemas.openxmlformats.org/presentationml/2006/main">
   <p:cSld>
     <p:bg>
@@ -8236,7 +9872,7 @@
 </p:sld>
 </file>
 
-<file path=ppt/slides/slide15.xml><?xml version="1.0" encoding="utf-8"?>
+<file path=ppt/slides/slide23.xml><?xml version="1.0" encoding="utf-8"?>
 <p:sld xmlns:a="http://schemas.openxmlformats.org/drawingml/2006/main" xmlns:r="http://schemas.openxmlformats.org/officeDocument/2006/relationships" xmlns:p="http://schemas.openxmlformats.org/presentationml/2006/main">
   <p:cSld>
     <p:spTree>
@@ -8299,12 +9935,27 @@
         </p:nvSpPr>
         <p:spPr/>
         <p:txBody>
-          <a:bodyPr/>
+          <a:bodyPr>
+            <a:normAutofit lnSpcReduction="10000"/>
+          </a:bodyPr>
           <a:lstStyle/>
           <a:p>
             <a:r>
               <a:rPr lang="en-US" dirty="0"/>
               <a:t>This model is a good first step</a:t>
+            </a:r>
+          </a:p>
+          <a:p>
+            <a:r>
+              <a:rPr lang="en-US" dirty="0"/>
+              <a:t>Random Forests does not have superior performance to decision trees in this case</a:t>
+            </a:r>
+          </a:p>
+          <a:p>
+            <a:pPr lvl="1"/>
+            <a:r>
+              <a:rPr lang="en-US" dirty="0"/>
+              <a:t>As dataset gets larger in future versions, this pattern may not hold.</a:t>
             </a:r>
           </a:p>
           <a:p>
@@ -8346,127 +9997,6 @@
     <p:extLst>
       <p:ext uri="{BB962C8B-B14F-4D97-AF65-F5344CB8AC3E}">
         <p14:creationId xmlns:p14="http://schemas.microsoft.com/office/powerpoint/2010/main" val="4099271877"/>
-      </p:ext>
-    </p:extLst>
-  </p:cSld>
-  <p:clrMapOvr>
-    <a:masterClrMapping/>
-  </p:clrMapOvr>
-</p:sld>
-</file>
-
-<file path=ppt/slides/slide2.xml><?xml version="1.0" encoding="utf-8"?>
-<p:sld xmlns:a="http://schemas.openxmlformats.org/drawingml/2006/main" xmlns:r="http://schemas.openxmlformats.org/officeDocument/2006/relationships" xmlns:p="http://schemas.openxmlformats.org/presentationml/2006/main">
-  <p:cSld>
-    <p:spTree>
-      <p:nvGrpSpPr>
-        <p:cNvPr id="1" name=""/>
-        <p:cNvGrpSpPr/>
-        <p:nvPr/>
-      </p:nvGrpSpPr>
-      <p:grpSpPr>
-        <a:xfrm>
-          <a:off x="0" y="0"/>
-          <a:ext cx="0" cy="0"/>
-          <a:chOff x="0" y="0"/>
-          <a:chExt cx="0" cy="0"/>
-        </a:xfrm>
-      </p:grpSpPr>
-      <p:sp>
-        <p:nvSpPr>
-          <p:cNvPr id="2" name="Title 1">
-            <a:extLst>
-              <a:ext uri="{FF2B5EF4-FFF2-40B4-BE49-F238E27FC236}">
-                <a16:creationId xmlns:a16="http://schemas.microsoft.com/office/drawing/2014/main" id="{9E7B9CEB-F72F-4A7F-B2C5-AEF7F9B8C8C8}"/>
-              </a:ext>
-            </a:extLst>
-          </p:cNvPr>
-          <p:cNvSpPr>
-            <a:spLocks noGrp="1"/>
-          </p:cNvSpPr>
-          <p:nvPr>
-            <p:ph type="title"/>
-          </p:nvPr>
-        </p:nvSpPr>
-        <p:spPr/>
-        <p:txBody>
-          <a:bodyPr/>
-          <a:lstStyle/>
-          <a:p>
-            <a:r>
-              <a:rPr lang="en-US" dirty="0"/>
-              <a:t>The Problem</a:t>
-            </a:r>
-          </a:p>
-        </p:txBody>
-      </p:sp>
-      <p:sp>
-        <p:nvSpPr>
-          <p:cNvPr id="3" name="Content Placeholder 2">
-            <a:extLst>
-              <a:ext uri="{FF2B5EF4-FFF2-40B4-BE49-F238E27FC236}">
-                <a16:creationId xmlns:a16="http://schemas.microsoft.com/office/drawing/2014/main" id="{0168E590-801F-46EA-8C76-EDB50BDA0560}"/>
-              </a:ext>
-            </a:extLst>
-          </p:cNvPr>
-          <p:cNvSpPr>
-            <a:spLocks noGrp="1"/>
-          </p:cNvSpPr>
-          <p:nvPr>
-            <p:ph idx="1"/>
-          </p:nvPr>
-        </p:nvSpPr>
-        <p:spPr/>
-        <p:txBody>
-          <a:bodyPr/>
-          <a:lstStyle/>
-          <a:p>
-            <a:r>
-              <a:rPr lang="en-US" dirty="0"/>
-              <a:t>Most people are not medical professionals and lack the knowledge to accurately  determine when to seek medical care.</a:t>
-            </a:r>
-          </a:p>
-          <a:p>
-            <a:r>
-              <a:rPr lang="en-US" dirty="0"/>
-              <a:t>Combined with high medical care costs, this can create a disincentive to seek appropriate care. </a:t>
-            </a:r>
-          </a:p>
-          <a:p>
-            <a:r>
-              <a:rPr lang="en-US" dirty="0"/>
-              <a:t>To solve this problem we need an easy way for people to answer two questions: </a:t>
-            </a:r>
-          </a:p>
-          <a:p>
-            <a:pPr lvl="1"/>
-            <a:r>
-              <a:rPr lang="en-US" dirty="0"/>
-              <a:t>Do I need care?</a:t>
-            </a:r>
-          </a:p>
-          <a:p>
-            <a:pPr lvl="1"/>
-            <a:r>
-              <a:rPr lang="en-US" dirty="0"/>
-              <a:t>How quickly should I seek care?</a:t>
-            </a:r>
-          </a:p>
-          <a:p>
-            <a:endParaRPr lang="en-US" dirty="0"/>
-          </a:p>
-          <a:p>
-            <a:endParaRPr lang="en-US" dirty="0"/>
-          </a:p>
-          <a:p>
-            <a:endParaRPr lang="en-US" dirty="0"/>
-          </a:p>
-        </p:txBody>
-      </p:sp>
-    </p:spTree>
-    <p:extLst>
-      <p:ext uri="{BB962C8B-B14F-4D97-AF65-F5344CB8AC3E}">
-        <p14:creationId xmlns:p14="http://schemas.microsoft.com/office/powerpoint/2010/main" val="704931529"/>
       </p:ext>
     </p:extLst>
   </p:cSld>
@@ -8678,7 +10208,7 @@
           <a:p>
             <a:r>
               <a:rPr lang="en-US" dirty="0"/>
-              <a:t>Data leakage with first random forest model</a:t>
+              <a:t>Data leakage with first decision tree model</a:t>
             </a:r>
           </a:p>
         </p:txBody>
@@ -9089,8 +10619,8 @@
         </p:nvSpPr>
         <p:spPr>
           <a:xfrm>
-            <a:off x="1451581" y="2015732"/>
-            <a:ext cx="4172212" cy="3450613"/>
+            <a:off x="213746" y="2015732"/>
+            <a:ext cx="5410047" cy="3450613"/>
           </a:xfrm>
         </p:spPr>
         <p:txBody>
@@ -9105,47 +10635,13 @@
             </a:r>
           </a:p>
           <a:p>
-            <a:endParaRPr lang="en-US" dirty="0"/>
+            <a:r>
+              <a:rPr lang="en-US" dirty="0"/>
+              <a:t>An example of two hotspots with high relationships:</a:t>
+            </a:r>
           </a:p>
         </p:txBody>
       </p:sp>
-      <p:pic>
-        <p:nvPicPr>
-          <p:cNvPr id="8" name="Content Placeholder 7">
-            <a:extLst>
-              <a:ext uri="{FF2B5EF4-FFF2-40B4-BE49-F238E27FC236}">
-                <a16:creationId xmlns:a16="http://schemas.microsoft.com/office/drawing/2014/main" id="{8F16F6E2-4B99-4633-A86D-4C174F7688FE}"/>
-              </a:ext>
-            </a:extLst>
-          </p:cNvPr>
-          <p:cNvPicPr>
-            <a:picLocks/>
-          </p:cNvPicPr>
-          <p:nvPr/>
-        </p:nvPicPr>
-        <p:blipFill>
-          <a:blip r:embed="rId2" cstate="print">
-            <a:extLst>
-              <a:ext uri="{28A0092B-C50C-407E-A947-70E740481C1C}">
-                <a14:useLocalDpi xmlns:a14="http://schemas.microsoft.com/office/drawing/2010/main" val="0"/>
-              </a:ext>
-            </a:extLst>
-          </a:blip>
-          <a:stretch>
-            <a:fillRect/>
-          </a:stretch>
-        </p:blipFill>
-        <p:spPr bwMode="auto">
-          <a:xfrm>
-            <a:off x="5715000" y="615968"/>
-            <a:ext cx="6337300" cy="5111703"/>
-          </a:xfrm>
-          <a:prstGeom prst="rect">
-            <a:avLst/>
-          </a:prstGeom>
-          <a:noFill/>
-        </p:spPr>
-      </p:pic>
       <p:pic>
         <p:nvPicPr>
           <p:cNvPr id="112" name="Picture 111">
@@ -9170,7 +10666,7 @@
           </p:nvPr>
         </p:nvPicPr>
         <p:blipFill rotWithShape="1">
-          <a:blip r:embed="rId3">
+          <a:blip r:embed="rId2">
             <a:extLst>
               <a:ext uri="{28A0092B-C50C-407E-A947-70E740481C1C}">
                 <a14:useLocalDpi xmlns:a14="http://schemas.microsoft.com/office/drawing/2010/main" val="0"/>
@@ -9244,6 +10740,452 @@
           </a:fontRef>
         </p:style>
       </p:cxnSp>
+      <p:pic>
+        <p:nvPicPr>
+          <p:cNvPr id="4" name="Picture 3" descr="A close up of a building&#10;&#10;Description automatically generated">
+            <a:extLst>
+              <a:ext uri="{FF2B5EF4-FFF2-40B4-BE49-F238E27FC236}">
+                <a16:creationId xmlns:a16="http://schemas.microsoft.com/office/drawing/2014/main" id="{73828730-BE21-4437-82BE-515C845BF40F}"/>
+              </a:ext>
+            </a:extLst>
+          </p:cNvPr>
+          <p:cNvPicPr>
+            <a:picLocks noChangeAspect="1"/>
+          </p:cNvPicPr>
+          <p:nvPr/>
+        </p:nvPicPr>
+        <p:blipFill>
+          <a:blip r:embed="rId3">
+            <a:extLst>
+              <a:ext uri="{28A0092B-C50C-407E-A947-70E740481C1C}">
+                <a14:useLocalDpi xmlns:a14="http://schemas.microsoft.com/office/drawing/2010/main" val="0"/>
+              </a:ext>
+            </a:extLst>
+          </a:blip>
+          <a:stretch>
+            <a:fillRect/>
+          </a:stretch>
+        </p:blipFill>
+        <p:spPr>
+          <a:xfrm>
+            <a:off x="5890495" y="641185"/>
+            <a:ext cx="6350255" cy="5484763"/>
+          </a:xfrm>
+          <a:prstGeom prst="rect">
+            <a:avLst/>
+          </a:prstGeom>
+        </p:spPr>
+      </p:pic>
+      <p:cxnSp>
+        <p:nvCxnSpPr>
+          <p:cNvPr id="12" name="Straight Arrow Connector 11">
+            <a:extLst>
+              <a:ext uri="{FF2B5EF4-FFF2-40B4-BE49-F238E27FC236}">
+                <a16:creationId xmlns:a16="http://schemas.microsoft.com/office/drawing/2014/main" id="{F9643763-6F82-47D7-A66B-22B500CE447A}"/>
+              </a:ext>
+            </a:extLst>
+          </p:cNvPr>
+          <p:cNvCxnSpPr>
+            <a:cxnSpLocks/>
+          </p:cNvCxnSpPr>
+          <p:nvPr/>
+        </p:nvCxnSpPr>
+        <p:spPr>
+          <a:xfrm>
+            <a:off x="5487661" y="3241688"/>
+            <a:ext cx="933687" cy="293572"/>
+          </a:xfrm>
+          <a:prstGeom prst="straightConnector1">
+            <a:avLst/>
+          </a:prstGeom>
+          <a:ln w="76200">
+            <a:tailEnd type="triangle"/>
+          </a:ln>
+        </p:spPr>
+        <p:style>
+          <a:lnRef idx="3">
+            <a:schemeClr val="accent1"/>
+          </a:lnRef>
+          <a:fillRef idx="0">
+            <a:schemeClr val="accent1"/>
+          </a:fillRef>
+          <a:effectRef idx="2">
+            <a:schemeClr val="accent1"/>
+          </a:effectRef>
+          <a:fontRef idx="minor">
+            <a:schemeClr val="tx1"/>
+          </a:fontRef>
+        </p:style>
+      </p:cxnSp>
+      <p:graphicFrame>
+        <p:nvGraphicFramePr>
+          <p:cNvPr id="7" name="Table 8">
+            <a:extLst>
+              <a:ext uri="{FF2B5EF4-FFF2-40B4-BE49-F238E27FC236}">
+                <a16:creationId xmlns:a16="http://schemas.microsoft.com/office/drawing/2014/main" id="{FA3F2CB2-CC73-45B7-AC39-799C83C19721}"/>
+              </a:ext>
+            </a:extLst>
+          </p:cNvPr>
+          <p:cNvGraphicFramePr>
+            <a:graphicFrameLocks noGrp="1"/>
+          </p:cNvGraphicFramePr>
+          <p:nvPr>
+            <p:extLst>
+              <p:ext uri="{D42A27DB-BD31-4B8C-83A1-F6EECF244321}">
+                <p14:modId xmlns:p14="http://schemas.microsoft.com/office/powerpoint/2010/main" val="1769585471"/>
+              </p:ext>
+            </p:extLst>
+          </p:nvPr>
+        </p:nvGraphicFramePr>
+        <p:xfrm>
+          <a:off x="349320" y="3700981"/>
+          <a:ext cx="5487915" cy="2359305"/>
+        </p:xfrm>
+        <a:graphic>
+          <a:graphicData uri="http://schemas.openxmlformats.org/drawingml/2006/table">
+            <a:tbl>
+              <a:tblPr firstRow="1" bandRow="1">
+                <a:tableStyleId>{5940675A-B579-460E-94D1-54222C63F5DA}</a:tableStyleId>
+              </a:tblPr>
+              <a:tblGrid>
+                <a:gridCol w="1829305">
+                  <a:extLst>
+                    <a:ext uri="{9D8B030D-6E8A-4147-A177-3AD203B41FA5}">
+                      <a16:colId xmlns:a16="http://schemas.microsoft.com/office/drawing/2014/main" val="3444915233"/>
+                    </a:ext>
+                  </a:extLst>
+                </a:gridCol>
+                <a:gridCol w="1829305">
+                  <a:extLst>
+                    <a:ext uri="{9D8B030D-6E8A-4147-A177-3AD203B41FA5}">
+                      <a16:colId xmlns:a16="http://schemas.microsoft.com/office/drawing/2014/main" val="2170294966"/>
+                    </a:ext>
+                  </a:extLst>
+                </a:gridCol>
+                <a:gridCol w="1829305">
+                  <a:extLst>
+                    <a:ext uri="{9D8B030D-6E8A-4147-A177-3AD203B41FA5}">
+                      <a16:colId xmlns:a16="http://schemas.microsoft.com/office/drawing/2014/main" val="506716753"/>
+                    </a:ext>
+                  </a:extLst>
+                </a:gridCol>
+              </a:tblGrid>
+              <a:tr h="482265">
+                <a:tc>
+                  <a:txBody>
+                    <a:bodyPr/>
+                    <a:lstStyle/>
+                    <a:p>
+                      <a:endParaRPr lang="en-US" sz="1200" b="1" dirty="0">
+                        <a:latin typeface="Arial" panose="020B0604020202020204" pitchFamily="34" charset="0"/>
+                        <a:cs typeface="Arial" panose="020B0604020202020204" pitchFamily="34" charset="0"/>
+                      </a:endParaRPr>
+                    </a:p>
+                  </a:txBody>
+                  <a:tcPr/>
+                </a:tc>
+                <a:tc>
+                  <a:txBody>
+                    <a:bodyPr/>
+                    <a:lstStyle/>
+                    <a:p>
+                      <a:r>
+                        <a:rPr lang="en-US" sz="1200" b="1" dirty="0" err="1">
+                          <a:latin typeface="Arial" panose="020B0604020202020204" pitchFamily="34" charset="0"/>
+                          <a:cs typeface="Arial" panose="020B0604020202020204" pitchFamily="34" charset="0"/>
+                        </a:rPr>
+                        <a:t>weight_gain</a:t>
+                      </a:r>
+                      <a:endParaRPr lang="en-US" sz="1200" b="1" dirty="0">
+                        <a:latin typeface="Arial" panose="020B0604020202020204" pitchFamily="34" charset="0"/>
+                        <a:cs typeface="Arial" panose="020B0604020202020204" pitchFamily="34" charset="0"/>
+                      </a:endParaRPr>
+                    </a:p>
+                  </a:txBody>
+                  <a:tcPr/>
+                </a:tc>
+                <a:tc>
+                  <a:txBody>
+                    <a:bodyPr/>
+                    <a:lstStyle/>
+                    <a:p>
+                      <a:r>
+                        <a:rPr lang="en-US" sz="1200" b="1" dirty="0" err="1">
+                          <a:latin typeface="Arial" panose="020B0604020202020204" pitchFamily="34" charset="0"/>
+                          <a:cs typeface="Arial" panose="020B0604020202020204" pitchFamily="34" charset="0"/>
+                        </a:rPr>
+                        <a:t>Cold_hands_and_feets</a:t>
+                      </a:r>
+                      <a:endParaRPr lang="en-US" sz="1200" b="1" dirty="0">
+                        <a:latin typeface="Arial" panose="020B0604020202020204" pitchFamily="34" charset="0"/>
+                        <a:cs typeface="Arial" panose="020B0604020202020204" pitchFamily="34" charset="0"/>
+                      </a:endParaRPr>
+                    </a:p>
+                  </a:txBody>
+                  <a:tcPr/>
+                </a:tc>
+                <a:extLst>
+                  <a:ext uri="{0D108BD9-81ED-4DB2-BD59-A6C34878D82A}">
+                    <a16:rowId xmlns:a16="http://schemas.microsoft.com/office/drawing/2014/main" val="207980524"/>
+                  </a:ext>
+                </a:extLst>
+              </a:tr>
+              <a:tr h="482265">
+                <a:tc>
+                  <a:txBody>
+                    <a:bodyPr/>
+                    <a:lstStyle/>
+                    <a:p>
+                      <a:r>
+                        <a:rPr lang="en-US" sz="1200" b="1" kern="1200" dirty="0" err="1">
+                          <a:solidFill>
+                            <a:schemeClr val="dk1"/>
+                          </a:solidFill>
+                          <a:effectLst/>
+                          <a:latin typeface="Arial" panose="020B0604020202020204" pitchFamily="34" charset="0"/>
+                          <a:cs typeface="Arial" panose="020B0604020202020204" pitchFamily="34" charset="0"/>
+                        </a:rPr>
+                        <a:t>puffy_face_and_eyes</a:t>
+                      </a:r>
+                      <a:endParaRPr lang="en-US" sz="1200" b="1" dirty="0">
+                        <a:latin typeface="Arial" panose="020B0604020202020204" pitchFamily="34" charset="0"/>
+                        <a:cs typeface="Arial" panose="020B0604020202020204" pitchFamily="34" charset="0"/>
+                      </a:endParaRPr>
+                    </a:p>
+                  </a:txBody>
+                  <a:tcPr/>
+                </a:tc>
+                <a:tc>
+                  <a:txBody>
+                    <a:bodyPr/>
+                    <a:lstStyle/>
+                    <a:p>
+                      <a:r>
+                        <a:rPr lang="en-US" sz="1200" b="1" dirty="0">
+                          <a:latin typeface="Arial" panose="020B0604020202020204" pitchFamily="34" charset="0"/>
+                          <a:cs typeface="Arial" panose="020B0604020202020204" pitchFamily="34" charset="0"/>
+                        </a:rPr>
+                        <a:t>0.89</a:t>
+                      </a:r>
+                    </a:p>
+                  </a:txBody>
+                  <a:tcPr/>
+                </a:tc>
+                <a:tc>
+                  <a:txBody>
+                    <a:bodyPr/>
+                    <a:lstStyle/>
+                    <a:p>
+                      <a:r>
+                        <a:rPr lang="en-US" sz="1200" b="1" dirty="0">
+                          <a:latin typeface="Arial" panose="020B0604020202020204" pitchFamily="34" charset="0"/>
+                          <a:cs typeface="Arial" panose="020B0604020202020204" pitchFamily="34" charset="0"/>
+                        </a:rPr>
+                        <a:t>0.89</a:t>
+                      </a:r>
+                    </a:p>
+                  </a:txBody>
+                  <a:tcPr/>
+                </a:tc>
+                <a:extLst>
+                  <a:ext uri="{0D108BD9-81ED-4DB2-BD59-A6C34878D82A}">
+                    <a16:rowId xmlns:a16="http://schemas.microsoft.com/office/drawing/2014/main" val="2012014519"/>
+                  </a:ext>
+                </a:extLst>
+              </a:tr>
+              <a:tr h="482265">
+                <a:tc>
+                  <a:txBody>
+                    <a:bodyPr/>
+                    <a:lstStyle/>
+                    <a:p>
+                      <a:r>
+                        <a:rPr lang="en-US" sz="1200" b="1" kern="1200" dirty="0" err="1">
+                          <a:solidFill>
+                            <a:schemeClr val="dk1"/>
+                          </a:solidFill>
+                          <a:effectLst/>
+                          <a:latin typeface="Arial" panose="020B0604020202020204" pitchFamily="34" charset="0"/>
+                          <a:cs typeface="Arial" panose="020B0604020202020204" pitchFamily="34" charset="0"/>
+                        </a:rPr>
+                        <a:t>enlarged_thyroid</a:t>
+                      </a:r>
+                      <a:endParaRPr lang="en-US" sz="1200" b="1" dirty="0">
+                        <a:latin typeface="Arial" panose="020B0604020202020204" pitchFamily="34" charset="0"/>
+                        <a:cs typeface="Arial" panose="020B0604020202020204" pitchFamily="34" charset="0"/>
+                      </a:endParaRPr>
+                    </a:p>
+                  </a:txBody>
+                  <a:tcPr/>
+                </a:tc>
+                <a:tc>
+                  <a:txBody>
+                    <a:bodyPr/>
+                    <a:lstStyle/>
+                    <a:p>
+                      <a:r>
+                        <a:rPr lang="en-US" sz="1200" b="1" dirty="0">
+                          <a:latin typeface="Arial" panose="020B0604020202020204" pitchFamily="34" charset="0"/>
+                          <a:cs typeface="Arial" panose="020B0604020202020204" pitchFamily="34" charset="0"/>
+                        </a:rPr>
+                        <a:t>0.94</a:t>
+                      </a:r>
+                    </a:p>
+                  </a:txBody>
+                  <a:tcPr/>
+                </a:tc>
+                <a:tc>
+                  <a:txBody>
+                    <a:bodyPr/>
+                    <a:lstStyle/>
+                    <a:p>
+                      <a:r>
+                        <a:rPr lang="en-US" sz="1200" b="1" dirty="0">
+                          <a:latin typeface="Arial" panose="020B0604020202020204" pitchFamily="34" charset="0"/>
+                          <a:cs typeface="Arial" panose="020B0604020202020204" pitchFamily="34" charset="0"/>
+                        </a:rPr>
+                        <a:t>0.94</a:t>
+                      </a:r>
+                    </a:p>
+                  </a:txBody>
+                  <a:tcPr/>
+                </a:tc>
+                <a:extLst>
+                  <a:ext uri="{0D108BD9-81ED-4DB2-BD59-A6C34878D82A}">
+                    <a16:rowId xmlns:a16="http://schemas.microsoft.com/office/drawing/2014/main" val="407940813"/>
+                  </a:ext>
+                </a:extLst>
+              </a:tr>
+              <a:tr h="430245">
+                <a:tc>
+                  <a:txBody>
+                    <a:bodyPr/>
+                    <a:lstStyle/>
+                    <a:p>
+                      <a:r>
+                        <a:rPr lang="en-US" sz="1200" b="1" kern="1200" dirty="0" err="1">
+                          <a:solidFill>
+                            <a:schemeClr val="dk1"/>
+                          </a:solidFill>
+                          <a:effectLst/>
+                          <a:latin typeface="Arial" panose="020B0604020202020204" pitchFamily="34" charset="0"/>
+                          <a:cs typeface="Arial" panose="020B0604020202020204" pitchFamily="34" charset="0"/>
+                        </a:rPr>
+                        <a:t>brittle_nails</a:t>
+                      </a:r>
+                      <a:endParaRPr lang="en-US" sz="1200" b="1" dirty="0">
+                        <a:latin typeface="Arial" panose="020B0604020202020204" pitchFamily="34" charset="0"/>
+                        <a:cs typeface="Arial" panose="020B0604020202020204" pitchFamily="34" charset="0"/>
+                      </a:endParaRPr>
+                    </a:p>
+                  </a:txBody>
+                  <a:tcPr/>
+                </a:tc>
+                <a:tc>
+                  <a:txBody>
+                    <a:bodyPr/>
+                    <a:lstStyle/>
+                    <a:p>
+                      <a:r>
+                        <a:rPr lang="en-US" sz="1200" b="1" dirty="0">
+                          <a:latin typeface="Arial" panose="020B0604020202020204" pitchFamily="34" charset="0"/>
+                          <a:cs typeface="Arial" panose="020B0604020202020204" pitchFamily="34" charset="0"/>
+                        </a:rPr>
+                        <a:t>0.94</a:t>
+                      </a:r>
+                    </a:p>
+                  </a:txBody>
+                  <a:tcPr/>
+                </a:tc>
+                <a:tc>
+                  <a:txBody>
+                    <a:bodyPr/>
+                    <a:lstStyle/>
+                    <a:p>
+                      <a:r>
+                        <a:rPr lang="en-US" sz="1200" b="1" dirty="0">
+                          <a:latin typeface="Arial" panose="020B0604020202020204" pitchFamily="34" charset="0"/>
+                          <a:cs typeface="Arial" panose="020B0604020202020204" pitchFamily="34" charset="0"/>
+                        </a:rPr>
+                        <a:t>0.94</a:t>
+                      </a:r>
+                    </a:p>
+                  </a:txBody>
+                  <a:tcPr/>
+                </a:tc>
+                <a:extLst>
+                  <a:ext uri="{0D108BD9-81ED-4DB2-BD59-A6C34878D82A}">
+                    <a16:rowId xmlns:a16="http://schemas.microsoft.com/office/drawing/2014/main" val="1648998327"/>
+                  </a:ext>
+                </a:extLst>
+              </a:tr>
+              <a:tr h="482265">
+                <a:tc>
+                  <a:txBody>
+                    <a:bodyPr/>
+                    <a:lstStyle/>
+                    <a:p>
+                      <a:r>
+                        <a:rPr lang="en-US" sz="1200" b="1" kern="1200" dirty="0" err="1">
+                          <a:solidFill>
+                            <a:schemeClr val="dk1"/>
+                          </a:solidFill>
+                          <a:effectLst/>
+                          <a:latin typeface="Arial" panose="020B0604020202020204" pitchFamily="34" charset="0"/>
+                          <a:cs typeface="Arial" panose="020B0604020202020204" pitchFamily="34" charset="0"/>
+                        </a:rPr>
+                        <a:t>swollen_extremeties</a:t>
+                      </a:r>
+                      <a:endParaRPr lang="en-US" sz="1200" b="1" dirty="0">
+                        <a:latin typeface="Arial" panose="020B0604020202020204" pitchFamily="34" charset="0"/>
+                        <a:cs typeface="Arial" panose="020B0604020202020204" pitchFamily="34" charset="0"/>
+                      </a:endParaRPr>
+                    </a:p>
+                  </a:txBody>
+                  <a:tcPr/>
+                </a:tc>
+                <a:tc>
+                  <a:txBody>
+                    <a:bodyPr/>
+                    <a:lstStyle/>
+                    <a:p>
+                      <a:r>
+                        <a:rPr lang="en-US" sz="1200" b="1" dirty="0">
+                          <a:latin typeface="Arial" panose="020B0604020202020204" pitchFamily="34" charset="0"/>
+                          <a:cs typeface="Arial" panose="020B0604020202020204" pitchFamily="34" charset="0"/>
+                        </a:rPr>
+                        <a:t>0.94</a:t>
+                      </a:r>
+                    </a:p>
+                  </a:txBody>
+                  <a:tcPr/>
+                </a:tc>
+                <a:tc>
+                  <a:txBody>
+                    <a:bodyPr/>
+                    <a:lstStyle/>
+                    <a:p>
+                      <a:r>
+                        <a:rPr lang="en-US" sz="1200" b="1" dirty="0">
+                          <a:latin typeface="Arial" panose="020B0604020202020204" pitchFamily="34" charset="0"/>
+                          <a:cs typeface="Arial" panose="020B0604020202020204" pitchFamily="34" charset="0"/>
+                        </a:rPr>
+                        <a:t>0.94</a:t>
+                      </a:r>
+                    </a:p>
+                  </a:txBody>
+                  <a:tcPr/>
+                </a:tc>
+                <a:extLst>
+                  <a:ext uri="{0D108BD9-81ED-4DB2-BD59-A6C34878D82A}">
+                    <a16:rowId xmlns:a16="http://schemas.microsoft.com/office/drawing/2014/main" val="724653088"/>
+                  </a:ext>
+                </a:extLst>
+              </a:tr>
+            </a:tbl>
+          </a:graphicData>
+        </a:graphic>
+      </p:graphicFrame>
     </p:spTree>
     <p:extLst>
       <p:ext uri="{BB962C8B-B14F-4D97-AF65-F5344CB8AC3E}">
@@ -9300,7 +11242,7 @@
       </p:grpSpPr>
       <p:sp useBgFill="1">
         <p:nvSpPr>
-          <p:cNvPr id="11" name="Rectangle 10">
+          <p:cNvPr id="106" name="Rectangle 105">
             <a:extLst>
               <a:ext uri="{FF2B5EF4-FFF2-40B4-BE49-F238E27FC236}">
                 <a16:creationId xmlns:a16="http://schemas.microsoft.com/office/drawing/2014/main" id="{35C3D674-3D59-4E93-80CA-0C0A9095E816}"/>
@@ -9360,7 +11302,7 @@
       </p:sp>
       <p:cxnSp>
         <p:nvCxnSpPr>
-          <p:cNvPr id="13" name="Straight Connector 12">
+          <p:cNvPr id="108" name="Straight Connector 107">
             <a:extLst>
               <a:ext uri="{FF2B5EF4-FFF2-40B4-BE49-F238E27FC236}">
                 <a16:creationId xmlns:a16="http://schemas.microsoft.com/office/drawing/2014/main" id="{C884B8F8-FDC9-498B-9960-5D7260AFCB03}"/>
@@ -9411,7 +11353,7 @@
           <p:cNvPr id="2" name="Title 1">
             <a:extLst>
               <a:ext uri="{FF2B5EF4-FFF2-40B4-BE49-F238E27FC236}">
-                <a16:creationId xmlns:a16="http://schemas.microsoft.com/office/drawing/2014/main" id="{29C356AC-3083-4F7B-9625-DA105168CCF7}"/>
+                <a16:creationId xmlns:a16="http://schemas.microsoft.com/office/drawing/2014/main" id="{FAC12C41-C161-40A3-8D6F-E3A11A4CA21F}"/>
               </a:ext>
             </a:extLst>
           </p:cNvPr>
@@ -9429,22 +11371,21 @@
           </a:xfrm>
         </p:spPr>
         <p:txBody>
-          <a:bodyPr>
+          <a:bodyPr vert="horz" lIns="91440" tIns="45720" rIns="91440" bIns="0" rtlCol="0">
             <a:normAutofit/>
           </a:bodyPr>
           <a:lstStyle/>
           <a:p>
             <a:r>
-              <a:rPr lang="en-US" sz="2800" dirty="0"/>
-              <a:t>Cramer’s V results After cleaning</a:t>
-            </a:r>
-            <a:endParaRPr lang="en-US" sz="3000" dirty="0"/>
+              <a:rPr lang="en-US" dirty="0"/>
+              <a:t>Cramer’s V results Cleaning Example</a:t>
+            </a:r>
           </a:p>
         </p:txBody>
       </p:sp>
       <p:sp>
         <p:nvSpPr>
-          <p:cNvPr id="15" name="Rectangle 14">
+          <p:cNvPr id="110" name="Rectangle 109">
             <a:extLst>
               <a:ext uri="{FF2B5EF4-FFF2-40B4-BE49-F238E27FC236}">
                 <a16:creationId xmlns:a16="http://schemas.microsoft.com/office/drawing/2014/main" id="{EF2A81E1-BCBE-426B-8C09-33274E69409D}"/>
@@ -9518,10 +11459,10 @@
       </p:sp>
       <p:sp>
         <p:nvSpPr>
-          <p:cNvPr id="8" name="Content Placeholder 7">
+          <p:cNvPr id="103" name="Content Placeholder 102">
             <a:extLst>
               <a:ext uri="{FF2B5EF4-FFF2-40B4-BE49-F238E27FC236}">
-                <a16:creationId xmlns:a16="http://schemas.microsoft.com/office/drawing/2014/main" id="{3363D55C-3262-4663-854E-EEA9342AD7D0}"/>
+                <a16:creationId xmlns:a16="http://schemas.microsoft.com/office/drawing/2014/main" id="{250797AC-728B-40EE-B7D9-4C12783059BE}"/>
               </a:ext>
             </a:extLst>
           </p:cNvPr>
@@ -9534,8 +11475,8 @@
         </p:nvSpPr>
         <p:spPr>
           <a:xfrm>
-            <a:off x="1451581" y="2015732"/>
-            <a:ext cx="4172212" cy="3450613"/>
+            <a:off x="195209" y="2015732"/>
+            <a:ext cx="5428584" cy="3450613"/>
           </a:xfrm>
         </p:spPr>
         <p:txBody>
@@ -9546,20 +11487,36 @@
           <a:p>
             <a:r>
               <a:rPr lang="en-US" dirty="0"/>
-              <a:t>All hotspots &gt; 0.3 eliminated from the dataset.  </a:t>
-            </a:r>
-          </a:p>
-          <a:p>
+              <a:t>Dropping “</a:t>
+            </a:r>
+            <a:r>
+              <a:rPr lang="en-US" dirty="0" err="1"/>
+              <a:t>weight_gain</a:t>
+            </a:r>
             <a:r>
               <a:rPr lang="en-US" dirty="0"/>
-              <a:t>36 symptoms remaining</a:t>
-            </a:r>
+              <a:t>” and “</a:t>
+            </a:r>
+            <a:r>
+              <a:rPr lang="en-US" dirty="0" err="1"/>
+              <a:t>cold_hands_and_feets</a:t>
+            </a:r>
+            <a:r>
+              <a:rPr lang="en-US" dirty="0"/>
+              <a:t>” eliminates the high relationships between these 2 variables and the 4 other variables </a:t>
+            </a:r>
+          </a:p>
+          <a:p>
+            <a:endParaRPr lang="en-US" dirty="0"/>
+          </a:p>
+          <a:p>
+            <a:endParaRPr lang="en-US" dirty="0"/>
           </a:p>
         </p:txBody>
       </p:sp>
       <p:pic>
         <p:nvPicPr>
-          <p:cNvPr id="17" name="Picture 16">
+          <p:cNvPr id="112" name="Picture 111">
             <a:extLst>
               <a:ext uri="{FF2B5EF4-FFF2-40B4-BE49-F238E27FC236}">
                 <a16:creationId xmlns:a16="http://schemas.microsoft.com/office/drawing/2014/main" id="{39D1DDD4-5BB3-45BA-B9B3-06B62299AD79}"/>
@@ -9603,7 +11560,7 @@
       </p:pic>
       <p:cxnSp>
         <p:nvCxnSpPr>
-          <p:cNvPr id="19" name="Straight Connector 18">
+          <p:cNvPr id="114" name="Straight Connector 113">
             <a:extLst>
               <a:ext uri="{FF2B5EF4-FFF2-40B4-BE49-F238E27FC236}">
                 <a16:creationId xmlns:a16="http://schemas.microsoft.com/office/drawing/2014/main" id="{A24DAE64-2302-42EA-8239-F2F0775CA5AD}"/>
@@ -9657,47 +11614,85 @@
       </p:cxnSp>
       <p:pic>
         <p:nvPicPr>
-          <p:cNvPr id="3" name="Picture 2">
+          <p:cNvPr id="5" name="Picture 4" descr="A close up of a building&#10;&#10;Description automatically generated">
             <a:extLst>
               <a:ext uri="{FF2B5EF4-FFF2-40B4-BE49-F238E27FC236}">
-                <a16:creationId xmlns:a16="http://schemas.microsoft.com/office/drawing/2014/main" id="{79337533-8120-404F-87AF-4F0F13B32B74}"/>
+                <a16:creationId xmlns:a16="http://schemas.microsoft.com/office/drawing/2014/main" id="{B50DDF2B-FE43-4C62-A35B-6FB2EF560915}"/>
               </a:ext>
             </a:extLst>
           </p:cNvPr>
-          <p:cNvPicPr/>
+          <p:cNvPicPr>
+            <a:picLocks noChangeAspect="1"/>
+          </p:cNvPicPr>
           <p:nvPr/>
         </p:nvPicPr>
         <p:blipFill>
-          <a:blip r:embed="rId3" cstate="print">
+          <a:blip r:embed="rId3">
             <a:extLst>
               <a:ext uri="{28A0092B-C50C-407E-A947-70E740481C1C}">
                 <a14:useLocalDpi xmlns:a14="http://schemas.microsoft.com/office/drawing/2010/main" val="0"/>
               </a:ext>
             </a:extLst>
           </a:blip>
-          <a:srcRect/>
           <a:stretch>
             <a:fillRect/>
           </a:stretch>
         </p:blipFill>
-        <p:spPr bwMode="auto">
+        <p:spPr>
           <a:xfrm>
-            <a:off x="6096000" y="729586"/>
-            <a:ext cx="5943600" cy="5133975"/>
+            <a:off x="5856128" y="720090"/>
+            <a:ext cx="6246281" cy="5394960"/>
           </a:xfrm>
           <a:prstGeom prst="rect">
             <a:avLst/>
           </a:prstGeom>
-          <a:noFill/>
-          <a:ln>
-            <a:noFill/>
+        </p:spPr>
+      </p:pic>
+      <p:cxnSp>
+        <p:nvCxnSpPr>
+          <p:cNvPr id="16" name="Straight Arrow Connector 15">
+            <a:extLst>
+              <a:ext uri="{FF2B5EF4-FFF2-40B4-BE49-F238E27FC236}">
+                <a16:creationId xmlns:a16="http://schemas.microsoft.com/office/drawing/2014/main" id="{09DD5869-C36C-41BB-B340-3F97FEBC0289}"/>
+              </a:ext>
+            </a:extLst>
+          </p:cNvPr>
+          <p:cNvCxnSpPr>
+            <a:cxnSpLocks/>
+          </p:cNvCxnSpPr>
+          <p:nvPr/>
+        </p:nvCxnSpPr>
+        <p:spPr>
+          <a:xfrm>
+            <a:off x="5569624" y="3417570"/>
+            <a:ext cx="838529" cy="148977"/>
+          </a:xfrm>
+          <a:prstGeom prst="straightConnector1">
+            <a:avLst/>
+          </a:prstGeom>
+          <a:ln w="76200">
+            <a:tailEnd type="triangle"/>
           </a:ln>
         </p:spPr>
-      </p:pic>
+        <p:style>
+          <a:lnRef idx="3">
+            <a:schemeClr val="accent1"/>
+          </a:lnRef>
+          <a:fillRef idx="0">
+            <a:schemeClr val="accent1"/>
+          </a:fillRef>
+          <a:effectRef idx="2">
+            <a:schemeClr val="accent1"/>
+          </a:effectRef>
+          <a:fontRef idx="minor">
+            <a:schemeClr val="tx1"/>
+          </a:fontRef>
+        </p:style>
+      </p:cxnSp>
     </p:spTree>
     <p:extLst>
       <p:ext uri="{BB962C8B-B14F-4D97-AF65-F5344CB8AC3E}">
-        <p14:creationId xmlns:p14="http://schemas.microsoft.com/office/powerpoint/2010/main" val="3171255666"/>
+        <p14:creationId xmlns:p14="http://schemas.microsoft.com/office/powerpoint/2010/main" val="143435711"/>
       </p:ext>
     </p:extLst>
   </p:cSld>
@@ -9710,6 +11705,30 @@
 <file path=ppt/slides/slide8.xml><?xml version="1.0" encoding="utf-8"?>
 <p:sld xmlns:a="http://schemas.openxmlformats.org/drawingml/2006/main" xmlns:r="http://schemas.openxmlformats.org/officeDocument/2006/relationships" xmlns:p="http://schemas.openxmlformats.org/presentationml/2006/main">
   <p:cSld>
+    <p:bg>
+      <p:bgPr>
+        <a:gradFill rotWithShape="1">
+          <a:gsLst>
+            <a:gs pos="0">
+              <a:schemeClr val="bg2">
+                <a:tint val="94000"/>
+                <a:satMod val="80000"/>
+                <a:lumMod val="106000"/>
+              </a:schemeClr>
+            </a:gs>
+            <a:gs pos="100000">
+              <a:schemeClr val="bg2">
+                <a:shade val="80000"/>
+              </a:schemeClr>
+            </a:gs>
+          </a:gsLst>
+          <a:path path="circle">
+            <a:fillToRect l="43000" r="43000" b="100000"/>
+          </a:path>
+        </a:gradFill>
+        <a:effectLst/>
+      </p:bgPr>
+    </p:bg>
     <p:spTree>
       <p:nvGrpSpPr>
         <p:cNvPr id="1" name=""/>
@@ -9724,12 +11743,120 @@
           <a:chExt cx="0" cy="0"/>
         </a:xfrm>
       </p:grpSpPr>
+      <p:sp useBgFill="1">
+        <p:nvSpPr>
+          <p:cNvPr id="11" name="Rectangle 10">
+            <a:extLst>
+              <a:ext uri="{FF2B5EF4-FFF2-40B4-BE49-F238E27FC236}">
+                <a16:creationId xmlns:a16="http://schemas.microsoft.com/office/drawing/2014/main" id="{35C3D674-3D59-4E93-80CA-0C0A9095E816}"/>
+              </a:ext>
+              <a:ext uri="{C183D7F6-B498-43B3-948B-1728B52AA6E4}">
+                <adec:decorative xmlns:adec="http://schemas.microsoft.com/office/drawing/2017/decorative" val="1"/>
+              </a:ext>
+            </a:extLst>
+          </p:cNvPr>
+          <p:cNvSpPr>
+            <a:spLocks noGrp="1" noRot="1" noChangeAspect="1" noMove="1" noResize="1" noEditPoints="1" noAdjustHandles="1" noChangeArrowheads="1" noChangeShapeType="1" noTextEdit="1"/>
+          </p:cNvSpPr>
+          <p:nvPr>
+            <p:extLst>
+              <p:ext uri="{386F3935-93C4-4BCD-93E2-E3B085C9AB24}">
+                <p16:designElem xmlns:p16="http://schemas.microsoft.com/office/powerpoint/2015/main" val="1"/>
+              </p:ext>
+            </p:extLst>
+          </p:nvPr>
+        </p:nvSpPr>
+        <p:spPr>
+          <a:xfrm>
+            <a:off x="2" y="0"/>
+            <a:ext cx="12191695" cy="6858000"/>
+          </a:xfrm>
+          <a:prstGeom prst="rect">
+            <a:avLst/>
+          </a:prstGeom>
+          <a:ln>
+            <a:noFill/>
+          </a:ln>
+        </p:spPr>
+        <p:style>
+          <a:lnRef idx="2">
+            <a:schemeClr val="accent1">
+              <a:shade val="50000"/>
+            </a:schemeClr>
+          </a:lnRef>
+          <a:fillRef idx="1">
+            <a:schemeClr val="accent1"/>
+          </a:fillRef>
+          <a:effectRef idx="0">
+            <a:schemeClr val="accent1"/>
+          </a:effectRef>
+          <a:fontRef idx="minor">
+            <a:schemeClr val="lt1"/>
+          </a:fontRef>
+        </p:style>
+        <p:txBody>
+          <a:bodyPr rtlCol="0" anchor="ctr"/>
+          <a:lstStyle/>
+          <a:p>
+            <a:pPr algn="ctr"/>
+            <a:endParaRPr lang="en-US"/>
+          </a:p>
+        </p:txBody>
+      </p:sp>
+      <p:cxnSp>
+        <p:nvCxnSpPr>
+          <p:cNvPr id="13" name="Straight Connector 12">
+            <a:extLst>
+              <a:ext uri="{FF2B5EF4-FFF2-40B4-BE49-F238E27FC236}">
+                <a16:creationId xmlns:a16="http://schemas.microsoft.com/office/drawing/2014/main" id="{C884B8F8-FDC9-498B-9960-5D7260AFCB03}"/>
+              </a:ext>
+              <a:ext uri="{C183D7F6-B498-43B3-948B-1728B52AA6E4}">
+                <adec:decorative xmlns:adec="http://schemas.microsoft.com/office/drawing/2017/decorative" val="1"/>
+              </a:ext>
+            </a:extLst>
+          </p:cNvPr>
+          <p:cNvCxnSpPr>
+            <a:cxnSpLocks noGrp="1" noRot="1" noChangeAspect="1" noMove="1" noResize="1" noEditPoints="1" noAdjustHandles="1" noChangeArrowheads="1" noChangeShapeType="1"/>
+          </p:cNvCxnSpPr>
+          <p:nvPr>
+            <p:extLst>
+              <p:ext uri="{386F3935-93C4-4BCD-93E2-E3B085C9AB24}">
+                <p16:designElem xmlns:p16="http://schemas.microsoft.com/office/powerpoint/2015/main" val="1"/>
+              </p:ext>
+            </p:extLst>
+          </p:nvPr>
+        </p:nvCxnSpPr>
+        <p:spPr>
+          <a:xfrm>
+            <a:off x="1453896" y="1847088"/>
+            <a:ext cx="4177373" cy="0"/>
+          </a:xfrm>
+          <a:prstGeom prst="line">
+            <a:avLst/>
+          </a:prstGeom>
+          <a:ln w="31750"/>
+        </p:spPr>
+        <p:style>
+          <a:lnRef idx="3">
+            <a:schemeClr val="accent1"/>
+          </a:lnRef>
+          <a:fillRef idx="0">
+            <a:schemeClr val="accent1"/>
+          </a:fillRef>
+          <a:effectRef idx="2">
+            <a:schemeClr val="accent1"/>
+          </a:effectRef>
+          <a:fontRef idx="minor">
+            <a:schemeClr val="tx1"/>
+          </a:fontRef>
+        </p:style>
+      </p:cxnSp>
       <p:sp>
         <p:nvSpPr>
           <p:cNvPr id="2" name="Title 1">
             <a:extLst>
               <a:ext uri="{FF2B5EF4-FFF2-40B4-BE49-F238E27FC236}">
-                <a16:creationId xmlns:a16="http://schemas.microsoft.com/office/drawing/2014/main" id="{F3AF2504-A2D4-474B-A5B6-AB528B5BB432}"/>
+                <a16:creationId xmlns:a16="http://schemas.microsoft.com/office/drawing/2014/main" id="{29C356AC-3083-4F7B-9625-DA105168CCF7}"/>
               </a:ext>
             </a:extLst>
           </p:cNvPr>
@@ -9740,24 +11867,106 @@
             <p:ph type="title"/>
           </p:nvPr>
         </p:nvSpPr>
-        <p:spPr/>
+        <p:spPr>
+          <a:xfrm>
+            <a:off x="1451580" y="804520"/>
+            <a:ext cx="4176511" cy="1049235"/>
+          </a:xfrm>
+        </p:spPr>
         <p:txBody>
-          <a:bodyPr/>
+          <a:bodyPr>
+            <a:normAutofit/>
+          </a:bodyPr>
           <a:lstStyle/>
           <a:p>
             <a:r>
-              <a:rPr lang="en-US" dirty="0"/>
-              <a:t>Creating the final model</a:t>
-            </a:r>
+              <a:rPr lang="en-US" sz="2800" dirty="0"/>
+              <a:t>Cramer’s V results After cleaning</a:t>
+            </a:r>
+            <a:endParaRPr lang="en-US" sz="3000" dirty="0"/>
           </a:p>
         </p:txBody>
       </p:sp>
       <p:sp>
         <p:nvSpPr>
-          <p:cNvPr id="5" name="Content Placeholder 4">
+          <p:cNvPr id="15" name="Rectangle 14">
             <a:extLst>
               <a:ext uri="{FF2B5EF4-FFF2-40B4-BE49-F238E27FC236}">
-                <a16:creationId xmlns:a16="http://schemas.microsoft.com/office/drawing/2014/main" id="{56C199E6-DA92-49E5-B7B2-25A4B4F2A205}"/>
+                <a16:creationId xmlns:a16="http://schemas.microsoft.com/office/drawing/2014/main" id="{EF2A81E1-BCBE-426B-8C09-33274E69409D}"/>
+              </a:ext>
+              <a:ext uri="{C183D7F6-B498-43B3-948B-1728B52AA6E4}">
+                <adec:decorative xmlns:adec="http://schemas.microsoft.com/office/drawing/2017/decorative" val="1"/>
+              </a:ext>
+            </a:extLst>
+          </p:cNvPr>
+          <p:cNvSpPr>
+            <a:spLocks noGrp="1" noRot="1" noChangeAspect="1" noMove="1" noResize="1" noEditPoints="1" noAdjustHandles="1" noChangeArrowheads="1" noChangeShapeType="1" noTextEdit="1"/>
+          </p:cNvSpPr>
+          <p:nvPr>
+            <p:extLst>
+              <p:ext uri="{386F3935-93C4-4BCD-93E2-E3B085C9AB24}">
+                <p16:designElem xmlns:p16="http://schemas.microsoft.com/office/powerpoint/2015/main" val="1"/>
+              </p:ext>
+            </p:extLst>
+          </p:nvPr>
+        </p:nvSpPr>
+        <p:spPr>
+          <a:xfrm>
+            <a:off x="0" y="2019476"/>
+            <a:ext cx="12192000" cy="4105941"/>
+          </a:xfrm>
+          <a:prstGeom prst="rect">
+            <a:avLst/>
+          </a:prstGeom>
+          <a:gradFill flip="none" rotWithShape="1">
+            <a:gsLst>
+              <a:gs pos="0">
+                <a:schemeClr val="bg2">
+                  <a:alpha val="0"/>
+                </a:schemeClr>
+              </a:gs>
+              <a:gs pos="100000">
+                <a:schemeClr val="bg2"/>
+              </a:gs>
+            </a:gsLst>
+            <a:lin ang="5400000" scaled="0"/>
+            <a:tileRect/>
+          </a:gradFill>
+          <a:ln>
+            <a:noFill/>
+          </a:ln>
+        </p:spPr>
+        <p:style>
+          <a:lnRef idx="2">
+            <a:schemeClr val="accent1">
+              <a:shade val="50000"/>
+            </a:schemeClr>
+          </a:lnRef>
+          <a:fillRef idx="1">
+            <a:schemeClr val="accent1"/>
+          </a:fillRef>
+          <a:effectRef idx="0">
+            <a:schemeClr val="accent1"/>
+          </a:effectRef>
+          <a:fontRef idx="minor">
+            <a:schemeClr val="lt1"/>
+          </a:fontRef>
+        </p:style>
+        <p:txBody>
+          <a:bodyPr rtlCol="0" anchor="ctr"/>
+          <a:lstStyle/>
+          <a:p>
+            <a:pPr lvl="0" algn="ctr"/>
+            <a:endParaRPr lang="en-US"/>
+          </a:p>
+        </p:txBody>
+      </p:sp>
+      <p:sp>
+        <p:nvSpPr>
+          <p:cNvPr id="8" name="Content Placeholder 7">
+            <a:extLst>
+              <a:ext uri="{FF2B5EF4-FFF2-40B4-BE49-F238E27FC236}">
+                <a16:creationId xmlns:a16="http://schemas.microsoft.com/office/drawing/2014/main" id="{3363D55C-3262-4663-854E-EEA9342AD7D0}"/>
               </a:ext>
             </a:extLst>
           </p:cNvPr>
@@ -9768,58 +11977,169 @@
             <p:ph idx="1"/>
           </p:nvPr>
         </p:nvSpPr>
-        <p:spPr/>
+        <p:spPr>
+          <a:xfrm>
+            <a:off x="136742" y="2015732"/>
+            <a:ext cx="5487051" cy="3450613"/>
+          </a:xfrm>
+        </p:spPr>
         <p:txBody>
-          <a:bodyPr/>
+          <a:bodyPr>
+            <a:normAutofit/>
+          </a:bodyPr>
           <a:lstStyle/>
           <a:p>
             <a:r>
               <a:rPr lang="en-US" dirty="0"/>
-              <a:t>Random forest model implemented</a:t>
+              <a:t>All hotspots &gt; 0.3 eliminated from the dataset.  </a:t>
             </a:r>
           </a:p>
           <a:p>
             <a:r>
               <a:rPr lang="en-US" dirty="0"/>
-              <a:t>Model overview:</a:t>
-            </a:r>
-          </a:p>
-          <a:p>
-            <a:pPr lvl="1"/>
-            <a:r>
-              <a:rPr lang="en-US" dirty="0"/>
-              <a:t>Predictive features: 36 Symptoms</a:t>
-            </a:r>
-          </a:p>
-          <a:p>
-            <a:pPr lvl="1"/>
-            <a:r>
-              <a:rPr lang="en-US" dirty="0"/>
-              <a:t>Target variable: Triage Classification (4 possible outcomes)</a:t>
-            </a:r>
-          </a:p>
-          <a:p>
-            <a:r>
-              <a:rPr lang="en-US" dirty="0"/>
-              <a:t>Technologies used</a:t>
-            </a:r>
-          </a:p>
-          <a:p>
-            <a:pPr lvl="1"/>
-            <a:r>
-              <a:rPr lang="en-US" dirty="0"/>
-              <a:t>Scikit-learn for model building.</a:t>
-            </a:r>
-          </a:p>
-          <a:p>
-            <a:endParaRPr lang="en-US" dirty="0"/>
+              <a:t>36 symptoms remaining</a:t>
+            </a:r>
           </a:p>
         </p:txBody>
       </p:sp>
+      <p:pic>
+        <p:nvPicPr>
+          <p:cNvPr id="17" name="Picture 16">
+            <a:extLst>
+              <a:ext uri="{FF2B5EF4-FFF2-40B4-BE49-F238E27FC236}">
+                <a16:creationId xmlns:a16="http://schemas.microsoft.com/office/drawing/2014/main" id="{39D1DDD4-5BB3-45BA-B9B3-06B62299AD79}"/>
+              </a:ext>
+              <a:ext uri="{C183D7F6-B498-43B3-948B-1728B52AA6E4}">
+                <adec:decorative xmlns:adec="http://schemas.microsoft.com/office/drawing/2017/decorative" val="1"/>
+              </a:ext>
+            </a:extLst>
+          </p:cNvPr>
+          <p:cNvPicPr>
+            <a:picLocks noGrp="1" noRot="1" noChangeAspect="1" noMove="1" noResize="1" noEditPoints="1" noAdjustHandles="1" noChangeArrowheads="1" noChangeShapeType="1" noCrop="1"/>
+          </p:cNvPicPr>
+          <p:nvPr>
+            <p:extLst>
+              <p:ext uri="{386F3935-93C4-4BCD-93E2-E3B085C9AB24}">
+                <p16:designElem xmlns:p16="http://schemas.microsoft.com/office/powerpoint/2015/main" val="1"/>
+              </p:ext>
+            </p:extLst>
+          </p:nvPr>
+        </p:nvPicPr>
+        <p:blipFill rotWithShape="1">
+          <a:blip r:embed="rId2">
+            <a:extLst>
+              <a:ext uri="{28A0092B-C50C-407E-A947-70E740481C1C}">
+                <a14:useLocalDpi xmlns:a14="http://schemas.microsoft.com/office/drawing/2010/main" val="0"/>
+              </a:ext>
+            </a:extLst>
+          </a:blip>
+          <a:srcRect t="1538" b="-1538"/>
+          <a:stretch/>
+        </p:blipFill>
+        <p:spPr bwMode="black">
+          <a:xfrm>
+            <a:off x="0" y="6126480"/>
+            <a:ext cx="12192000" cy="742950"/>
+          </a:xfrm>
+          <a:prstGeom prst="rect">
+            <a:avLst/>
+          </a:prstGeom>
+        </p:spPr>
+      </p:pic>
+      <p:cxnSp>
+        <p:nvCxnSpPr>
+          <p:cNvPr id="19" name="Straight Connector 18">
+            <a:extLst>
+              <a:ext uri="{FF2B5EF4-FFF2-40B4-BE49-F238E27FC236}">
+                <a16:creationId xmlns:a16="http://schemas.microsoft.com/office/drawing/2014/main" id="{A24DAE64-2302-42EA-8239-F2F0775CA5AD}"/>
+              </a:ext>
+              <a:ext uri="{C183D7F6-B498-43B3-948B-1728B52AA6E4}">
+                <adec:decorative xmlns:adec="http://schemas.microsoft.com/office/drawing/2017/decorative" val="1"/>
+              </a:ext>
+            </a:extLst>
+          </p:cNvPr>
+          <p:cNvCxnSpPr>
+            <a:cxnSpLocks noGrp="1" noRot="1" noChangeAspect="1" noMove="1" noResize="1" noEditPoints="1" noAdjustHandles="1" noChangeArrowheads="1" noChangeShapeType="1"/>
+          </p:cNvCxnSpPr>
+          <p:nvPr>
+            <p:extLst>
+              <p:ext uri="{386F3935-93C4-4BCD-93E2-E3B085C9AB24}">
+                <p16:designElem xmlns:p16="http://schemas.microsoft.com/office/powerpoint/2015/main" val="1"/>
+              </p:ext>
+            </p:extLst>
+          </p:nvPr>
+        </p:nvCxnSpPr>
+        <p:spPr>
+          <a:xfrm>
+            <a:off x="0" y="6128413"/>
+            <a:ext cx="12192000" cy="0"/>
+          </a:xfrm>
+          <a:prstGeom prst="line">
+            <a:avLst/>
+          </a:prstGeom>
+          <a:ln w="12700">
+            <a:solidFill>
+              <a:srgbClr val="000001">
+                <a:alpha val="20000"/>
+              </a:srgbClr>
+            </a:solidFill>
+          </a:ln>
+        </p:spPr>
+        <p:style>
+          <a:lnRef idx="1">
+            <a:schemeClr val="accent1"/>
+          </a:lnRef>
+          <a:fillRef idx="0">
+            <a:schemeClr val="accent1"/>
+          </a:fillRef>
+          <a:effectRef idx="0">
+            <a:schemeClr val="accent1"/>
+          </a:effectRef>
+          <a:fontRef idx="minor">
+            <a:schemeClr val="tx1"/>
+          </a:fontRef>
+        </p:style>
+      </p:cxnSp>
+      <p:pic>
+        <p:nvPicPr>
+          <p:cNvPr id="5" name="Picture 4">
+            <a:extLst>
+              <a:ext uri="{FF2B5EF4-FFF2-40B4-BE49-F238E27FC236}">
+                <a16:creationId xmlns:a16="http://schemas.microsoft.com/office/drawing/2014/main" id="{CD9E2706-938D-47AA-A4CD-3F111C7EE705}"/>
+              </a:ext>
+            </a:extLst>
+          </p:cNvPr>
+          <p:cNvPicPr>
+            <a:picLocks noChangeAspect="1"/>
+          </p:cNvPicPr>
+          <p:nvPr/>
+        </p:nvPicPr>
+        <p:blipFill>
+          <a:blip r:embed="rId3">
+            <a:extLst>
+              <a:ext uri="{28A0092B-C50C-407E-A947-70E740481C1C}">
+                <a14:useLocalDpi xmlns:a14="http://schemas.microsoft.com/office/drawing/2010/main" val="0"/>
+              </a:ext>
+            </a:extLst>
+          </a:blip>
+          <a:stretch>
+            <a:fillRect/>
+          </a:stretch>
+        </p:blipFill>
+        <p:spPr>
+          <a:xfrm>
+            <a:off x="5914849" y="804520"/>
+            <a:ext cx="6140409" cy="5303520"/>
+          </a:xfrm>
+          <a:prstGeom prst="rect">
+            <a:avLst/>
+          </a:prstGeom>
+        </p:spPr>
+      </p:pic>
     </p:spTree>
     <p:extLst>
       <p:ext uri="{BB962C8B-B14F-4D97-AF65-F5344CB8AC3E}">
-        <p14:creationId xmlns:p14="http://schemas.microsoft.com/office/powerpoint/2010/main" val="425397602"/>
+        <p14:creationId xmlns:p14="http://schemas.microsoft.com/office/powerpoint/2010/main" val="3171255666"/>
       </p:ext>
     </p:extLst>
   </p:cSld>
@@ -9851,7 +12171,7 @@
           <p:cNvPr id="2" name="Title 1">
             <a:extLst>
               <a:ext uri="{FF2B5EF4-FFF2-40B4-BE49-F238E27FC236}">
-                <a16:creationId xmlns:a16="http://schemas.microsoft.com/office/drawing/2014/main" id="{FBD21B48-0616-4857-83D1-A9BC52C5EDF9}"/>
+                <a16:creationId xmlns:a16="http://schemas.microsoft.com/office/drawing/2014/main" id="{3BD0C7AB-E985-4A0D-8023-D12E3310096A}"/>
               </a:ext>
             </a:extLst>
           </p:cNvPr>
@@ -9869,7 +12189,7 @@
           <a:p>
             <a:r>
               <a:rPr lang="en-US" dirty="0"/>
-              <a:t>Model Steps</a:t>
+              <a:t>Remaining Features overview</a:t>
             </a:r>
           </a:p>
         </p:txBody>
@@ -9879,7 +12199,7 @@
           <p:cNvPr id="3" name="Content Placeholder 2">
             <a:extLst>
               <a:ext uri="{FF2B5EF4-FFF2-40B4-BE49-F238E27FC236}">
-                <a16:creationId xmlns:a16="http://schemas.microsoft.com/office/drawing/2014/main" id="{D89BCAA7-5E5B-4A97-AC08-66F0876E37A5}"/>
+                <a16:creationId xmlns:a16="http://schemas.microsoft.com/office/drawing/2014/main" id="{2EE6905C-9D86-444E-A453-93102357A780}"/>
               </a:ext>
             </a:extLst>
           </p:cNvPr>
@@ -9892,28 +12212,271 @@
         </p:nvSpPr>
         <p:spPr/>
         <p:txBody>
-          <a:bodyPr/>
+          <a:bodyPr>
+            <a:normAutofit fontScale="92500" lnSpcReduction="10000"/>
+          </a:bodyPr>
           <a:lstStyle/>
           <a:p>
             <a:r>
               <a:rPr lang="en-US" dirty="0"/>
-              <a:t>Split data using stratified 75/25 train/test split.</a:t>
+              <a:t>36 remaining features</a:t>
+            </a:r>
+          </a:p>
+          <a:p>
+            <a:r>
+              <a:rPr lang="en-US" dirty="0"/>
+              <a:t>Features vary by severity and system affected </a:t>
             </a:r>
           </a:p>
           <a:p>
             <a:pPr lvl="1"/>
             <a:r>
-              <a:rPr lang="en-US" dirty="0"/>
-              <a:t>This allows part of the data to be unseen by the model until testing – this allows us to confirm accuracy of model.</a:t>
-            </a:r>
-          </a:p>
-          <a:p>
-            <a:r>
-              <a:rPr lang="en-US" dirty="0"/>
-              <a:t>10 estimators and entropy criterion </a:t>
-            </a:r>
-          </a:p>
-          <a:p>
+              <a:rPr lang="en-US" b="1" i="0" dirty="0">
+                <a:solidFill>
+                  <a:srgbClr val="000000"/>
+                </a:solidFill>
+                <a:effectLst/>
+                <a:latin typeface="Helvetica Neue"/>
+              </a:rPr>
+              <a:t> </a:t>
+            </a:r>
+            <a:r>
+              <a:rPr lang="en-US" i="0" dirty="0">
+                <a:solidFill>
+                  <a:srgbClr val="000000"/>
+                </a:solidFill>
+                <a:effectLst/>
+                <a:latin typeface="Helvetica Neue"/>
+              </a:rPr>
+              <a:t>Severe</a:t>
+            </a:r>
+          </a:p>
+          <a:p>
+            <a:pPr lvl="2"/>
+            <a:r>
+              <a:rPr lang="en-US" i="0" dirty="0">
+                <a:solidFill>
+                  <a:srgbClr val="000000"/>
+                </a:solidFill>
+                <a:effectLst/>
+                <a:latin typeface="Helvetica Neue"/>
+              </a:rPr>
+              <a:t>Example: </a:t>
+            </a:r>
+            <a:r>
+              <a:rPr lang="en-US" i="0" dirty="0" err="1">
+                <a:solidFill>
+                  <a:srgbClr val="000000"/>
+                </a:solidFill>
+                <a:effectLst/>
+                <a:latin typeface="Helvetica Neue"/>
+              </a:rPr>
+              <a:t>weakness_of_one_body_side</a:t>
+            </a:r>
+            <a:r>
+              <a:rPr lang="en-US" dirty="0">
+                <a:solidFill>
+                  <a:srgbClr val="000000"/>
+                </a:solidFill>
+                <a:latin typeface="Helvetica Neue"/>
+              </a:rPr>
+              <a:t>(neurological), </a:t>
+            </a:r>
+            <a:r>
+              <a:rPr lang="en-US" dirty="0" err="1">
+                <a:solidFill>
+                  <a:srgbClr val="000000"/>
+                </a:solidFill>
+                <a:latin typeface="Helvetica Neue"/>
+              </a:rPr>
+              <a:t>muscle_weakness</a:t>
+            </a:r>
+            <a:r>
+              <a:rPr lang="en-US" dirty="0">
+                <a:solidFill>
+                  <a:srgbClr val="000000"/>
+                </a:solidFill>
+                <a:latin typeface="Helvetica Neue"/>
+              </a:rPr>
+              <a:t>(</a:t>
+            </a:r>
+            <a:r>
+              <a:rPr lang="en-US" dirty="0" err="1">
+                <a:solidFill>
+                  <a:srgbClr val="000000"/>
+                </a:solidFill>
+                <a:latin typeface="Helvetica Neue"/>
+              </a:rPr>
+              <a:t>mudculoskeletal</a:t>
+            </a:r>
+            <a:r>
+              <a:rPr lang="en-US" dirty="0">
+                <a:solidFill>
+                  <a:srgbClr val="000000"/>
+                </a:solidFill>
+                <a:latin typeface="Helvetica Neue"/>
+              </a:rPr>
+              <a:t>)</a:t>
+            </a:r>
+            <a:endParaRPr lang="en-US" i="0" dirty="0">
+              <a:solidFill>
+                <a:srgbClr val="000000"/>
+              </a:solidFill>
+              <a:effectLst/>
+              <a:latin typeface="Helvetica Neue"/>
+            </a:endParaRPr>
+          </a:p>
+          <a:p>
+            <a:pPr lvl="1"/>
+            <a:r>
+              <a:rPr lang="en-US" dirty="0">
+                <a:solidFill>
+                  <a:srgbClr val="000000"/>
+                </a:solidFill>
+                <a:latin typeface="Helvetica Neue"/>
+              </a:rPr>
+              <a:t>Moderate </a:t>
+            </a:r>
+          </a:p>
+          <a:p>
+            <a:pPr lvl="2"/>
+            <a:r>
+              <a:rPr lang="en-US" i="0" dirty="0">
+                <a:solidFill>
+                  <a:srgbClr val="000000"/>
+                </a:solidFill>
+                <a:effectLst/>
+                <a:latin typeface="Helvetica Neue"/>
+              </a:rPr>
+              <a:t>Example: </a:t>
+            </a:r>
+            <a:r>
+              <a:rPr lang="en-US" i="0" dirty="0" err="1">
+                <a:solidFill>
+                  <a:srgbClr val="000000"/>
+                </a:solidFill>
+                <a:effectLst/>
+                <a:latin typeface="Helvetica Neue"/>
+              </a:rPr>
+              <a:t>stomach_pain</a:t>
+            </a:r>
+            <a:r>
+              <a:rPr lang="en-US" i="0" dirty="0">
+                <a:solidFill>
+                  <a:srgbClr val="000000"/>
+                </a:solidFill>
+                <a:effectLst/>
+                <a:latin typeface="Helvetica Neue"/>
+              </a:rPr>
+              <a:t>(gastrointestinal) </a:t>
+            </a:r>
+            <a:r>
+              <a:rPr lang="en-US" dirty="0">
+                <a:solidFill>
+                  <a:srgbClr val="000000"/>
+                </a:solidFill>
+                <a:latin typeface="Helvetica Neue"/>
+              </a:rPr>
+              <a:t>, </a:t>
+            </a:r>
+            <a:r>
+              <a:rPr lang="en-US" dirty="0" err="1">
+                <a:solidFill>
+                  <a:srgbClr val="000000"/>
+                </a:solidFill>
+                <a:latin typeface="Helvetica Neue"/>
+              </a:rPr>
+              <a:t>skin_rash</a:t>
+            </a:r>
+            <a:r>
+              <a:rPr lang="en-US" dirty="0">
+                <a:solidFill>
+                  <a:srgbClr val="000000"/>
+                </a:solidFill>
+                <a:latin typeface="Helvetica Neue"/>
+              </a:rPr>
+              <a:t>(dermatological) </a:t>
+            </a:r>
+            <a:endParaRPr lang="en-US" i="0" dirty="0">
+              <a:solidFill>
+                <a:srgbClr val="000000"/>
+              </a:solidFill>
+              <a:effectLst/>
+              <a:latin typeface="Helvetica Neue"/>
+            </a:endParaRPr>
+          </a:p>
+          <a:p>
+            <a:pPr lvl="1"/>
+            <a:r>
+              <a:rPr lang="en-US" dirty="0">
+                <a:solidFill>
+                  <a:srgbClr val="000000"/>
+                </a:solidFill>
+                <a:latin typeface="Helvetica Neue"/>
+              </a:rPr>
+              <a:t>Mild</a:t>
+            </a:r>
+          </a:p>
+          <a:p>
+            <a:pPr lvl="2"/>
+            <a:r>
+              <a:rPr lang="en-US" i="0" dirty="0" err="1">
+                <a:solidFill>
+                  <a:srgbClr val="000000"/>
+                </a:solidFill>
+                <a:effectLst/>
+                <a:latin typeface="Helvetica Neue"/>
+              </a:rPr>
+              <a:t>stiff_neck</a:t>
+            </a:r>
+            <a:r>
+              <a:rPr lang="en-US" dirty="0">
+                <a:solidFill>
+                  <a:srgbClr val="000000"/>
+                </a:solidFill>
+                <a:latin typeface="Helvetica Neue"/>
+              </a:rPr>
+              <a:t>(musculoskeletal),</a:t>
+            </a:r>
+            <a:r>
+              <a:rPr lang="en-US" i="0" dirty="0">
+                <a:solidFill>
+                  <a:srgbClr val="000000"/>
+                </a:solidFill>
+                <a:effectLst/>
+                <a:latin typeface="Helvetica Neue"/>
+              </a:rPr>
+              <a:t> fatigue (multisystem)</a:t>
+            </a:r>
+          </a:p>
+          <a:p>
+            <a:r>
+              <a:rPr lang="en-US" dirty="0">
+                <a:solidFill>
+                  <a:srgbClr val="000000"/>
+                </a:solidFill>
+                <a:latin typeface="Helvetica Neue"/>
+              </a:rPr>
+              <a:t>Features can be acute, chronic, or risk factors for  example (</a:t>
+            </a:r>
+            <a:r>
+              <a:rPr lang="en-US" dirty="0" err="1">
+                <a:solidFill>
+                  <a:srgbClr val="000000"/>
+                </a:solidFill>
+                <a:latin typeface="Helvetica Neue"/>
+              </a:rPr>
+              <a:t>history_of_alcoholism</a:t>
+            </a:r>
+            <a:r>
+              <a:rPr lang="en-US" dirty="0">
+                <a:solidFill>
+                  <a:srgbClr val="000000"/>
+                </a:solidFill>
+                <a:latin typeface="Helvetica Neue"/>
+              </a:rPr>
+              <a:t>)</a:t>
+            </a:r>
             <a:endParaRPr lang="en-US" dirty="0"/>
           </a:p>
         </p:txBody>
@@ -9921,7 +12484,7 @@
     </p:spTree>
     <p:extLst>
       <p:ext uri="{BB962C8B-B14F-4D97-AF65-F5344CB8AC3E}">
-        <p14:creationId xmlns:p14="http://schemas.microsoft.com/office/powerpoint/2010/main" val="231327861"/>
+        <p14:creationId xmlns:p14="http://schemas.microsoft.com/office/powerpoint/2010/main" val="98367114"/>
       </p:ext>
     </p:extLst>
   </p:cSld>
